--- a/DesignPartern/Asset/Flyweight.pptx
+++ b/DesignPartern/Asset/Flyweight.pptx
@@ -4,6 +4,9 @@
   <p:sldMasterIdLst>
     <p:sldMasterId id="2147483751" r:id="rId1"/>
   </p:sldMasterIdLst>
+  <p:notesMasterIdLst>
+    <p:notesMasterId r:id="rId14"/>
+  </p:notesMasterIdLst>
   <p:sldIdLst>
     <p:sldId id="256" r:id="rId2"/>
     <p:sldId id="257" r:id="rId3"/>
@@ -123,6 +126,488 @@
 </p:presentation>
 </file>
 
+<file path=ppt/notesMasters/notesMaster1.xml><?xml version="1.0" encoding="utf-8"?>
+<p:notesMaster xmlns:a="http://schemas.openxmlformats.org/drawingml/2006/main" xmlns:r="http://schemas.openxmlformats.org/officeDocument/2006/relationships" xmlns:p="http://schemas.openxmlformats.org/presentationml/2006/main">
+  <p:cSld>
+    <p:bg>
+      <p:bgRef idx="1001">
+        <a:schemeClr val="bg1"/>
+      </p:bgRef>
+    </p:bg>
+    <p:spTree>
+      <p:nvGrpSpPr>
+        <p:cNvPr id="1" name=""/>
+        <p:cNvGrpSpPr/>
+        <p:nvPr/>
+      </p:nvGrpSpPr>
+      <p:grpSpPr>
+        <a:xfrm>
+          <a:off x="0" y="0"/>
+          <a:ext cx="0" cy="0"/>
+          <a:chOff x="0" y="0"/>
+          <a:chExt cx="0" cy="0"/>
+        </a:xfrm>
+      </p:grpSpPr>
+      <p:sp>
+        <p:nvSpPr>
+          <p:cNvPr id="2" name="Header Placeholder 1"/>
+          <p:cNvSpPr>
+            <a:spLocks noGrp="1"/>
+          </p:cNvSpPr>
+          <p:nvPr>
+            <p:ph type="hdr" sz="quarter"/>
+          </p:nvPr>
+        </p:nvSpPr>
+        <p:spPr>
+          <a:xfrm>
+            <a:off x="0" y="0"/>
+            <a:ext cx="2971800" cy="458788"/>
+          </a:xfrm>
+          <a:prstGeom prst="rect">
+            <a:avLst/>
+          </a:prstGeom>
+        </p:spPr>
+        <p:txBody>
+          <a:bodyPr vert="horz" lIns="91440" tIns="45720" rIns="91440" bIns="45720" rtlCol="0"/>
+          <a:lstStyle>
+            <a:lvl1pPr algn="l">
+              <a:defRPr sz="1200"/>
+            </a:lvl1pPr>
+          </a:lstStyle>
+          <a:p>
+            <a:endParaRPr lang="vi-VN"/>
+          </a:p>
+        </p:txBody>
+      </p:sp>
+      <p:sp>
+        <p:nvSpPr>
+          <p:cNvPr id="3" name="Date Placeholder 2"/>
+          <p:cNvSpPr>
+            <a:spLocks noGrp="1"/>
+          </p:cNvSpPr>
+          <p:nvPr>
+            <p:ph type="dt" idx="1"/>
+          </p:nvPr>
+        </p:nvSpPr>
+        <p:spPr>
+          <a:xfrm>
+            <a:off x="3884613" y="0"/>
+            <a:ext cx="2971800" cy="458788"/>
+          </a:xfrm>
+          <a:prstGeom prst="rect">
+            <a:avLst/>
+          </a:prstGeom>
+        </p:spPr>
+        <p:txBody>
+          <a:bodyPr vert="horz" lIns="91440" tIns="45720" rIns="91440" bIns="45720" rtlCol="0"/>
+          <a:lstStyle>
+            <a:lvl1pPr algn="r">
+              <a:defRPr sz="1200"/>
+            </a:lvl1pPr>
+          </a:lstStyle>
+          <a:p>
+            <a:fld id="{47811E7D-7E08-401F-98E5-4B3E4ABC0EA2}" type="datetimeFigureOut">
+              <a:rPr lang="vi-VN" smtClean="0"/>
+              <a:t>16/10/2020</a:t>
+            </a:fld>
+            <a:endParaRPr lang="vi-VN"/>
+          </a:p>
+        </p:txBody>
+      </p:sp>
+      <p:sp>
+        <p:nvSpPr>
+          <p:cNvPr id="4" name="Slide Image Placeholder 3"/>
+          <p:cNvSpPr>
+            <a:spLocks noGrp="1" noRot="1" noChangeAspect="1"/>
+          </p:cNvSpPr>
+          <p:nvPr>
+            <p:ph type="sldImg" idx="2"/>
+          </p:nvPr>
+        </p:nvSpPr>
+        <p:spPr>
+          <a:xfrm>
+            <a:off x="685800" y="1143000"/>
+            <a:ext cx="5486400" cy="3086100"/>
+          </a:xfrm>
+          <a:prstGeom prst="rect">
+            <a:avLst/>
+          </a:prstGeom>
+          <a:noFill/>
+          <a:ln w="12700">
+            <a:solidFill>
+              <a:prstClr val="black"/>
+            </a:solidFill>
+          </a:ln>
+        </p:spPr>
+        <p:txBody>
+          <a:bodyPr vert="horz" lIns="91440" tIns="45720" rIns="91440" bIns="45720" rtlCol="0" anchor="ctr"/>
+          <a:lstStyle/>
+          <a:p>
+            <a:endParaRPr lang="vi-VN"/>
+          </a:p>
+        </p:txBody>
+      </p:sp>
+      <p:sp>
+        <p:nvSpPr>
+          <p:cNvPr id="5" name="Notes Placeholder 4"/>
+          <p:cNvSpPr>
+            <a:spLocks noGrp="1"/>
+          </p:cNvSpPr>
+          <p:nvPr>
+            <p:ph type="body" sz="quarter" idx="3"/>
+          </p:nvPr>
+        </p:nvSpPr>
+        <p:spPr>
+          <a:xfrm>
+            <a:off x="685800" y="4400550"/>
+            <a:ext cx="5486400" cy="3600450"/>
+          </a:xfrm>
+          <a:prstGeom prst="rect">
+            <a:avLst/>
+          </a:prstGeom>
+        </p:spPr>
+        <p:txBody>
+          <a:bodyPr vert="horz" lIns="91440" tIns="45720" rIns="91440" bIns="45720" rtlCol="0"/>
+          <a:lstStyle/>
+          <a:p>
+            <a:pPr lvl="0"/>
+            <a:r>
+              <a:rPr lang="en-US" smtClean="0"/>
+              <a:t>Edit Master text styles</a:t>
+            </a:r>
+          </a:p>
+          <a:p>
+            <a:pPr lvl="1"/>
+            <a:r>
+              <a:rPr lang="en-US" smtClean="0"/>
+              <a:t>Second level</a:t>
+            </a:r>
+          </a:p>
+          <a:p>
+            <a:pPr lvl="2"/>
+            <a:r>
+              <a:rPr lang="en-US" smtClean="0"/>
+              <a:t>Third level</a:t>
+            </a:r>
+          </a:p>
+          <a:p>
+            <a:pPr lvl="3"/>
+            <a:r>
+              <a:rPr lang="en-US" smtClean="0"/>
+              <a:t>Fourth level</a:t>
+            </a:r>
+          </a:p>
+          <a:p>
+            <a:pPr lvl="4"/>
+            <a:r>
+              <a:rPr lang="en-US" smtClean="0"/>
+              <a:t>Fifth level</a:t>
+            </a:r>
+            <a:endParaRPr lang="vi-VN"/>
+          </a:p>
+        </p:txBody>
+      </p:sp>
+      <p:sp>
+        <p:nvSpPr>
+          <p:cNvPr id="6" name="Footer Placeholder 5"/>
+          <p:cNvSpPr>
+            <a:spLocks noGrp="1"/>
+          </p:cNvSpPr>
+          <p:nvPr>
+            <p:ph type="ftr" sz="quarter" idx="4"/>
+          </p:nvPr>
+        </p:nvSpPr>
+        <p:spPr>
+          <a:xfrm>
+            <a:off x="0" y="8685213"/>
+            <a:ext cx="2971800" cy="458787"/>
+          </a:xfrm>
+          <a:prstGeom prst="rect">
+            <a:avLst/>
+          </a:prstGeom>
+        </p:spPr>
+        <p:txBody>
+          <a:bodyPr vert="horz" lIns="91440" tIns="45720" rIns="91440" bIns="45720" rtlCol="0" anchor="b"/>
+          <a:lstStyle>
+            <a:lvl1pPr algn="l">
+              <a:defRPr sz="1200"/>
+            </a:lvl1pPr>
+          </a:lstStyle>
+          <a:p>
+            <a:endParaRPr lang="vi-VN"/>
+          </a:p>
+        </p:txBody>
+      </p:sp>
+      <p:sp>
+        <p:nvSpPr>
+          <p:cNvPr id="7" name="Slide Number Placeholder 6"/>
+          <p:cNvSpPr>
+            <a:spLocks noGrp="1"/>
+          </p:cNvSpPr>
+          <p:nvPr>
+            <p:ph type="sldNum" sz="quarter" idx="5"/>
+          </p:nvPr>
+        </p:nvSpPr>
+        <p:spPr>
+          <a:xfrm>
+            <a:off x="3884613" y="8685213"/>
+            <a:ext cx="2971800" cy="458787"/>
+          </a:xfrm>
+          <a:prstGeom prst="rect">
+            <a:avLst/>
+          </a:prstGeom>
+        </p:spPr>
+        <p:txBody>
+          <a:bodyPr vert="horz" lIns="91440" tIns="45720" rIns="91440" bIns="45720" rtlCol="0" anchor="b"/>
+          <a:lstStyle>
+            <a:lvl1pPr algn="r">
+              <a:defRPr sz="1200"/>
+            </a:lvl1pPr>
+          </a:lstStyle>
+          <a:p>
+            <a:fld id="{B7F7C22B-FA5E-43C1-ADF2-A670D8485AED}" type="slidenum">
+              <a:rPr lang="vi-VN" smtClean="0"/>
+              <a:t>‹#›</a:t>
+            </a:fld>
+            <a:endParaRPr lang="vi-VN"/>
+          </a:p>
+        </p:txBody>
+      </p:sp>
+    </p:spTree>
+    <p:extLst>
+      <p:ext uri="{BB962C8B-B14F-4D97-AF65-F5344CB8AC3E}">
+        <p14:creationId xmlns:p14="http://schemas.microsoft.com/office/powerpoint/2010/main" val="2246786033"/>
+      </p:ext>
+    </p:extLst>
+  </p:cSld>
+  <p:clrMap bg1="lt1" tx1="dk1" bg2="lt2" tx2="dk2" accent1="accent1" accent2="accent2" accent3="accent3" accent4="accent4" accent5="accent5" accent6="accent6" hlink="hlink" folHlink="folHlink"/>
+  <p:notesStyle>
+    <a:lvl1pPr marL="0" algn="l" defTabSz="914400" rtl="0" eaLnBrk="1" latinLnBrk="0" hangingPunct="1">
+      <a:defRPr sz="1200" kern="1200">
+        <a:solidFill>
+          <a:schemeClr val="tx1"/>
+        </a:solidFill>
+        <a:latin typeface="+mn-lt"/>
+        <a:ea typeface="+mn-ea"/>
+        <a:cs typeface="+mn-cs"/>
+      </a:defRPr>
+    </a:lvl1pPr>
+    <a:lvl2pPr marL="457200" algn="l" defTabSz="914400" rtl="0" eaLnBrk="1" latinLnBrk="0" hangingPunct="1">
+      <a:defRPr sz="1200" kern="1200">
+        <a:solidFill>
+          <a:schemeClr val="tx1"/>
+        </a:solidFill>
+        <a:latin typeface="+mn-lt"/>
+        <a:ea typeface="+mn-ea"/>
+        <a:cs typeface="+mn-cs"/>
+      </a:defRPr>
+    </a:lvl2pPr>
+    <a:lvl3pPr marL="914400" algn="l" defTabSz="914400" rtl="0" eaLnBrk="1" latinLnBrk="0" hangingPunct="1">
+      <a:defRPr sz="1200" kern="1200">
+        <a:solidFill>
+          <a:schemeClr val="tx1"/>
+        </a:solidFill>
+        <a:latin typeface="+mn-lt"/>
+        <a:ea typeface="+mn-ea"/>
+        <a:cs typeface="+mn-cs"/>
+      </a:defRPr>
+    </a:lvl3pPr>
+    <a:lvl4pPr marL="1371600" algn="l" defTabSz="914400" rtl="0" eaLnBrk="1" latinLnBrk="0" hangingPunct="1">
+      <a:defRPr sz="1200" kern="1200">
+        <a:solidFill>
+          <a:schemeClr val="tx1"/>
+        </a:solidFill>
+        <a:latin typeface="+mn-lt"/>
+        <a:ea typeface="+mn-ea"/>
+        <a:cs typeface="+mn-cs"/>
+      </a:defRPr>
+    </a:lvl4pPr>
+    <a:lvl5pPr marL="1828800" algn="l" defTabSz="914400" rtl="0" eaLnBrk="1" latinLnBrk="0" hangingPunct="1">
+      <a:defRPr sz="1200" kern="1200">
+        <a:solidFill>
+          <a:schemeClr val="tx1"/>
+        </a:solidFill>
+        <a:latin typeface="+mn-lt"/>
+        <a:ea typeface="+mn-ea"/>
+        <a:cs typeface="+mn-cs"/>
+      </a:defRPr>
+    </a:lvl5pPr>
+    <a:lvl6pPr marL="2286000" algn="l" defTabSz="914400" rtl="0" eaLnBrk="1" latinLnBrk="0" hangingPunct="1">
+      <a:defRPr sz="1200" kern="1200">
+        <a:solidFill>
+          <a:schemeClr val="tx1"/>
+        </a:solidFill>
+        <a:latin typeface="+mn-lt"/>
+        <a:ea typeface="+mn-ea"/>
+        <a:cs typeface="+mn-cs"/>
+      </a:defRPr>
+    </a:lvl6pPr>
+    <a:lvl7pPr marL="2743200" algn="l" defTabSz="914400" rtl="0" eaLnBrk="1" latinLnBrk="0" hangingPunct="1">
+      <a:defRPr sz="1200" kern="1200">
+        <a:solidFill>
+          <a:schemeClr val="tx1"/>
+        </a:solidFill>
+        <a:latin typeface="+mn-lt"/>
+        <a:ea typeface="+mn-ea"/>
+        <a:cs typeface="+mn-cs"/>
+      </a:defRPr>
+    </a:lvl7pPr>
+    <a:lvl8pPr marL="3200400" algn="l" defTabSz="914400" rtl="0" eaLnBrk="1" latinLnBrk="0" hangingPunct="1">
+      <a:defRPr sz="1200" kern="1200">
+        <a:solidFill>
+          <a:schemeClr val="tx1"/>
+        </a:solidFill>
+        <a:latin typeface="+mn-lt"/>
+        <a:ea typeface="+mn-ea"/>
+        <a:cs typeface="+mn-cs"/>
+      </a:defRPr>
+    </a:lvl8pPr>
+    <a:lvl9pPr marL="3657600" algn="l" defTabSz="914400" rtl="0" eaLnBrk="1" latinLnBrk="0" hangingPunct="1">
+      <a:defRPr sz="1200" kern="1200">
+        <a:solidFill>
+          <a:schemeClr val="tx1"/>
+        </a:solidFill>
+        <a:latin typeface="+mn-lt"/>
+        <a:ea typeface="+mn-ea"/>
+        <a:cs typeface="+mn-cs"/>
+      </a:defRPr>
+    </a:lvl9pPr>
+  </p:notesStyle>
+</p:notesMaster>
+</file>
+
+<file path=ppt/notesSlides/notesSlide1.xml><?xml version="1.0" encoding="utf-8"?>
+<p:notes xmlns:a="http://schemas.openxmlformats.org/drawingml/2006/main" xmlns:r="http://schemas.openxmlformats.org/officeDocument/2006/relationships" xmlns:p="http://schemas.openxmlformats.org/presentationml/2006/main">
+  <p:cSld>
+    <p:spTree>
+      <p:nvGrpSpPr>
+        <p:cNvPr id="1" name=""/>
+        <p:cNvGrpSpPr/>
+        <p:nvPr/>
+      </p:nvGrpSpPr>
+      <p:grpSpPr>
+        <a:xfrm>
+          <a:off x="0" y="0"/>
+          <a:ext cx="0" cy="0"/>
+          <a:chOff x="0" y="0"/>
+          <a:chExt cx="0" cy="0"/>
+        </a:xfrm>
+      </p:grpSpPr>
+      <p:sp>
+        <p:nvSpPr>
+          <p:cNvPr id="2" name="Slide Image Placeholder 1"/>
+          <p:cNvSpPr>
+            <a:spLocks noGrp="1" noRot="1" noChangeAspect="1"/>
+          </p:cNvSpPr>
+          <p:nvPr>
+            <p:ph type="sldImg"/>
+          </p:nvPr>
+        </p:nvSpPr>
+        <p:spPr/>
+      </p:sp>
+      <p:sp>
+        <p:nvSpPr>
+          <p:cNvPr id="3" name="Notes Placeholder 2"/>
+          <p:cNvSpPr>
+            <a:spLocks noGrp="1"/>
+          </p:cNvSpPr>
+          <p:nvPr>
+            <p:ph type="body" idx="1"/>
+          </p:nvPr>
+        </p:nvSpPr>
+        <p:spPr/>
+        <p:txBody>
+          <a:bodyPr/>
+          <a:lstStyle/>
+          <a:p>
+            <a:r>
+              <a:rPr lang="en-US" sz="1200" b="0" i="0" kern="1200" dirty="0" smtClean="0">
+                <a:solidFill>
+                  <a:schemeClr val="tx1"/>
+                </a:solidFill>
+                <a:effectLst/>
+                <a:latin typeface="+mn-lt"/>
+                <a:ea typeface="+mn-ea"/>
+                <a:cs typeface="+mn-cs"/>
+              </a:rPr>
+              <a:t> </a:t>
+            </a:r>
+            <a:r>
+              <a:rPr lang="en-US" sz="1200" b="0" i="0" kern="1200" dirty="0" err="1" smtClean="0">
+                <a:solidFill>
+                  <a:schemeClr val="tx1"/>
+                </a:solidFill>
+                <a:effectLst/>
+                <a:latin typeface="+mn-lt"/>
+                <a:ea typeface="+mn-ea"/>
+                <a:cs typeface="+mn-cs"/>
+              </a:rPr>
+              <a:t>stateful</a:t>
+            </a:r>
+            <a:r>
+              <a:rPr lang="en-US" sz="1200" b="0" i="0" kern="1200" dirty="0" smtClean="0">
+                <a:solidFill>
+                  <a:schemeClr val="tx1"/>
+                </a:solidFill>
+                <a:effectLst/>
+                <a:latin typeface="+mn-lt"/>
+                <a:ea typeface="+mn-ea"/>
+                <a:cs typeface="+mn-cs"/>
+              </a:rPr>
+              <a:t> app is a program that saves client data from the activities of one session for use in the next session. </a:t>
+            </a:r>
+            <a:r>
+              <a:rPr lang="en-US" sz="1200" b="0" i="0" kern="1200" smtClean="0">
+                <a:solidFill>
+                  <a:schemeClr val="tx1"/>
+                </a:solidFill>
+                <a:effectLst/>
+                <a:latin typeface="+mn-lt"/>
+                <a:ea typeface="+mn-ea"/>
+                <a:cs typeface="+mn-cs"/>
+              </a:rPr>
+              <a:t>The data that is saved is called the application’s state</a:t>
+            </a:r>
+            <a:endParaRPr lang="vi-VN"/>
+          </a:p>
+        </p:txBody>
+      </p:sp>
+      <p:sp>
+        <p:nvSpPr>
+          <p:cNvPr id="4" name="Slide Number Placeholder 3"/>
+          <p:cNvSpPr>
+            <a:spLocks noGrp="1"/>
+          </p:cNvSpPr>
+          <p:nvPr>
+            <p:ph type="sldNum" sz="quarter" idx="10"/>
+          </p:nvPr>
+        </p:nvSpPr>
+        <p:spPr/>
+        <p:txBody>
+          <a:bodyPr/>
+          <a:lstStyle/>
+          <a:p>
+            <a:fld id="{B7F7C22B-FA5E-43C1-ADF2-A670D8485AED}" type="slidenum">
+              <a:rPr lang="vi-VN" smtClean="0"/>
+              <a:t>5</a:t>
+            </a:fld>
+            <a:endParaRPr lang="vi-VN"/>
+          </a:p>
+        </p:txBody>
+      </p:sp>
+    </p:spTree>
+    <p:extLst>
+      <p:ext uri="{BB962C8B-B14F-4D97-AF65-F5344CB8AC3E}">
+        <p14:creationId xmlns:p14="http://schemas.microsoft.com/office/powerpoint/2010/main" val="3910762291"/>
+      </p:ext>
+    </p:extLst>
+  </p:cSld>
+  <p:clrMapOvr>
+    <a:masterClrMapping/>
+  </p:clrMapOvr>
+</p:notes>
+</file>
+
 <file path=ppt/slideLayouts/slideLayout1.xml><?xml version="1.0" encoding="utf-8"?>
 <p:sldLayout xmlns:a="http://schemas.openxmlformats.org/drawingml/2006/main" xmlns:r="http://schemas.openxmlformats.org/officeDocument/2006/relationships" xmlns:p="http://schemas.openxmlformats.org/presentationml/2006/main" type="title" preserve="1">
   <p:cSld name="Title Slide">
@@ -266,7 +751,7 @@
           <a:p>
             <a:fld id="{2395C5C9-164C-46B3-A87E-7660D39D3106}" type="datetime2">
               <a:rPr lang="en-US" smtClean="0"/>
-              <a:t>Thursday, October 15, 2020</a:t>
+              <a:t>Friday, October 16, 2020</a:t>
             </a:fld>
             <a:endParaRPr lang="en-US" dirty="0"/>
           </a:p>
@@ -330,7 +815,7 @@
               <a:rPr lang="en-US" smtClean="0"/>
               <a:t>‹#›</a:t>
             </a:fld>
-            <a:endParaRPr lang="en-US"/>
+            <a:endParaRPr lang="en-US" dirty="0"/>
           </a:p>
         </p:txBody>
       </p:sp>
@@ -423,7 +908,7 @@
           <a:lstStyle/>
           <a:p>
             <a:pPr algn="ctr"/>
-            <a:endParaRPr lang="en-US"/>
+            <a:endParaRPr lang="en-US" dirty="0"/>
           </a:p>
         </p:txBody>
       </p:sp>
@@ -555,7 +1040,7 @@
           <a:p>
             <a:fld id="{8DEA2CF1-0EB2-4673-802D-3371233E4A77}" type="datetime2">
               <a:rPr lang="en-US" smtClean="0"/>
-              <a:t>Thursday, October 15, 2020</a:t>
+              <a:t>Friday, October 16, 2020</a:t>
             </a:fld>
             <a:endParaRPr lang="en-US" dirty="0"/>
           </a:p>
@@ -598,10 +1083,9 @@
           <a:p>
             <a:pPr algn="l"/>
             <a:r>
-              <a:rPr lang="en-US"/>
+              <a:rPr lang="en-US" dirty="0"/>
               <a:t>Sample Footer Text</a:t>
             </a:r>
-            <a:endParaRPr lang="en-US" dirty="0"/>
           </a:p>
         </p:txBody>
       </p:sp>
@@ -1002,7 +1486,7 @@
                 <a16:creationId xmlns:a16="http://schemas.microsoft.com/office/drawing/2014/main" id="{74E3E963-7ADC-4469-A079-F78B0BC6F60C}"/>
               </a:ext>
               <a:ext uri="{C183D7F6-B498-43B3-948B-1728B52AA6E4}">
-                <adec:decorative xmlns:adec="http://schemas.microsoft.com/office/drawing/2017/decorative" val="1"/>
+                <adec:decorative xmlns:adec="http://schemas.microsoft.com/office/drawing/2017/decorative" xmlns="" val="1"/>
               </a:ext>
             </a:extLst>
           </p:cNvPr>
@@ -1053,7 +1537,7 @@
           <a:lstStyle/>
           <a:p>
             <a:pPr algn="ctr"/>
-            <a:endParaRPr lang="en-US"/>
+            <a:endParaRPr lang="en-US" dirty="0"/>
           </a:p>
         </p:txBody>
       </p:sp>
@@ -1065,7 +1549,7 @@
                 <a16:creationId xmlns:a16="http://schemas.microsoft.com/office/drawing/2014/main" id="{C864DEA4-D6B8-4DEF-B1D0-6D5672FA8D22}"/>
               </a:ext>
               <a:ext uri="{C183D7F6-B498-43B3-948B-1728B52AA6E4}">
-                <adec:decorative xmlns:adec="http://schemas.microsoft.com/office/drawing/2017/decorative" val="1"/>
+                <adec:decorative xmlns:adec="http://schemas.microsoft.com/office/drawing/2017/decorative" xmlns="" val="1"/>
               </a:ext>
             </a:extLst>
           </p:cNvPr>
@@ -1122,7 +1606,7 @@
           <a:lstStyle/>
           <a:p>
             <a:pPr algn="ctr"/>
-            <a:endParaRPr lang="en-US"/>
+            <a:endParaRPr lang="en-US" dirty="0"/>
           </a:p>
         </p:txBody>
       </p:sp>
@@ -1144,7 +1628,7 @@
         </p:nvSpPr>
         <p:spPr>
           <a:xfrm>
-            <a:off x="6483131" y="2170861"/>
+            <a:off x="6591652" y="1438572"/>
             <a:ext cx="5015638" cy="1990428"/>
           </a:xfrm>
         </p:spPr>
@@ -1235,7 +1719,7 @@
                 <a16:creationId xmlns:a16="http://schemas.microsoft.com/office/drawing/2014/main" id="{3C9AA14C-80A4-427C-A911-28CD20C56E5E}"/>
               </a:ext>
               <a:ext uri="{C183D7F6-B498-43B3-948B-1728B52AA6E4}">
-                <adec:decorative xmlns:adec="http://schemas.microsoft.com/office/drawing/2017/decorative" val="1"/>
+                <adec:decorative xmlns:adec="http://schemas.microsoft.com/office/drawing/2017/decorative" xmlns="" val="1"/>
               </a:ext>
             </a:extLst>
           </p:cNvPr>
@@ -1266,7 +1750,7 @@
                   <a16:creationId xmlns:a16="http://schemas.microsoft.com/office/drawing/2014/main" id="{EF32CDAF-4619-4949-9516-1E042181EBF3}"/>
                 </a:ext>
                 <a:ext uri="{C183D7F6-B498-43B3-948B-1728B52AA6E4}">
-                  <adec:decorative xmlns:adec="http://schemas.microsoft.com/office/drawing/2017/decorative" val="1"/>
+                  <adec:decorative xmlns:adec="http://schemas.microsoft.com/office/drawing/2017/decorative" xmlns="" val="1"/>
                 </a:ext>
               </a:extLst>
             </p:cNvPr>
@@ -1483,7 +1967,7 @@
             </a:bodyPr>
             <a:lstStyle/>
             <a:p>
-              <a:endParaRPr lang="en-US">
+              <a:endParaRPr lang="en-US" dirty="0">
                 <a:solidFill>
                   <a:schemeClr val="accent3"/>
                 </a:solidFill>
@@ -1499,7 +1983,7 @@
                   <a16:creationId xmlns:a16="http://schemas.microsoft.com/office/drawing/2014/main" id="{270C485D-6BA8-4BF7-B72C-2B14A43A6648}"/>
                 </a:ext>
                 <a:ext uri="{C183D7F6-B498-43B3-948B-1728B52AA6E4}">
-                  <adec:decorative xmlns:adec="http://schemas.microsoft.com/office/drawing/2017/decorative" val="1"/>
+                  <adec:decorative xmlns:adec="http://schemas.microsoft.com/office/drawing/2017/decorative" xmlns="" val="1"/>
                 </a:ext>
               </a:extLst>
             </p:cNvPr>
@@ -1676,7 +2160,7 @@
             </a:bodyPr>
             <a:lstStyle/>
             <a:p>
-              <a:endParaRPr lang="en-US">
+              <a:endParaRPr lang="en-US" dirty="0">
                 <a:solidFill>
                   <a:schemeClr val="accent3"/>
                 </a:solidFill>
@@ -1692,7 +2176,7 @@
                   <a16:creationId xmlns:a16="http://schemas.microsoft.com/office/drawing/2014/main" id="{79239B91-4327-43B3-AED5-CB9EC1653B47}"/>
                 </a:ext>
                 <a:ext uri="{C183D7F6-B498-43B3-948B-1728B52AA6E4}">
-                  <adec:decorative xmlns:adec="http://schemas.microsoft.com/office/drawing/2017/decorative" val="1"/>
+                  <adec:decorative xmlns:adec="http://schemas.microsoft.com/office/drawing/2017/decorative" xmlns="" val="1"/>
                 </a:ext>
               </a:extLst>
             </p:cNvPr>
@@ -1899,7 +2383,7 @@
             </a:bodyPr>
             <a:lstStyle/>
             <a:p>
-              <a:endParaRPr lang="en-US">
+              <a:endParaRPr lang="en-US" dirty="0">
                 <a:solidFill>
                   <a:schemeClr val="accent3"/>
                 </a:solidFill>
@@ -1916,7 +2400,7 @@
                 <a16:creationId xmlns:a16="http://schemas.microsoft.com/office/drawing/2014/main" id="{F2FD01A0-E6FF-41CD-AEBD-279232B90D43}"/>
               </a:ext>
               <a:ext uri="{C183D7F6-B498-43B3-948B-1728B52AA6E4}">
-                <adec:decorative xmlns:adec="http://schemas.microsoft.com/office/drawing/2017/decorative" val="1"/>
+                <adec:decorative xmlns:adec="http://schemas.microsoft.com/office/drawing/2017/decorative" xmlns="" val="1"/>
               </a:ext>
             </a:extLst>
           </p:cNvPr>
@@ -1947,7 +2431,7 @@
                   <a16:creationId xmlns:a16="http://schemas.microsoft.com/office/drawing/2014/main" id="{811C6308-5554-4129-8881-A95AF512C52C}"/>
                 </a:ext>
                 <a:ext uri="{C183D7F6-B498-43B3-948B-1728B52AA6E4}">
-                  <adec:decorative xmlns:adec="http://schemas.microsoft.com/office/drawing/2017/decorative" val="1"/>
+                  <adec:decorative xmlns:adec="http://schemas.microsoft.com/office/drawing/2017/decorative" xmlns="" val="1"/>
                 </a:ext>
               </a:extLst>
             </p:cNvPr>
@@ -2154,7 +2638,7 @@
             </a:bodyPr>
             <a:lstStyle/>
             <a:p>
-              <a:endParaRPr lang="en-US">
+              <a:endParaRPr lang="en-US" dirty="0">
                 <a:solidFill>
                   <a:schemeClr val="accent3"/>
                 </a:solidFill>
@@ -2170,7 +2654,7 @@
                   <a16:creationId xmlns:a16="http://schemas.microsoft.com/office/drawing/2014/main" id="{C28F3A03-B53B-433E-8DF7-6B13336D0A53}"/>
                 </a:ext>
                 <a:ext uri="{C183D7F6-B498-43B3-948B-1728B52AA6E4}">
-                  <adec:decorative xmlns:adec="http://schemas.microsoft.com/office/drawing/2017/decorative" val="1"/>
+                  <adec:decorative xmlns:adec="http://schemas.microsoft.com/office/drawing/2017/decorative" xmlns="" val="1"/>
                 </a:ext>
               </a:extLst>
             </p:cNvPr>
@@ -2277,7 +2761,7 @@
             </a:bodyPr>
             <a:lstStyle/>
             <a:p>
-              <a:endParaRPr lang="en-US">
+              <a:endParaRPr lang="en-US" dirty="0">
                 <a:solidFill>
                   <a:schemeClr val="accent3"/>
                 </a:solidFill>
@@ -2293,7 +2777,7 @@
                   <a16:creationId xmlns:a16="http://schemas.microsoft.com/office/drawing/2014/main" id="{E990BBBC-E616-4D0E-9917-A6CA72AAEA42}"/>
                 </a:ext>
                 <a:ext uri="{C183D7F6-B498-43B3-948B-1728B52AA6E4}">
-                  <adec:decorative xmlns:adec="http://schemas.microsoft.com/office/drawing/2017/decorative" val="1"/>
+                  <adec:decorative xmlns:adec="http://schemas.microsoft.com/office/drawing/2017/decorative" xmlns="" val="1"/>
                 </a:ext>
               </a:extLst>
             </p:cNvPr>
@@ -2488,7 +2972,7 @@
             </a:bodyPr>
             <a:lstStyle/>
             <a:p>
-              <a:endParaRPr lang="en-US">
+              <a:endParaRPr lang="en-US" dirty="0">
                 <a:solidFill>
                   <a:schemeClr val="accent3"/>
                 </a:solidFill>
@@ -4224,84 +4708,12 @@
           <a:lstStyle/>
           <a:p>
             <a:r>
-              <a:rPr lang="en-US" dirty="0" err="1">
-                <a:solidFill>
-                  <a:schemeClr val="bg1"/>
-                </a:solidFill>
-              </a:rPr>
-              <a:t>Lợi</a:t>
-            </a:r>
-            <a:r>
-              <a:rPr lang="en-US" dirty="0">
-                <a:solidFill>
-                  <a:schemeClr val="bg1"/>
-                </a:solidFill>
-              </a:rPr>
-              <a:t> </a:t>
-            </a:r>
-            <a:r>
-              <a:rPr lang="en-US" dirty="0" err="1">
-                <a:solidFill>
-                  <a:schemeClr val="bg1"/>
-                </a:solidFill>
-              </a:rPr>
-              <a:t>ích</a:t>
-            </a:r>
-            <a:r>
-              <a:rPr lang="en-US" dirty="0">
-                <a:solidFill>
-                  <a:schemeClr val="bg1"/>
-                </a:solidFill>
-              </a:rPr>
-              <a:t> </a:t>
-            </a:r>
-            <a:r>
-              <a:rPr lang="en-US" dirty="0" err="1">
-                <a:solidFill>
-                  <a:schemeClr val="bg1"/>
-                </a:solidFill>
-              </a:rPr>
-              <a:t>khi</a:t>
-            </a:r>
-            <a:r>
-              <a:rPr lang="en-US" dirty="0">
-                <a:solidFill>
-                  <a:schemeClr val="bg1"/>
-                </a:solidFill>
-              </a:rPr>
-              <a:t> </a:t>
-            </a:r>
-            <a:r>
-              <a:rPr lang="en-US" dirty="0" err="1">
-                <a:solidFill>
-                  <a:schemeClr val="bg1"/>
-                </a:solidFill>
-              </a:rPr>
-              <a:t>sử</a:t>
-            </a:r>
-            <a:r>
-              <a:rPr lang="en-US" dirty="0">
-                <a:solidFill>
-                  <a:schemeClr val="bg1"/>
-                </a:solidFill>
-              </a:rPr>
-              <a:t> </a:t>
-            </a:r>
-            <a:r>
-              <a:rPr lang="en-US" dirty="0" err="1">
-                <a:solidFill>
-                  <a:schemeClr val="bg1"/>
-                </a:solidFill>
-              </a:rPr>
-              <a:t>dụng</a:t>
-            </a:r>
-            <a:r>
-              <a:rPr lang="en-US" dirty="0">
-                <a:solidFill>
-                  <a:schemeClr val="bg1"/>
-                </a:solidFill>
-              </a:rPr>
-              <a:t> Flyweight?</a:t>
+              <a:rPr lang="en-US" dirty="0">
+                <a:solidFill>
+                  <a:schemeClr val="bg1"/>
+                </a:solidFill>
+              </a:rPr>
+              <a:t>Lợi ích khi sử dụng Flyweight?</a:t>
             </a:r>
           </a:p>
         </p:txBody>
@@ -4343,547 +4755,7 @@
                 <a:latin typeface="Calibri" panose="020F0502020204030204" pitchFamily="34" charset="0"/>
                 <a:cs typeface="Calibri" panose="020F0502020204030204" pitchFamily="34" charset="0"/>
               </a:rPr>
-              <a:t>- </a:t>
-            </a:r>
-            <a:r>
-              <a:rPr lang="en-US" dirty="0" err="1">
-                <a:solidFill>
-                  <a:schemeClr val="bg1"/>
-                </a:solidFill>
-                <a:latin typeface="Calibri" panose="020F0502020204030204" pitchFamily="34" charset="0"/>
-                <a:cs typeface="Calibri" panose="020F0502020204030204" pitchFamily="34" charset="0"/>
-              </a:rPr>
-              <a:t>Giảm</a:t>
-            </a:r>
-            <a:r>
-              <a:rPr lang="en-US" dirty="0">
-                <a:solidFill>
-                  <a:schemeClr val="bg1"/>
-                </a:solidFill>
-                <a:latin typeface="Calibri" panose="020F0502020204030204" pitchFamily="34" charset="0"/>
-                <a:cs typeface="Calibri" panose="020F0502020204030204" pitchFamily="34" charset="0"/>
-              </a:rPr>
-              <a:t> </a:t>
-            </a:r>
-            <a:r>
-              <a:rPr lang="en-US" dirty="0" err="1">
-                <a:solidFill>
-                  <a:schemeClr val="bg1"/>
-                </a:solidFill>
-                <a:latin typeface="Calibri" panose="020F0502020204030204" pitchFamily="34" charset="0"/>
-                <a:cs typeface="Calibri" panose="020F0502020204030204" pitchFamily="34" charset="0"/>
-              </a:rPr>
-              <a:t>số</a:t>
-            </a:r>
-            <a:r>
-              <a:rPr lang="en-US" dirty="0">
-                <a:solidFill>
-                  <a:schemeClr val="bg1"/>
-                </a:solidFill>
-                <a:latin typeface="Calibri" panose="020F0502020204030204" pitchFamily="34" charset="0"/>
-                <a:cs typeface="Calibri" panose="020F0502020204030204" pitchFamily="34" charset="0"/>
-              </a:rPr>
-              <a:t> </a:t>
-            </a:r>
-            <a:r>
-              <a:rPr lang="en-US" dirty="0" err="1">
-                <a:solidFill>
-                  <a:schemeClr val="bg1"/>
-                </a:solidFill>
-                <a:latin typeface="Calibri" panose="020F0502020204030204" pitchFamily="34" charset="0"/>
-                <a:cs typeface="Calibri" panose="020F0502020204030204" pitchFamily="34" charset="0"/>
-              </a:rPr>
-              <a:t>lượng</a:t>
-            </a:r>
-            <a:r>
-              <a:rPr lang="en-US" dirty="0">
-                <a:solidFill>
-                  <a:schemeClr val="bg1"/>
-                </a:solidFill>
-                <a:latin typeface="Calibri" panose="020F0502020204030204" pitchFamily="34" charset="0"/>
-                <a:cs typeface="Calibri" panose="020F0502020204030204" pitchFamily="34" charset="0"/>
-              </a:rPr>
-              <a:t> </a:t>
-            </a:r>
-            <a:r>
-              <a:rPr lang="en-US" dirty="0" err="1">
-                <a:solidFill>
-                  <a:schemeClr val="bg1"/>
-                </a:solidFill>
-                <a:latin typeface="Calibri" panose="020F0502020204030204" pitchFamily="34" charset="0"/>
-                <a:cs typeface="Calibri" panose="020F0502020204030204" pitchFamily="34" charset="0"/>
-              </a:rPr>
-              <a:t>đối</a:t>
-            </a:r>
-            <a:r>
-              <a:rPr lang="en-US" dirty="0">
-                <a:solidFill>
-                  <a:schemeClr val="bg1"/>
-                </a:solidFill>
-                <a:latin typeface="Calibri" panose="020F0502020204030204" pitchFamily="34" charset="0"/>
-                <a:cs typeface="Calibri" panose="020F0502020204030204" pitchFamily="34" charset="0"/>
-              </a:rPr>
-              <a:t> </a:t>
-            </a:r>
-            <a:r>
-              <a:rPr lang="en-US" dirty="0" err="1">
-                <a:solidFill>
-                  <a:schemeClr val="bg1"/>
-                </a:solidFill>
-                <a:latin typeface="Calibri" panose="020F0502020204030204" pitchFamily="34" charset="0"/>
-                <a:cs typeface="Calibri" panose="020F0502020204030204" pitchFamily="34" charset="0"/>
-              </a:rPr>
-              <a:t>tượng</a:t>
-            </a:r>
-            <a:r>
-              <a:rPr lang="en-US" dirty="0">
-                <a:solidFill>
-                  <a:schemeClr val="bg1"/>
-                </a:solidFill>
-                <a:latin typeface="Calibri" panose="020F0502020204030204" pitchFamily="34" charset="0"/>
-                <a:cs typeface="Calibri" panose="020F0502020204030204" pitchFamily="34" charset="0"/>
-              </a:rPr>
-              <a:t> </a:t>
-            </a:r>
-            <a:r>
-              <a:rPr lang="en-US" dirty="0" err="1">
-                <a:solidFill>
-                  <a:schemeClr val="bg1"/>
-                </a:solidFill>
-                <a:latin typeface="Calibri" panose="020F0502020204030204" pitchFamily="34" charset="0"/>
-                <a:cs typeface="Calibri" panose="020F0502020204030204" pitchFamily="34" charset="0"/>
-              </a:rPr>
-              <a:t>được</a:t>
-            </a:r>
-            <a:r>
-              <a:rPr lang="en-US" dirty="0">
-                <a:solidFill>
-                  <a:schemeClr val="bg1"/>
-                </a:solidFill>
-                <a:latin typeface="Calibri" panose="020F0502020204030204" pitchFamily="34" charset="0"/>
-                <a:cs typeface="Calibri" panose="020F0502020204030204" pitchFamily="34" charset="0"/>
-              </a:rPr>
-              <a:t> </a:t>
-            </a:r>
-            <a:r>
-              <a:rPr lang="en-US" dirty="0" err="1">
-                <a:solidFill>
-                  <a:schemeClr val="bg1"/>
-                </a:solidFill>
-                <a:latin typeface="Calibri" panose="020F0502020204030204" pitchFamily="34" charset="0"/>
-                <a:cs typeface="Calibri" panose="020F0502020204030204" pitchFamily="34" charset="0"/>
-              </a:rPr>
-              <a:t>tạo</a:t>
-            </a:r>
-            <a:r>
-              <a:rPr lang="en-US" dirty="0">
-                <a:solidFill>
-                  <a:schemeClr val="bg1"/>
-                </a:solidFill>
-                <a:latin typeface="Calibri" panose="020F0502020204030204" pitchFamily="34" charset="0"/>
-                <a:cs typeface="Calibri" panose="020F0502020204030204" pitchFamily="34" charset="0"/>
-              </a:rPr>
-              <a:t> ra </a:t>
-            </a:r>
-            <a:r>
-              <a:rPr lang="en-US" dirty="0" err="1">
-                <a:solidFill>
-                  <a:schemeClr val="bg1"/>
-                </a:solidFill>
-                <a:latin typeface="Calibri" panose="020F0502020204030204" pitchFamily="34" charset="0"/>
-                <a:cs typeface="Calibri" panose="020F0502020204030204" pitchFamily="34" charset="0"/>
-              </a:rPr>
-              <a:t>bằng</a:t>
-            </a:r>
-            <a:r>
-              <a:rPr lang="en-US" dirty="0">
-                <a:solidFill>
-                  <a:schemeClr val="bg1"/>
-                </a:solidFill>
-                <a:latin typeface="Calibri" panose="020F0502020204030204" pitchFamily="34" charset="0"/>
-                <a:cs typeface="Calibri" panose="020F0502020204030204" pitchFamily="34" charset="0"/>
-              </a:rPr>
-              <a:t> </a:t>
-            </a:r>
-            <a:r>
-              <a:rPr lang="en-US" dirty="0" err="1">
-                <a:solidFill>
-                  <a:schemeClr val="bg1"/>
-                </a:solidFill>
-                <a:latin typeface="Calibri" panose="020F0502020204030204" pitchFamily="34" charset="0"/>
-                <a:cs typeface="Calibri" panose="020F0502020204030204" pitchFamily="34" charset="0"/>
-              </a:rPr>
-              <a:t>cách</a:t>
-            </a:r>
-            <a:r>
-              <a:rPr lang="en-US" dirty="0">
-                <a:solidFill>
-                  <a:schemeClr val="bg1"/>
-                </a:solidFill>
-                <a:latin typeface="Calibri" panose="020F0502020204030204" pitchFamily="34" charset="0"/>
-                <a:cs typeface="Calibri" panose="020F0502020204030204" pitchFamily="34" charset="0"/>
-              </a:rPr>
-              <a:t> chia </a:t>
-            </a:r>
-            <a:r>
-              <a:rPr lang="en-US" dirty="0" err="1">
-                <a:solidFill>
-                  <a:schemeClr val="bg1"/>
-                </a:solidFill>
-                <a:latin typeface="Calibri" panose="020F0502020204030204" pitchFamily="34" charset="0"/>
-                <a:cs typeface="Calibri" panose="020F0502020204030204" pitchFamily="34" charset="0"/>
-              </a:rPr>
-              <a:t>sẻ</a:t>
-            </a:r>
-            <a:r>
-              <a:rPr lang="en-US" dirty="0">
-                <a:solidFill>
-                  <a:schemeClr val="bg1"/>
-                </a:solidFill>
-                <a:latin typeface="Calibri" panose="020F0502020204030204" pitchFamily="34" charset="0"/>
-                <a:cs typeface="Calibri" panose="020F0502020204030204" pitchFamily="34" charset="0"/>
-              </a:rPr>
-              <a:t> </a:t>
-            </a:r>
-            <a:r>
-              <a:rPr lang="en-US" dirty="0" err="1">
-                <a:solidFill>
-                  <a:schemeClr val="bg1"/>
-                </a:solidFill>
-                <a:latin typeface="Calibri" panose="020F0502020204030204" pitchFamily="34" charset="0"/>
-                <a:cs typeface="Calibri" panose="020F0502020204030204" pitchFamily="34" charset="0"/>
-              </a:rPr>
-              <a:t>đối</a:t>
-            </a:r>
-            <a:r>
-              <a:rPr lang="en-US" dirty="0">
-                <a:solidFill>
-                  <a:schemeClr val="bg1"/>
-                </a:solidFill>
-                <a:latin typeface="Calibri" panose="020F0502020204030204" pitchFamily="34" charset="0"/>
-                <a:cs typeface="Calibri" panose="020F0502020204030204" pitchFamily="34" charset="0"/>
-              </a:rPr>
-              <a:t> </a:t>
-            </a:r>
-            <a:r>
-              <a:rPr lang="en-US" dirty="0" err="1">
-                <a:solidFill>
-                  <a:schemeClr val="bg1"/>
-                </a:solidFill>
-                <a:latin typeface="Calibri" panose="020F0502020204030204" pitchFamily="34" charset="0"/>
-                <a:cs typeface="Calibri" panose="020F0502020204030204" pitchFamily="34" charset="0"/>
-              </a:rPr>
-              <a:t>tượng</a:t>
-            </a:r>
-            <a:r>
-              <a:rPr lang="en-US" dirty="0">
-                <a:solidFill>
-                  <a:schemeClr val="bg1"/>
-                </a:solidFill>
-                <a:latin typeface="Calibri" panose="020F0502020204030204" pitchFamily="34" charset="0"/>
-                <a:cs typeface="Calibri" panose="020F0502020204030204" pitchFamily="34" charset="0"/>
-              </a:rPr>
-              <a:t>. </a:t>
-            </a:r>
-            <a:r>
-              <a:rPr lang="en-US" dirty="0" err="1">
-                <a:solidFill>
-                  <a:schemeClr val="bg1"/>
-                </a:solidFill>
-                <a:latin typeface="Calibri" panose="020F0502020204030204" pitchFamily="34" charset="0"/>
-                <a:cs typeface="Calibri" panose="020F0502020204030204" pitchFamily="34" charset="0"/>
-              </a:rPr>
-              <a:t>Vì</a:t>
-            </a:r>
-            <a:r>
-              <a:rPr lang="en-US" dirty="0">
-                <a:solidFill>
-                  <a:schemeClr val="bg1"/>
-                </a:solidFill>
-                <a:latin typeface="Calibri" panose="020F0502020204030204" pitchFamily="34" charset="0"/>
-                <a:cs typeface="Calibri" panose="020F0502020204030204" pitchFamily="34" charset="0"/>
-              </a:rPr>
-              <a:t> </a:t>
-            </a:r>
-            <a:r>
-              <a:rPr lang="en-US" dirty="0" err="1">
-                <a:solidFill>
-                  <a:schemeClr val="bg1"/>
-                </a:solidFill>
-                <a:latin typeface="Calibri" panose="020F0502020204030204" pitchFamily="34" charset="0"/>
-                <a:cs typeface="Calibri" panose="020F0502020204030204" pitchFamily="34" charset="0"/>
-              </a:rPr>
-              <a:t>vậy</a:t>
-            </a:r>
-            <a:r>
-              <a:rPr lang="en-US" dirty="0">
-                <a:solidFill>
-                  <a:schemeClr val="bg1"/>
-                </a:solidFill>
-                <a:latin typeface="Calibri" panose="020F0502020204030204" pitchFamily="34" charset="0"/>
-                <a:cs typeface="Calibri" panose="020F0502020204030204" pitchFamily="34" charset="0"/>
-              </a:rPr>
-              <a:t>, </a:t>
-            </a:r>
-            <a:r>
-              <a:rPr lang="en-US" dirty="0" err="1">
-                <a:solidFill>
-                  <a:schemeClr val="bg1"/>
-                </a:solidFill>
-                <a:latin typeface="Calibri" panose="020F0502020204030204" pitchFamily="34" charset="0"/>
-                <a:cs typeface="Calibri" panose="020F0502020204030204" pitchFamily="34" charset="0"/>
-              </a:rPr>
-              <a:t>tiết</a:t>
-            </a:r>
-            <a:r>
-              <a:rPr lang="en-US" dirty="0">
-                <a:solidFill>
-                  <a:schemeClr val="bg1"/>
-                </a:solidFill>
-                <a:latin typeface="Calibri" panose="020F0502020204030204" pitchFamily="34" charset="0"/>
-                <a:cs typeface="Calibri" panose="020F0502020204030204" pitchFamily="34" charset="0"/>
-              </a:rPr>
-              <a:t> </a:t>
-            </a:r>
-            <a:r>
-              <a:rPr lang="en-US" dirty="0" err="1">
-                <a:solidFill>
-                  <a:schemeClr val="bg1"/>
-                </a:solidFill>
-                <a:latin typeface="Calibri" panose="020F0502020204030204" pitchFamily="34" charset="0"/>
-                <a:cs typeface="Calibri" panose="020F0502020204030204" pitchFamily="34" charset="0"/>
-              </a:rPr>
-              <a:t>kiệm</a:t>
-            </a:r>
-            <a:r>
-              <a:rPr lang="en-US" dirty="0">
-                <a:solidFill>
-                  <a:schemeClr val="bg1"/>
-                </a:solidFill>
-                <a:latin typeface="Calibri" panose="020F0502020204030204" pitchFamily="34" charset="0"/>
-                <a:cs typeface="Calibri" panose="020F0502020204030204" pitchFamily="34" charset="0"/>
-              </a:rPr>
-              <a:t> </a:t>
-            </a:r>
-            <a:r>
-              <a:rPr lang="en-US" dirty="0" err="1">
-                <a:solidFill>
-                  <a:schemeClr val="bg1"/>
-                </a:solidFill>
-                <a:latin typeface="Calibri" panose="020F0502020204030204" pitchFamily="34" charset="0"/>
-                <a:cs typeface="Calibri" panose="020F0502020204030204" pitchFamily="34" charset="0"/>
-              </a:rPr>
-              <a:t>được</a:t>
-            </a:r>
-            <a:r>
-              <a:rPr lang="en-US" dirty="0">
-                <a:solidFill>
-                  <a:schemeClr val="bg1"/>
-                </a:solidFill>
-                <a:latin typeface="Calibri" panose="020F0502020204030204" pitchFamily="34" charset="0"/>
-                <a:cs typeface="Calibri" panose="020F0502020204030204" pitchFamily="34" charset="0"/>
-              </a:rPr>
-              <a:t> </a:t>
-            </a:r>
-            <a:r>
-              <a:rPr lang="en-US" dirty="0" err="1">
-                <a:solidFill>
-                  <a:schemeClr val="bg1"/>
-                </a:solidFill>
-                <a:latin typeface="Calibri" panose="020F0502020204030204" pitchFamily="34" charset="0"/>
-                <a:cs typeface="Calibri" panose="020F0502020204030204" pitchFamily="34" charset="0"/>
-              </a:rPr>
-              <a:t>bộ</a:t>
-            </a:r>
-            <a:r>
-              <a:rPr lang="en-US" dirty="0">
-                <a:solidFill>
-                  <a:schemeClr val="bg1"/>
-                </a:solidFill>
-                <a:latin typeface="Calibri" panose="020F0502020204030204" pitchFamily="34" charset="0"/>
-                <a:cs typeface="Calibri" panose="020F0502020204030204" pitchFamily="34" charset="0"/>
-              </a:rPr>
-              <a:t> </a:t>
-            </a:r>
-            <a:r>
-              <a:rPr lang="en-US" dirty="0" err="1">
-                <a:solidFill>
-                  <a:schemeClr val="bg1"/>
-                </a:solidFill>
-                <a:latin typeface="Calibri" panose="020F0502020204030204" pitchFamily="34" charset="0"/>
-                <a:cs typeface="Calibri" panose="020F0502020204030204" pitchFamily="34" charset="0"/>
-              </a:rPr>
-              <a:t>nhớ</a:t>
-            </a:r>
-            <a:r>
-              <a:rPr lang="en-US" dirty="0">
-                <a:solidFill>
-                  <a:schemeClr val="bg1"/>
-                </a:solidFill>
-                <a:latin typeface="Calibri" panose="020F0502020204030204" pitchFamily="34" charset="0"/>
-                <a:cs typeface="Calibri" panose="020F0502020204030204" pitchFamily="34" charset="0"/>
-              </a:rPr>
-              <a:t> </a:t>
-            </a:r>
-            <a:r>
-              <a:rPr lang="en-US" dirty="0" err="1">
-                <a:solidFill>
-                  <a:schemeClr val="bg1"/>
-                </a:solidFill>
-                <a:latin typeface="Calibri" panose="020F0502020204030204" pitchFamily="34" charset="0"/>
-                <a:cs typeface="Calibri" panose="020F0502020204030204" pitchFamily="34" charset="0"/>
-              </a:rPr>
-              <a:t>và</a:t>
-            </a:r>
-            <a:r>
-              <a:rPr lang="en-US" dirty="0">
-                <a:solidFill>
-                  <a:schemeClr val="bg1"/>
-                </a:solidFill>
-                <a:latin typeface="Calibri" panose="020F0502020204030204" pitchFamily="34" charset="0"/>
-                <a:cs typeface="Calibri" panose="020F0502020204030204" pitchFamily="34" charset="0"/>
-              </a:rPr>
-              <a:t> </a:t>
-            </a:r>
-            <a:r>
-              <a:rPr lang="en-US" dirty="0" err="1">
-                <a:solidFill>
-                  <a:schemeClr val="bg1"/>
-                </a:solidFill>
-                <a:latin typeface="Calibri" panose="020F0502020204030204" pitchFamily="34" charset="0"/>
-                <a:cs typeface="Calibri" panose="020F0502020204030204" pitchFamily="34" charset="0"/>
-              </a:rPr>
-              <a:t>các</a:t>
-            </a:r>
-            <a:r>
-              <a:rPr lang="en-US" dirty="0">
-                <a:solidFill>
-                  <a:schemeClr val="bg1"/>
-                </a:solidFill>
-                <a:latin typeface="Calibri" panose="020F0502020204030204" pitchFamily="34" charset="0"/>
-                <a:cs typeface="Calibri" panose="020F0502020204030204" pitchFamily="34" charset="0"/>
-              </a:rPr>
-              <a:t> </a:t>
-            </a:r>
-            <a:r>
-              <a:rPr lang="en-US" dirty="0" err="1">
-                <a:solidFill>
-                  <a:schemeClr val="bg1"/>
-                </a:solidFill>
-                <a:latin typeface="Calibri" panose="020F0502020204030204" pitchFamily="34" charset="0"/>
-                <a:cs typeface="Calibri" panose="020F0502020204030204" pitchFamily="34" charset="0"/>
-              </a:rPr>
-              <a:t>thiết</a:t>
-            </a:r>
-            <a:r>
-              <a:rPr lang="en-US" dirty="0">
-                <a:solidFill>
-                  <a:schemeClr val="bg1"/>
-                </a:solidFill>
-                <a:latin typeface="Calibri" panose="020F0502020204030204" pitchFamily="34" charset="0"/>
-                <a:cs typeface="Calibri" panose="020F0502020204030204" pitchFamily="34" charset="0"/>
-              </a:rPr>
-              <a:t> </a:t>
-            </a:r>
-            <a:r>
-              <a:rPr lang="en-US" dirty="0" err="1">
-                <a:solidFill>
-                  <a:schemeClr val="bg1"/>
-                </a:solidFill>
-                <a:latin typeface="Calibri" panose="020F0502020204030204" pitchFamily="34" charset="0"/>
-                <a:cs typeface="Calibri" panose="020F0502020204030204" pitchFamily="34" charset="0"/>
-              </a:rPr>
-              <a:t>bị</a:t>
-            </a:r>
-            <a:r>
-              <a:rPr lang="en-US" dirty="0">
-                <a:solidFill>
-                  <a:schemeClr val="bg1"/>
-                </a:solidFill>
-                <a:latin typeface="Calibri" panose="020F0502020204030204" pitchFamily="34" charset="0"/>
-                <a:cs typeface="Calibri" panose="020F0502020204030204" pitchFamily="34" charset="0"/>
-              </a:rPr>
-              <a:t> </a:t>
-            </a:r>
-            <a:r>
-              <a:rPr lang="en-US" dirty="0" err="1">
-                <a:solidFill>
-                  <a:schemeClr val="bg1"/>
-                </a:solidFill>
-                <a:latin typeface="Calibri" panose="020F0502020204030204" pitchFamily="34" charset="0"/>
-                <a:cs typeface="Calibri" panose="020F0502020204030204" pitchFamily="34" charset="0"/>
-              </a:rPr>
-              <a:t>lưu</a:t>
-            </a:r>
-            <a:r>
-              <a:rPr lang="en-US" dirty="0">
-                <a:solidFill>
-                  <a:schemeClr val="bg1"/>
-                </a:solidFill>
-                <a:latin typeface="Calibri" panose="020F0502020204030204" pitchFamily="34" charset="0"/>
-                <a:cs typeface="Calibri" panose="020F0502020204030204" pitchFamily="34" charset="0"/>
-              </a:rPr>
-              <a:t> </a:t>
-            </a:r>
-            <a:r>
-              <a:rPr lang="en-US" dirty="0" err="1">
-                <a:solidFill>
-                  <a:schemeClr val="bg1"/>
-                </a:solidFill>
-                <a:latin typeface="Calibri" panose="020F0502020204030204" pitchFamily="34" charset="0"/>
-                <a:cs typeface="Calibri" panose="020F0502020204030204" pitchFamily="34" charset="0"/>
-              </a:rPr>
-              <a:t>trữ</a:t>
-            </a:r>
-            <a:r>
-              <a:rPr lang="en-US" dirty="0">
-                <a:solidFill>
-                  <a:schemeClr val="bg1"/>
-                </a:solidFill>
-                <a:latin typeface="Calibri" panose="020F0502020204030204" pitchFamily="34" charset="0"/>
-                <a:cs typeface="Calibri" panose="020F0502020204030204" pitchFamily="34" charset="0"/>
-              </a:rPr>
-              <a:t> </a:t>
-            </a:r>
-            <a:r>
-              <a:rPr lang="en-US" dirty="0" err="1">
-                <a:solidFill>
-                  <a:schemeClr val="bg1"/>
-                </a:solidFill>
-                <a:latin typeface="Calibri" panose="020F0502020204030204" pitchFamily="34" charset="0"/>
-                <a:cs typeface="Calibri" panose="020F0502020204030204" pitchFamily="34" charset="0"/>
-              </a:rPr>
-              <a:t>cần</a:t>
-            </a:r>
-            <a:r>
-              <a:rPr lang="en-US" dirty="0">
-                <a:solidFill>
-                  <a:schemeClr val="bg1"/>
-                </a:solidFill>
-                <a:latin typeface="Calibri" panose="020F0502020204030204" pitchFamily="34" charset="0"/>
-                <a:cs typeface="Calibri" panose="020F0502020204030204" pitchFamily="34" charset="0"/>
-              </a:rPr>
-              <a:t> </a:t>
-            </a:r>
-            <a:r>
-              <a:rPr lang="en-US" dirty="0" err="1">
-                <a:solidFill>
-                  <a:schemeClr val="bg1"/>
-                </a:solidFill>
-                <a:latin typeface="Calibri" panose="020F0502020204030204" pitchFamily="34" charset="0"/>
-                <a:cs typeface="Calibri" panose="020F0502020204030204" pitchFamily="34" charset="0"/>
-              </a:rPr>
-              <a:t>thiết</a:t>
-            </a:r>
-            <a:r>
-              <a:rPr lang="en-US" dirty="0">
-                <a:solidFill>
-                  <a:schemeClr val="bg1"/>
-                </a:solidFill>
-                <a:latin typeface="Calibri" panose="020F0502020204030204" pitchFamily="34" charset="0"/>
-                <a:cs typeface="Calibri" panose="020F0502020204030204" pitchFamily="34" charset="0"/>
-              </a:rPr>
-              <a:t>.</a:t>
+              <a:t>- Giảm số lượng đối tượng được tạo ra bằng cách chia sẻ đối tượng. Vì vậy, tiết kiệm được bộ nhớ và các thiết bị lưu trữ cần thiết.</a:t>
             </a:r>
           </a:p>
           <a:p>
@@ -4896,267 +4768,7 @@
                 <a:latin typeface="Calibri" panose="020F0502020204030204" pitchFamily="34" charset="0"/>
                 <a:cs typeface="Calibri" panose="020F0502020204030204" pitchFamily="34" charset="0"/>
               </a:rPr>
-              <a:t>- </a:t>
-            </a:r>
-            <a:r>
-              <a:rPr lang="en-US" dirty="0" err="1">
-                <a:solidFill>
-                  <a:schemeClr val="bg1"/>
-                </a:solidFill>
-                <a:latin typeface="Calibri" panose="020F0502020204030204" pitchFamily="34" charset="0"/>
-                <a:cs typeface="Calibri" panose="020F0502020204030204" pitchFamily="34" charset="0"/>
-              </a:rPr>
-              <a:t>Cải</a:t>
-            </a:r>
-            <a:r>
-              <a:rPr lang="en-US" dirty="0">
-                <a:solidFill>
-                  <a:schemeClr val="bg1"/>
-                </a:solidFill>
-                <a:latin typeface="Calibri" panose="020F0502020204030204" pitchFamily="34" charset="0"/>
-                <a:cs typeface="Calibri" panose="020F0502020204030204" pitchFamily="34" charset="0"/>
-              </a:rPr>
-              <a:t> </a:t>
-            </a:r>
-            <a:r>
-              <a:rPr lang="en-US" dirty="0" err="1">
-                <a:solidFill>
-                  <a:schemeClr val="bg1"/>
-                </a:solidFill>
-                <a:latin typeface="Calibri" panose="020F0502020204030204" pitchFamily="34" charset="0"/>
-                <a:cs typeface="Calibri" panose="020F0502020204030204" pitchFamily="34" charset="0"/>
-              </a:rPr>
-              <a:t>thiện</a:t>
-            </a:r>
-            <a:r>
-              <a:rPr lang="en-US" dirty="0">
-                <a:solidFill>
-                  <a:schemeClr val="bg1"/>
-                </a:solidFill>
-                <a:latin typeface="Calibri" panose="020F0502020204030204" pitchFamily="34" charset="0"/>
-                <a:cs typeface="Calibri" panose="020F0502020204030204" pitchFamily="34" charset="0"/>
-              </a:rPr>
-              <a:t> </a:t>
-            </a:r>
-            <a:r>
-              <a:rPr lang="en-US" dirty="0" err="1">
-                <a:solidFill>
-                  <a:schemeClr val="bg1"/>
-                </a:solidFill>
-                <a:latin typeface="Calibri" panose="020F0502020204030204" pitchFamily="34" charset="0"/>
-                <a:cs typeface="Calibri" panose="020F0502020204030204" pitchFamily="34" charset="0"/>
-              </a:rPr>
-              <a:t>được</a:t>
-            </a:r>
-            <a:r>
-              <a:rPr lang="en-US" dirty="0">
-                <a:solidFill>
-                  <a:schemeClr val="bg1"/>
-                </a:solidFill>
-                <a:latin typeface="Calibri" panose="020F0502020204030204" pitchFamily="34" charset="0"/>
-                <a:cs typeface="Calibri" panose="020F0502020204030204" pitchFamily="34" charset="0"/>
-              </a:rPr>
-              <a:t> </a:t>
-            </a:r>
-            <a:r>
-              <a:rPr lang="en-US" dirty="0" err="1">
-                <a:solidFill>
-                  <a:schemeClr val="bg1"/>
-                </a:solidFill>
-                <a:latin typeface="Calibri" panose="020F0502020204030204" pitchFamily="34" charset="0"/>
-                <a:cs typeface="Calibri" panose="020F0502020204030204" pitchFamily="34" charset="0"/>
-              </a:rPr>
-              <a:t>khả</a:t>
-            </a:r>
-            <a:r>
-              <a:rPr lang="en-US" dirty="0">
-                <a:solidFill>
-                  <a:schemeClr val="bg1"/>
-                </a:solidFill>
-                <a:latin typeface="Calibri" panose="020F0502020204030204" pitchFamily="34" charset="0"/>
-                <a:cs typeface="Calibri" panose="020F0502020204030204" pitchFamily="34" charset="0"/>
-              </a:rPr>
-              <a:t> </a:t>
-            </a:r>
-            <a:r>
-              <a:rPr lang="en-US" dirty="0" err="1">
-                <a:solidFill>
-                  <a:schemeClr val="bg1"/>
-                </a:solidFill>
-                <a:latin typeface="Calibri" panose="020F0502020204030204" pitchFamily="34" charset="0"/>
-                <a:cs typeface="Calibri" panose="020F0502020204030204" pitchFamily="34" charset="0"/>
-              </a:rPr>
-              <a:t>năng</a:t>
-            </a:r>
-            <a:r>
-              <a:rPr lang="en-US" dirty="0">
-                <a:solidFill>
-                  <a:schemeClr val="bg1"/>
-                </a:solidFill>
-                <a:latin typeface="Calibri" panose="020F0502020204030204" pitchFamily="34" charset="0"/>
-                <a:cs typeface="Calibri" panose="020F0502020204030204" pitchFamily="34" charset="0"/>
-              </a:rPr>
-              <a:t> cache </a:t>
-            </a:r>
-            <a:r>
-              <a:rPr lang="en-US" dirty="0" err="1">
-                <a:solidFill>
-                  <a:schemeClr val="bg1"/>
-                </a:solidFill>
-                <a:latin typeface="Calibri" panose="020F0502020204030204" pitchFamily="34" charset="0"/>
-                <a:cs typeface="Calibri" panose="020F0502020204030204" pitchFamily="34" charset="0"/>
-              </a:rPr>
-              <a:t>dữ</a:t>
-            </a:r>
-            <a:r>
-              <a:rPr lang="en-US" dirty="0">
-                <a:solidFill>
-                  <a:schemeClr val="bg1"/>
-                </a:solidFill>
-                <a:latin typeface="Calibri" panose="020F0502020204030204" pitchFamily="34" charset="0"/>
-                <a:cs typeface="Calibri" panose="020F0502020204030204" pitchFamily="34" charset="0"/>
-              </a:rPr>
-              <a:t> </a:t>
-            </a:r>
-            <a:r>
-              <a:rPr lang="en-US" dirty="0" err="1">
-                <a:solidFill>
-                  <a:schemeClr val="bg1"/>
-                </a:solidFill>
-                <a:latin typeface="Calibri" panose="020F0502020204030204" pitchFamily="34" charset="0"/>
-                <a:cs typeface="Calibri" panose="020F0502020204030204" pitchFamily="34" charset="0"/>
-              </a:rPr>
-              <a:t>liệu</a:t>
-            </a:r>
-            <a:r>
-              <a:rPr lang="en-US" dirty="0">
-                <a:solidFill>
-                  <a:schemeClr val="bg1"/>
-                </a:solidFill>
-                <a:latin typeface="Calibri" panose="020F0502020204030204" pitchFamily="34" charset="0"/>
-                <a:cs typeface="Calibri" panose="020F0502020204030204" pitchFamily="34" charset="0"/>
-              </a:rPr>
-              <a:t> </a:t>
-            </a:r>
-            <a:r>
-              <a:rPr lang="en-US" dirty="0" err="1">
-                <a:solidFill>
-                  <a:schemeClr val="bg1"/>
-                </a:solidFill>
-                <a:latin typeface="Calibri" panose="020F0502020204030204" pitchFamily="34" charset="0"/>
-                <a:cs typeface="Calibri" panose="020F0502020204030204" pitchFamily="34" charset="0"/>
-              </a:rPr>
-              <a:t>vì</a:t>
-            </a:r>
-            <a:r>
-              <a:rPr lang="en-US" dirty="0">
-                <a:solidFill>
-                  <a:schemeClr val="bg1"/>
-                </a:solidFill>
-                <a:latin typeface="Calibri" panose="020F0502020204030204" pitchFamily="34" charset="0"/>
-                <a:cs typeface="Calibri" panose="020F0502020204030204" pitchFamily="34" charset="0"/>
-              </a:rPr>
-              <a:t> </a:t>
-            </a:r>
-            <a:r>
-              <a:rPr lang="en-US" dirty="0" err="1">
-                <a:solidFill>
-                  <a:schemeClr val="bg1"/>
-                </a:solidFill>
-                <a:latin typeface="Calibri" panose="020F0502020204030204" pitchFamily="34" charset="0"/>
-                <a:cs typeface="Calibri" panose="020F0502020204030204" pitchFamily="34" charset="0"/>
-              </a:rPr>
-              <a:t>thời</a:t>
-            </a:r>
-            <a:r>
-              <a:rPr lang="en-US" dirty="0">
-                <a:solidFill>
-                  <a:schemeClr val="bg1"/>
-                </a:solidFill>
-                <a:latin typeface="Calibri" panose="020F0502020204030204" pitchFamily="34" charset="0"/>
-                <a:cs typeface="Calibri" panose="020F0502020204030204" pitchFamily="34" charset="0"/>
-              </a:rPr>
-              <a:t> </a:t>
-            </a:r>
-            <a:r>
-              <a:rPr lang="en-US" dirty="0" err="1">
-                <a:solidFill>
-                  <a:schemeClr val="bg1"/>
-                </a:solidFill>
-                <a:latin typeface="Calibri" panose="020F0502020204030204" pitchFamily="34" charset="0"/>
-                <a:cs typeface="Calibri" panose="020F0502020204030204" pitchFamily="34" charset="0"/>
-              </a:rPr>
-              <a:t>gian</a:t>
-            </a:r>
-            <a:r>
-              <a:rPr lang="en-US" dirty="0">
-                <a:solidFill>
-                  <a:schemeClr val="bg1"/>
-                </a:solidFill>
-                <a:latin typeface="Calibri" panose="020F0502020204030204" pitchFamily="34" charset="0"/>
-                <a:cs typeface="Calibri" panose="020F0502020204030204" pitchFamily="34" charset="0"/>
-              </a:rPr>
-              <a:t> </a:t>
-            </a:r>
-            <a:r>
-              <a:rPr lang="en-US" dirty="0" err="1">
-                <a:solidFill>
-                  <a:schemeClr val="bg1"/>
-                </a:solidFill>
-                <a:latin typeface="Calibri" panose="020F0502020204030204" pitchFamily="34" charset="0"/>
-                <a:cs typeface="Calibri" panose="020F0502020204030204" pitchFamily="34" charset="0"/>
-              </a:rPr>
-              <a:t>đáp</a:t>
-            </a:r>
-            <a:r>
-              <a:rPr lang="en-US" dirty="0">
-                <a:solidFill>
-                  <a:schemeClr val="bg1"/>
-                </a:solidFill>
-                <a:latin typeface="Calibri" panose="020F0502020204030204" pitchFamily="34" charset="0"/>
-                <a:cs typeface="Calibri" panose="020F0502020204030204" pitchFamily="34" charset="0"/>
-              </a:rPr>
-              <a:t> </a:t>
-            </a:r>
-            <a:r>
-              <a:rPr lang="en-US" dirty="0" err="1">
-                <a:solidFill>
-                  <a:schemeClr val="bg1"/>
-                </a:solidFill>
-                <a:latin typeface="Calibri" panose="020F0502020204030204" pitchFamily="34" charset="0"/>
-                <a:cs typeface="Calibri" panose="020F0502020204030204" pitchFamily="34" charset="0"/>
-              </a:rPr>
-              <a:t>ứng</a:t>
-            </a:r>
-            <a:r>
-              <a:rPr lang="en-US" dirty="0">
-                <a:solidFill>
-                  <a:schemeClr val="bg1"/>
-                </a:solidFill>
-                <a:latin typeface="Calibri" panose="020F0502020204030204" pitchFamily="34" charset="0"/>
-                <a:cs typeface="Calibri" panose="020F0502020204030204" pitchFamily="34" charset="0"/>
-              </a:rPr>
-              <a:t> </a:t>
-            </a:r>
-            <a:r>
-              <a:rPr lang="en-US" dirty="0" err="1">
-                <a:solidFill>
-                  <a:schemeClr val="bg1"/>
-                </a:solidFill>
-                <a:latin typeface="Calibri" panose="020F0502020204030204" pitchFamily="34" charset="0"/>
-                <a:cs typeface="Calibri" panose="020F0502020204030204" pitchFamily="34" charset="0"/>
-              </a:rPr>
-              <a:t>nhanh</a:t>
-            </a:r>
-            <a:r>
-              <a:rPr lang="en-US" dirty="0">
-                <a:solidFill>
-                  <a:schemeClr val="bg1"/>
-                </a:solidFill>
-                <a:latin typeface="Calibri" panose="020F0502020204030204" pitchFamily="34" charset="0"/>
-                <a:cs typeface="Calibri" panose="020F0502020204030204" pitchFamily="34" charset="0"/>
-              </a:rPr>
-              <a:t>.</a:t>
+              <a:t>- Cải thiện được khả năng cache dữ liệu vì thời gian đáp ứng nhanh.</a:t>
             </a:r>
           </a:p>
           <a:p>
@@ -5169,27 +4781,7 @@
                 <a:latin typeface="Calibri" panose="020F0502020204030204" pitchFamily="34" charset="0"/>
                 <a:cs typeface="Calibri" panose="020F0502020204030204" pitchFamily="34" charset="0"/>
               </a:rPr>
-              <a:t>- </a:t>
-            </a:r>
-            <a:r>
-              <a:rPr lang="en-US" dirty="0" err="1">
-                <a:solidFill>
-                  <a:schemeClr val="bg1"/>
-                </a:solidFill>
-                <a:latin typeface="Calibri" panose="020F0502020204030204" pitchFamily="34" charset="0"/>
-                <a:cs typeface="Calibri" panose="020F0502020204030204" pitchFamily="34" charset="0"/>
-              </a:rPr>
-              <a:t>Tăng</a:t>
-            </a:r>
-            <a:r>
-              <a:rPr lang="en-US" dirty="0">
-                <a:solidFill>
-                  <a:schemeClr val="bg1"/>
-                </a:solidFill>
-                <a:latin typeface="Calibri" panose="020F0502020204030204" pitchFamily="34" charset="0"/>
-                <a:cs typeface="Calibri" panose="020F0502020204030204" pitchFamily="34" charset="0"/>
-              </a:rPr>
-              <a:t> performance.</a:t>
+              <a:t>- Tăng performance.</a:t>
             </a:r>
           </a:p>
         </p:txBody>
@@ -5261,114 +4853,13 @@
           <a:lstStyle/>
           <a:p>
             <a:r>
-              <a:rPr lang="en-US" dirty="0" err="1">
-                <a:solidFill>
-                  <a:schemeClr val="bg1"/>
-                </a:solidFill>
-              </a:rPr>
-              <a:t>Mối</a:t>
-            </a:r>
-            <a:r>
-              <a:rPr lang="en-US" dirty="0">
-                <a:solidFill>
-                  <a:schemeClr val="bg1"/>
-                </a:solidFill>
-              </a:rPr>
-              <a:t> </a:t>
-            </a:r>
-            <a:r>
-              <a:rPr lang="en-US" dirty="0" err="1">
-                <a:solidFill>
-                  <a:schemeClr val="bg1"/>
-                </a:solidFill>
-              </a:rPr>
-              <a:t>quan</a:t>
-            </a:r>
-            <a:r>
-              <a:rPr lang="en-US" dirty="0">
-                <a:solidFill>
-                  <a:schemeClr val="bg1"/>
-                </a:solidFill>
-              </a:rPr>
-              <a:t> </a:t>
-            </a:r>
-            <a:r>
-              <a:rPr lang="en-US" dirty="0" err="1">
-                <a:solidFill>
-                  <a:schemeClr val="bg1"/>
-                </a:solidFill>
-              </a:rPr>
-              <a:t>hệ</a:t>
-            </a:r>
-            <a:r>
-              <a:rPr lang="en-US" dirty="0">
-                <a:solidFill>
-                  <a:schemeClr val="bg1"/>
-                </a:solidFill>
-              </a:rPr>
-              <a:t> </a:t>
-            </a:r>
-            <a:r>
-              <a:rPr lang="en-US" dirty="0" err="1">
-                <a:solidFill>
-                  <a:schemeClr val="bg1"/>
-                </a:solidFill>
-              </a:rPr>
-              <a:t>với</a:t>
-            </a:r>
-            <a:r>
-              <a:rPr lang="en-US" dirty="0">
-                <a:solidFill>
-                  <a:schemeClr val="bg1"/>
-                </a:solidFill>
-              </a:rPr>
-              <a:t> </a:t>
-            </a:r>
-            <a:r>
-              <a:rPr lang="en-US" dirty="0" err="1">
-                <a:solidFill>
-                  <a:schemeClr val="bg1"/>
-                </a:solidFill>
-              </a:rPr>
-              <a:t>các</a:t>
-            </a:r>
-            <a:r>
-              <a:rPr lang="en-US" dirty="0">
-                <a:solidFill>
-                  <a:schemeClr val="bg1"/>
-                </a:solidFill>
-              </a:rPr>
-              <a:t> </a:t>
-            </a:r>
-            <a:r>
-              <a:rPr lang="en-US" dirty="0" err="1">
-                <a:solidFill>
-                  <a:schemeClr val="bg1"/>
-                </a:solidFill>
-              </a:rPr>
-              <a:t>mẫu</a:t>
-            </a:r>
-            <a:r>
-              <a:rPr lang="en-US" dirty="0">
-                <a:solidFill>
-                  <a:schemeClr val="bg1"/>
-                </a:solidFill>
-              </a:rPr>
-              <a:t> </a:t>
-            </a:r>
-            <a:r>
-              <a:rPr lang="en-US" dirty="0" err="1">
-                <a:solidFill>
-                  <a:schemeClr val="bg1"/>
-                </a:solidFill>
-              </a:rPr>
-              <a:t>khác</a:t>
-            </a:r>
-            <a:endParaRPr lang="en-US" dirty="0">
-              <a:solidFill>
-                <a:schemeClr val="bg1"/>
-              </a:solidFill>
-            </a:endParaRPr>
+              <a:rPr lang="en-US" dirty="0">
+                <a:solidFill>
+                  <a:schemeClr val="bg1"/>
+                </a:solidFill>
+              </a:rPr>
+              <a:t>Mối quan hệ với các mẫu khác</a:t>
+            </a:r>
           </a:p>
         </p:txBody>
       </p:sp>
@@ -5396,7 +4887,7 @@
         </p:spPr>
         <p:txBody>
           <a:bodyPr>
-            <a:normAutofit fontScale="92500" lnSpcReduction="10000"/>
+            <a:normAutofit fontScale="92500" lnSpcReduction="20000"/>
           </a:bodyPr>
           <a:lstStyle/>
           <a:p>
@@ -5409,227 +4900,7 @@
                 <a:latin typeface="Calibri" panose="020F0502020204030204" pitchFamily="34" charset="0"/>
                 <a:cs typeface="Calibri" panose="020F0502020204030204" pitchFamily="34" charset="0"/>
               </a:rPr>
-              <a:t>- </a:t>
-            </a:r>
-            <a:r>
-              <a:rPr lang="en-US" dirty="0" err="1">
-                <a:solidFill>
-                  <a:schemeClr val="bg1"/>
-                </a:solidFill>
-                <a:latin typeface="Calibri" panose="020F0502020204030204" pitchFamily="34" charset="0"/>
-                <a:cs typeface="Calibri" panose="020F0502020204030204" pitchFamily="34" charset="0"/>
-              </a:rPr>
-              <a:t>Bạn</a:t>
-            </a:r>
-            <a:r>
-              <a:rPr lang="en-US" dirty="0">
-                <a:solidFill>
-                  <a:schemeClr val="bg1"/>
-                </a:solidFill>
-                <a:latin typeface="Calibri" panose="020F0502020204030204" pitchFamily="34" charset="0"/>
-                <a:cs typeface="Calibri" panose="020F0502020204030204" pitchFamily="34" charset="0"/>
-              </a:rPr>
-              <a:t> </a:t>
-            </a:r>
-            <a:r>
-              <a:rPr lang="en-US" dirty="0" err="1">
-                <a:solidFill>
-                  <a:schemeClr val="bg1"/>
-                </a:solidFill>
-                <a:latin typeface="Calibri" panose="020F0502020204030204" pitchFamily="34" charset="0"/>
-                <a:cs typeface="Calibri" panose="020F0502020204030204" pitchFamily="34" charset="0"/>
-              </a:rPr>
-              <a:t>có</a:t>
-            </a:r>
-            <a:r>
-              <a:rPr lang="en-US" dirty="0">
-                <a:solidFill>
-                  <a:schemeClr val="bg1"/>
-                </a:solidFill>
-                <a:latin typeface="Calibri" panose="020F0502020204030204" pitchFamily="34" charset="0"/>
-                <a:cs typeface="Calibri" panose="020F0502020204030204" pitchFamily="34" charset="0"/>
-              </a:rPr>
-              <a:t> </a:t>
-            </a:r>
-            <a:r>
-              <a:rPr lang="en-US" dirty="0" err="1">
-                <a:solidFill>
-                  <a:schemeClr val="bg1"/>
-                </a:solidFill>
-                <a:latin typeface="Calibri" panose="020F0502020204030204" pitchFamily="34" charset="0"/>
-                <a:cs typeface="Calibri" panose="020F0502020204030204" pitchFamily="34" charset="0"/>
-              </a:rPr>
-              <a:t>thể</a:t>
-            </a:r>
-            <a:r>
-              <a:rPr lang="en-US" dirty="0">
-                <a:solidFill>
-                  <a:schemeClr val="bg1"/>
-                </a:solidFill>
-                <a:latin typeface="Calibri" panose="020F0502020204030204" pitchFamily="34" charset="0"/>
-                <a:cs typeface="Calibri" panose="020F0502020204030204" pitchFamily="34" charset="0"/>
-              </a:rPr>
-              <a:t> </a:t>
-            </a:r>
-            <a:r>
-              <a:rPr lang="en-US" dirty="0" err="1">
-                <a:solidFill>
-                  <a:schemeClr val="bg1"/>
-                </a:solidFill>
-                <a:latin typeface="Calibri" panose="020F0502020204030204" pitchFamily="34" charset="0"/>
-                <a:cs typeface="Calibri" panose="020F0502020204030204" pitchFamily="34" charset="0"/>
-              </a:rPr>
-              <a:t>triển</a:t>
-            </a:r>
-            <a:r>
-              <a:rPr lang="en-US" dirty="0">
-                <a:solidFill>
-                  <a:schemeClr val="bg1"/>
-                </a:solidFill>
-                <a:latin typeface="Calibri" panose="020F0502020204030204" pitchFamily="34" charset="0"/>
-                <a:cs typeface="Calibri" panose="020F0502020204030204" pitchFamily="34" charset="0"/>
-              </a:rPr>
-              <a:t> </a:t>
-            </a:r>
-            <a:r>
-              <a:rPr lang="en-US" dirty="0" err="1">
-                <a:solidFill>
-                  <a:schemeClr val="bg1"/>
-                </a:solidFill>
-                <a:latin typeface="Calibri" panose="020F0502020204030204" pitchFamily="34" charset="0"/>
-                <a:cs typeface="Calibri" panose="020F0502020204030204" pitchFamily="34" charset="0"/>
-              </a:rPr>
-              <a:t>khai</a:t>
-            </a:r>
-            <a:r>
-              <a:rPr lang="en-US" dirty="0">
-                <a:solidFill>
-                  <a:schemeClr val="bg1"/>
-                </a:solidFill>
-                <a:latin typeface="Calibri" panose="020F0502020204030204" pitchFamily="34" charset="0"/>
-                <a:cs typeface="Calibri" panose="020F0502020204030204" pitchFamily="34" charset="0"/>
-              </a:rPr>
-              <a:t> </a:t>
-            </a:r>
-            <a:r>
-              <a:rPr lang="en-US" dirty="0" err="1">
-                <a:solidFill>
-                  <a:schemeClr val="bg1"/>
-                </a:solidFill>
-                <a:latin typeface="Calibri" panose="020F0502020204030204" pitchFamily="34" charset="0"/>
-                <a:cs typeface="Calibri" panose="020F0502020204030204" pitchFamily="34" charset="0"/>
-              </a:rPr>
-              <a:t>các</a:t>
-            </a:r>
-            <a:r>
-              <a:rPr lang="en-US" dirty="0">
-                <a:solidFill>
-                  <a:schemeClr val="bg1"/>
-                </a:solidFill>
-                <a:latin typeface="Calibri" panose="020F0502020204030204" pitchFamily="34" charset="0"/>
-                <a:cs typeface="Calibri" panose="020F0502020204030204" pitchFamily="34" charset="0"/>
-              </a:rPr>
-              <a:t> </a:t>
-            </a:r>
-            <a:r>
-              <a:rPr lang="en-US" dirty="0" err="1">
-                <a:solidFill>
-                  <a:schemeClr val="bg1"/>
-                </a:solidFill>
-                <a:latin typeface="Calibri" panose="020F0502020204030204" pitchFamily="34" charset="0"/>
-                <a:cs typeface="Calibri" panose="020F0502020204030204" pitchFamily="34" charset="0"/>
-              </a:rPr>
-              <a:t>nút</a:t>
-            </a:r>
-            <a:r>
-              <a:rPr lang="en-US" dirty="0">
-                <a:solidFill>
-                  <a:schemeClr val="bg1"/>
-                </a:solidFill>
-                <a:latin typeface="Calibri" panose="020F0502020204030204" pitchFamily="34" charset="0"/>
-                <a:cs typeface="Calibri" panose="020F0502020204030204" pitchFamily="34" charset="0"/>
-              </a:rPr>
-              <a:t> </a:t>
-            </a:r>
-            <a:r>
-              <a:rPr lang="en-US" dirty="0" err="1">
-                <a:solidFill>
-                  <a:schemeClr val="bg1"/>
-                </a:solidFill>
-                <a:latin typeface="Calibri" panose="020F0502020204030204" pitchFamily="34" charset="0"/>
-                <a:cs typeface="Calibri" panose="020F0502020204030204" pitchFamily="34" charset="0"/>
-              </a:rPr>
-              <a:t>lá</a:t>
-            </a:r>
-            <a:r>
-              <a:rPr lang="en-US" dirty="0">
-                <a:solidFill>
-                  <a:schemeClr val="bg1"/>
-                </a:solidFill>
-                <a:latin typeface="Calibri" panose="020F0502020204030204" pitchFamily="34" charset="0"/>
-                <a:cs typeface="Calibri" panose="020F0502020204030204" pitchFamily="34" charset="0"/>
-              </a:rPr>
-              <a:t> chia </a:t>
-            </a:r>
-            <a:r>
-              <a:rPr lang="en-US" dirty="0" err="1">
-                <a:solidFill>
-                  <a:schemeClr val="bg1"/>
-                </a:solidFill>
-                <a:latin typeface="Calibri" panose="020F0502020204030204" pitchFamily="34" charset="0"/>
-                <a:cs typeface="Calibri" panose="020F0502020204030204" pitchFamily="34" charset="0"/>
-              </a:rPr>
-              <a:t>sẻ</a:t>
-            </a:r>
-            <a:r>
-              <a:rPr lang="en-US" dirty="0">
-                <a:solidFill>
-                  <a:schemeClr val="bg1"/>
-                </a:solidFill>
-                <a:latin typeface="Calibri" panose="020F0502020204030204" pitchFamily="34" charset="0"/>
-                <a:cs typeface="Calibri" panose="020F0502020204030204" pitchFamily="34" charset="0"/>
-              </a:rPr>
-              <a:t> </a:t>
-            </a:r>
-            <a:r>
-              <a:rPr lang="en-US" dirty="0" err="1">
-                <a:solidFill>
-                  <a:schemeClr val="bg1"/>
-                </a:solidFill>
-                <a:latin typeface="Calibri" panose="020F0502020204030204" pitchFamily="34" charset="0"/>
-                <a:cs typeface="Calibri" panose="020F0502020204030204" pitchFamily="34" charset="0"/>
-              </a:rPr>
-              <a:t>của</a:t>
-            </a:r>
-            <a:r>
-              <a:rPr lang="en-US" dirty="0">
-                <a:solidFill>
-                  <a:schemeClr val="bg1"/>
-                </a:solidFill>
-                <a:latin typeface="Calibri" panose="020F0502020204030204" pitchFamily="34" charset="0"/>
-                <a:cs typeface="Calibri" panose="020F0502020204030204" pitchFamily="34" charset="0"/>
-              </a:rPr>
-              <a:t> </a:t>
-            </a:r>
-            <a:r>
-              <a:rPr lang="en-US" dirty="0" err="1">
-                <a:solidFill>
-                  <a:schemeClr val="bg1"/>
-                </a:solidFill>
-                <a:latin typeface="Calibri" panose="020F0502020204030204" pitchFamily="34" charset="0"/>
-                <a:cs typeface="Calibri" panose="020F0502020204030204" pitchFamily="34" charset="0"/>
-              </a:rPr>
-              <a:t>cây</a:t>
-            </a:r>
-            <a:r>
-              <a:rPr lang="en-US" dirty="0">
-                <a:solidFill>
-                  <a:schemeClr val="bg1"/>
-                </a:solidFill>
-                <a:latin typeface="Calibri" panose="020F0502020204030204" pitchFamily="34" charset="0"/>
-                <a:cs typeface="Calibri" panose="020F0502020204030204" pitchFamily="34" charset="0"/>
-              </a:rPr>
-              <a:t> </a:t>
+              <a:t>- Bạn có thể triển khai các nút lá chia sẻ của cây </a:t>
             </a:r>
             <a:r>
               <a:rPr lang="en-US" b="1" dirty="0">
@@ -5642,44 +4913,14 @@
               <a:t>Composite </a:t>
             </a:r>
             <a:r>
-              <a:rPr lang="en-US" dirty="0" err="1">
-                <a:solidFill>
-                  <a:schemeClr val="bg1"/>
-                </a:solidFill>
-                <a:latin typeface="Calibri" panose="020F0502020204030204" pitchFamily="34" charset="0"/>
-                <a:cs typeface="Calibri" panose="020F0502020204030204" pitchFamily="34" charset="0"/>
-              </a:rPr>
-              <a:t>dưới</a:t>
-            </a:r>
-            <a:r>
-              <a:rPr lang="en-US" dirty="0">
-                <a:solidFill>
-                  <a:schemeClr val="bg1"/>
-                </a:solidFill>
-                <a:latin typeface="Calibri" panose="020F0502020204030204" pitchFamily="34" charset="0"/>
-                <a:cs typeface="Calibri" panose="020F0502020204030204" pitchFamily="34" charset="0"/>
-              </a:rPr>
-              <a:t> </a:t>
-            </a:r>
-            <a:r>
-              <a:rPr lang="en-US" dirty="0" err="1">
-                <a:solidFill>
-                  <a:schemeClr val="bg1"/>
-                </a:solidFill>
-                <a:latin typeface="Calibri" panose="020F0502020204030204" pitchFamily="34" charset="0"/>
-                <a:cs typeface="Calibri" panose="020F0502020204030204" pitchFamily="34" charset="0"/>
-              </a:rPr>
-              <a:t>dạng</a:t>
-            </a:r>
-            <a:r>
-              <a:rPr lang="en-US" dirty="0">
-                <a:solidFill>
-                  <a:schemeClr val="bg1"/>
-                </a:solidFill>
-                <a:latin typeface="Calibri" panose="020F0502020204030204" pitchFamily="34" charset="0"/>
-                <a:cs typeface="Calibri" panose="020F0502020204030204" pitchFamily="34" charset="0"/>
-              </a:rPr>
-              <a:t> </a:t>
+              <a:rPr lang="en-US" dirty="0">
+                <a:solidFill>
+                  <a:schemeClr val="bg1"/>
+                </a:solidFill>
+                <a:latin typeface="Calibri" panose="020F0502020204030204" pitchFamily="34" charset="0"/>
+                <a:cs typeface="Calibri" panose="020F0502020204030204" pitchFamily="34" charset="0"/>
+              </a:rPr>
+              <a:t>dưới dạng </a:t>
             </a:r>
             <a:r>
               <a:rPr lang="en-US" b="1" dirty="0">
@@ -5692,64 +4933,14 @@
               <a:t>Flyweight </a:t>
             </a:r>
             <a:r>
-              <a:rPr lang="en-US" dirty="0" err="1">
-                <a:solidFill>
-                  <a:schemeClr val="bg1"/>
-                </a:solidFill>
-                <a:latin typeface="Calibri" panose="020F0502020204030204" pitchFamily="34" charset="0"/>
-                <a:cs typeface="Calibri" panose="020F0502020204030204" pitchFamily="34" charset="0"/>
-              </a:rPr>
-              <a:t>để</a:t>
-            </a:r>
-            <a:r>
-              <a:rPr lang="en-US" dirty="0">
-                <a:solidFill>
-                  <a:schemeClr val="bg1"/>
-                </a:solidFill>
-                <a:latin typeface="Calibri" panose="020F0502020204030204" pitchFamily="34" charset="0"/>
-                <a:cs typeface="Calibri" panose="020F0502020204030204" pitchFamily="34" charset="0"/>
-              </a:rPr>
-              <a:t> </a:t>
-            </a:r>
-            <a:r>
-              <a:rPr lang="en-US" dirty="0" err="1">
-                <a:solidFill>
-                  <a:schemeClr val="bg1"/>
-                </a:solidFill>
-                <a:latin typeface="Calibri" panose="020F0502020204030204" pitchFamily="34" charset="0"/>
-                <a:cs typeface="Calibri" panose="020F0502020204030204" pitchFamily="34" charset="0"/>
-              </a:rPr>
-              <a:t>tiết</a:t>
-            </a:r>
-            <a:r>
-              <a:rPr lang="en-US" dirty="0">
-                <a:solidFill>
-                  <a:schemeClr val="bg1"/>
-                </a:solidFill>
-                <a:latin typeface="Calibri" panose="020F0502020204030204" pitchFamily="34" charset="0"/>
-                <a:cs typeface="Calibri" panose="020F0502020204030204" pitchFamily="34" charset="0"/>
-              </a:rPr>
-              <a:t> </a:t>
-            </a:r>
-            <a:r>
-              <a:rPr lang="en-US" dirty="0" err="1">
-                <a:solidFill>
-                  <a:schemeClr val="bg1"/>
-                </a:solidFill>
-                <a:latin typeface="Calibri" panose="020F0502020204030204" pitchFamily="34" charset="0"/>
-                <a:cs typeface="Calibri" panose="020F0502020204030204" pitchFamily="34" charset="0"/>
-              </a:rPr>
-              <a:t>kiệm</a:t>
-            </a:r>
-            <a:r>
-              <a:rPr lang="en-US" dirty="0">
-                <a:solidFill>
-                  <a:schemeClr val="bg1"/>
-                </a:solidFill>
-                <a:latin typeface="Calibri" panose="020F0502020204030204" pitchFamily="34" charset="0"/>
-                <a:cs typeface="Calibri" panose="020F0502020204030204" pitchFamily="34" charset="0"/>
-              </a:rPr>
-              <a:t> RAM.</a:t>
+              <a:rPr lang="en-US" dirty="0">
+                <a:solidFill>
+                  <a:schemeClr val="bg1"/>
+                </a:solidFill>
+                <a:latin typeface="Calibri" panose="020F0502020204030204" pitchFamily="34" charset="0"/>
+                <a:cs typeface="Calibri" panose="020F0502020204030204" pitchFamily="34" charset="0"/>
+              </a:rPr>
+              <a:t>để tiết kiệm RAM.</a:t>
             </a:r>
           </a:p>
           <a:p>
@@ -5765,204 +4956,14 @@
               <a:t>- Flyweight </a:t>
             </a:r>
             <a:r>
-              <a:rPr lang="en-US" dirty="0" err="1">
-                <a:solidFill>
-                  <a:schemeClr val="bg1"/>
-                </a:solidFill>
-                <a:latin typeface="Calibri" panose="020F0502020204030204" pitchFamily="34" charset="0"/>
-                <a:cs typeface="Calibri" panose="020F0502020204030204" pitchFamily="34" charset="0"/>
-              </a:rPr>
-              <a:t>cho</a:t>
-            </a:r>
-            <a:r>
-              <a:rPr lang="en-US" dirty="0">
-                <a:solidFill>
-                  <a:schemeClr val="bg1"/>
-                </a:solidFill>
-                <a:latin typeface="Calibri" panose="020F0502020204030204" pitchFamily="34" charset="0"/>
-                <a:cs typeface="Calibri" panose="020F0502020204030204" pitchFamily="34" charset="0"/>
-              </a:rPr>
-              <a:t> </a:t>
-            </a:r>
-            <a:r>
-              <a:rPr lang="en-US" dirty="0" err="1">
-                <a:solidFill>
-                  <a:schemeClr val="bg1"/>
-                </a:solidFill>
-                <a:latin typeface="Calibri" panose="020F0502020204030204" pitchFamily="34" charset="0"/>
-                <a:cs typeface="Calibri" panose="020F0502020204030204" pitchFamily="34" charset="0"/>
-              </a:rPr>
-              <a:t>thấy</a:t>
-            </a:r>
-            <a:r>
-              <a:rPr lang="en-US" dirty="0">
-                <a:solidFill>
-                  <a:schemeClr val="bg1"/>
-                </a:solidFill>
-                <a:latin typeface="Calibri" panose="020F0502020204030204" pitchFamily="34" charset="0"/>
-                <a:cs typeface="Calibri" panose="020F0502020204030204" pitchFamily="34" charset="0"/>
-              </a:rPr>
-              <a:t> </a:t>
-            </a:r>
-            <a:r>
-              <a:rPr lang="en-US" dirty="0" err="1">
-                <a:solidFill>
-                  <a:schemeClr val="bg1"/>
-                </a:solidFill>
-                <a:latin typeface="Calibri" panose="020F0502020204030204" pitchFamily="34" charset="0"/>
-                <a:cs typeface="Calibri" panose="020F0502020204030204" pitchFamily="34" charset="0"/>
-              </a:rPr>
-              <a:t>cách</a:t>
-            </a:r>
-            <a:r>
-              <a:rPr lang="en-US" dirty="0">
-                <a:solidFill>
-                  <a:schemeClr val="bg1"/>
-                </a:solidFill>
-                <a:latin typeface="Calibri" panose="020F0502020204030204" pitchFamily="34" charset="0"/>
-                <a:cs typeface="Calibri" panose="020F0502020204030204" pitchFamily="34" charset="0"/>
-              </a:rPr>
-              <a:t> </a:t>
-            </a:r>
-            <a:r>
-              <a:rPr lang="en-US" dirty="0" err="1">
-                <a:solidFill>
-                  <a:schemeClr val="bg1"/>
-                </a:solidFill>
-                <a:latin typeface="Calibri" panose="020F0502020204030204" pitchFamily="34" charset="0"/>
-                <a:cs typeface="Calibri" panose="020F0502020204030204" pitchFamily="34" charset="0"/>
-              </a:rPr>
-              <a:t>tạo</a:t>
-            </a:r>
-            <a:r>
-              <a:rPr lang="en-US" dirty="0">
-                <a:solidFill>
-                  <a:schemeClr val="bg1"/>
-                </a:solidFill>
-                <a:latin typeface="Calibri" panose="020F0502020204030204" pitchFamily="34" charset="0"/>
-                <a:cs typeface="Calibri" panose="020F0502020204030204" pitchFamily="34" charset="0"/>
-              </a:rPr>
-              <a:t> ra </a:t>
-            </a:r>
-            <a:r>
-              <a:rPr lang="en-US" dirty="0" err="1">
-                <a:solidFill>
-                  <a:schemeClr val="bg1"/>
-                </a:solidFill>
-                <a:latin typeface="Calibri" panose="020F0502020204030204" pitchFamily="34" charset="0"/>
-                <a:cs typeface="Calibri" panose="020F0502020204030204" pitchFamily="34" charset="0"/>
-              </a:rPr>
-              <a:t>những</a:t>
-            </a:r>
-            <a:r>
-              <a:rPr lang="en-US" dirty="0">
-                <a:solidFill>
-                  <a:schemeClr val="bg1"/>
-                </a:solidFill>
-                <a:latin typeface="Calibri" panose="020F0502020204030204" pitchFamily="34" charset="0"/>
-                <a:cs typeface="Calibri" panose="020F0502020204030204" pitchFamily="34" charset="0"/>
-              </a:rPr>
-              <a:t> </a:t>
-            </a:r>
-            <a:r>
-              <a:rPr lang="en-US" dirty="0" err="1">
-                <a:solidFill>
-                  <a:schemeClr val="bg1"/>
-                </a:solidFill>
-                <a:latin typeface="Calibri" panose="020F0502020204030204" pitchFamily="34" charset="0"/>
-                <a:cs typeface="Calibri" panose="020F0502020204030204" pitchFamily="34" charset="0"/>
-              </a:rPr>
-              <a:t>đối</a:t>
-            </a:r>
-            <a:r>
-              <a:rPr lang="en-US" dirty="0">
-                <a:solidFill>
-                  <a:schemeClr val="bg1"/>
-                </a:solidFill>
-                <a:latin typeface="Calibri" panose="020F0502020204030204" pitchFamily="34" charset="0"/>
-                <a:cs typeface="Calibri" panose="020F0502020204030204" pitchFamily="34" charset="0"/>
-              </a:rPr>
-              <a:t> </a:t>
-            </a:r>
-            <a:r>
-              <a:rPr lang="en-US" dirty="0" err="1">
-                <a:solidFill>
-                  <a:schemeClr val="bg1"/>
-                </a:solidFill>
-                <a:latin typeface="Calibri" panose="020F0502020204030204" pitchFamily="34" charset="0"/>
-                <a:cs typeface="Calibri" panose="020F0502020204030204" pitchFamily="34" charset="0"/>
-              </a:rPr>
-              <a:t>tượng</a:t>
-            </a:r>
-            <a:r>
-              <a:rPr lang="en-US" dirty="0">
-                <a:solidFill>
-                  <a:schemeClr val="bg1"/>
-                </a:solidFill>
-                <a:latin typeface="Calibri" panose="020F0502020204030204" pitchFamily="34" charset="0"/>
-                <a:cs typeface="Calibri" panose="020F0502020204030204" pitchFamily="34" charset="0"/>
-              </a:rPr>
-              <a:t> </a:t>
-            </a:r>
-            <a:r>
-              <a:rPr lang="en-US" dirty="0" err="1">
-                <a:solidFill>
-                  <a:schemeClr val="bg1"/>
-                </a:solidFill>
-                <a:latin typeface="Calibri" panose="020F0502020204030204" pitchFamily="34" charset="0"/>
-                <a:cs typeface="Calibri" panose="020F0502020204030204" pitchFamily="34" charset="0"/>
-              </a:rPr>
-              <a:t>nhỏ</a:t>
-            </a:r>
-            <a:r>
-              <a:rPr lang="en-US" dirty="0">
-                <a:solidFill>
-                  <a:schemeClr val="bg1"/>
-                </a:solidFill>
-                <a:latin typeface="Calibri" panose="020F0502020204030204" pitchFamily="34" charset="0"/>
-                <a:cs typeface="Calibri" panose="020F0502020204030204" pitchFamily="34" charset="0"/>
-              </a:rPr>
-              <a:t>, </a:t>
-            </a:r>
-            <a:r>
-              <a:rPr lang="en-US" dirty="0" err="1">
-                <a:solidFill>
-                  <a:schemeClr val="bg1"/>
-                </a:solidFill>
-                <a:latin typeface="Calibri" panose="020F0502020204030204" pitchFamily="34" charset="0"/>
-                <a:cs typeface="Calibri" panose="020F0502020204030204" pitchFamily="34" charset="0"/>
-              </a:rPr>
-              <a:t>trong</a:t>
-            </a:r>
-            <a:r>
-              <a:rPr lang="en-US" dirty="0">
-                <a:solidFill>
-                  <a:schemeClr val="bg1"/>
-                </a:solidFill>
-                <a:latin typeface="Calibri" panose="020F0502020204030204" pitchFamily="34" charset="0"/>
-                <a:cs typeface="Calibri" panose="020F0502020204030204" pitchFamily="34" charset="0"/>
-              </a:rPr>
-              <a:t> </a:t>
-            </a:r>
-            <a:r>
-              <a:rPr lang="en-US" dirty="0" err="1">
-                <a:solidFill>
-                  <a:schemeClr val="bg1"/>
-                </a:solidFill>
-                <a:latin typeface="Calibri" panose="020F0502020204030204" pitchFamily="34" charset="0"/>
-                <a:cs typeface="Calibri" panose="020F0502020204030204" pitchFamily="34" charset="0"/>
-              </a:rPr>
-              <a:t>khi</a:t>
-            </a:r>
-            <a:r>
-              <a:rPr lang="en-US" dirty="0">
-                <a:solidFill>
-                  <a:schemeClr val="bg1"/>
-                </a:solidFill>
-                <a:latin typeface="Calibri" panose="020F0502020204030204" pitchFamily="34" charset="0"/>
-                <a:cs typeface="Calibri" panose="020F0502020204030204" pitchFamily="34" charset="0"/>
-              </a:rPr>
-              <a:t> </a:t>
+              <a:rPr lang="en-US" dirty="0">
+                <a:solidFill>
+                  <a:schemeClr val="bg1"/>
+                </a:solidFill>
+                <a:latin typeface="Calibri" panose="020F0502020204030204" pitchFamily="34" charset="0"/>
+                <a:cs typeface="Calibri" panose="020F0502020204030204" pitchFamily="34" charset="0"/>
+              </a:rPr>
+              <a:t>cho thấy cách tạo ra những đối tượng nhỏ, trong khi </a:t>
             </a:r>
             <a:r>
               <a:rPr lang="en-US" b="1" dirty="0">
@@ -5975,324 +4976,14 @@
               <a:t>Facade </a:t>
             </a:r>
             <a:r>
-              <a:rPr lang="en-US" dirty="0" err="1">
-                <a:solidFill>
-                  <a:schemeClr val="bg1"/>
-                </a:solidFill>
-                <a:latin typeface="Calibri" panose="020F0502020204030204" pitchFamily="34" charset="0"/>
-                <a:cs typeface="Calibri" panose="020F0502020204030204" pitchFamily="34" charset="0"/>
-              </a:rPr>
-              <a:t>cho</a:t>
-            </a:r>
-            <a:r>
-              <a:rPr lang="en-US" dirty="0">
-                <a:solidFill>
-                  <a:schemeClr val="bg1"/>
-                </a:solidFill>
-                <a:latin typeface="Calibri" panose="020F0502020204030204" pitchFamily="34" charset="0"/>
-                <a:cs typeface="Calibri" panose="020F0502020204030204" pitchFamily="34" charset="0"/>
-              </a:rPr>
-              <a:t> </a:t>
-            </a:r>
-            <a:r>
-              <a:rPr lang="en-US" dirty="0" err="1">
-                <a:solidFill>
-                  <a:schemeClr val="bg1"/>
-                </a:solidFill>
-                <a:latin typeface="Calibri" panose="020F0502020204030204" pitchFamily="34" charset="0"/>
-                <a:cs typeface="Calibri" panose="020F0502020204030204" pitchFamily="34" charset="0"/>
-              </a:rPr>
-              <a:t>thấy</a:t>
-            </a:r>
-            <a:r>
-              <a:rPr lang="en-US" dirty="0">
-                <a:solidFill>
-                  <a:schemeClr val="bg1"/>
-                </a:solidFill>
-                <a:latin typeface="Calibri" panose="020F0502020204030204" pitchFamily="34" charset="0"/>
-                <a:cs typeface="Calibri" panose="020F0502020204030204" pitchFamily="34" charset="0"/>
-              </a:rPr>
-              <a:t> </a:t>
-            </a:r>
-            <a:r>
-              <a:rPr lang="en-US" dirty="0" err="1">
-                <a:solidFill>
-                  <a:schemeClr val="bg1"/>
-                </a:solidFill>
-                <a:latin typeface="Calibri" panose="020F0502020204030204" pitchFamily="34" charset="0"/>
-                <a:cs typeface="Calibri" panose="020F0502020204030204" pitchFamily="34" charset="0"/>
-              </a:rPr>
-              <a:t>cách</a:t>
-            </a:r>
-            <a:r>
-              <a:rPr lang="en-US" dirty="0">
-                <a:solidFill>
-                  <a:schemeClr val="bg1"/>
-                </a:solidFill>
-                <a:latin typeface="Calibri" panose="020F0502020204030204" pitchFamily="34" charset="0"/>
-                <a:cs typeface="Calibri" panose="020F0502020204030204" pitchFamily="34" charset="0"/>
-              </a:rPr>
-              <a:t> </a:t>
-            </a:r>
-            <a:r>
-              <a:rPr lang="en-US" dirty="0" err="1">
-                <a:solidFill>
-                  <a:schemeClr val="bg1"/>
-                </a:solidFill>
-                <a:latin typeface="Calibri" panose="020F0502020204030204" pitchFamily="34" charset="0"/>
-                <a:cs typeface="Calibri" panose="020F0502020204030204" pitchFamily="34" charset="0"/>
-              </a:rPr>
-              <a:t>tạo</a:t>
-            </a:r>
-            <a:r>
-              <a:rPr lang="en-US" dirty="0">
-                <a:solidFill>
-                  <a:schemeClr val="bg1"/>
-                </a:solidFill>
-                <a:latin typeface="Calibri" panose="020F0502020204030204" pitchFamily="34" charset="0"/>
-                <a:cs typeface="Calibri" panose="020F0502020204030204" pitchFamily="34" charset="0"/>
-              </a:rPr>
-              <a:t> ra </a:t>
-            </a:r>
-            <a:r>
-              <a:rPr lang="en-US" dirty="0" err="1">
-                <a:solidFill>
-                  <a:schemeClr val="bg1"/>
-                </a:solidFill>
-                <a:latin typeface="Calibri" panose="020F0502020204030204" pitchFamily="34" charset="0"/>
-                <a:cs typeface="Calibri" panose="020F0502020204030204" pitchFamily="34" charset="0"/>
-              </a:rPr>
-              <a:t>một</a:t>
-            </a:r>
-            <a:r>
-              <a:rPr lang="en-US" dirty="0">
-                <a:solidFill>
-                  <a:schemeClr val="bg1"/>
-                </a:solidFill>
-                <a:latin typeface="Calibri" panose="020F0502020204030204" pitchFamily="34" charset="0"/>
-                <a:cs typeface="Calibri" panose="020F0502020204030204" pitchFamily="34" charset="0"/>
-              </a:rPr>
-              <a:t> </a:t>
-            </a:r>
-            <a:r>
-              <a:rPr lang="en-US" dirty="0" err="1">
-                <a:solidFill>
-                  <a:schemeClr val="bg1"/>
-                </a:solidFill>
-                <a:latin typeface="Calibri" panose="020F0502020204030204" pitchFamily="34" charset="0"/>
-                <a:cs typeface="Calibri" panose="020F0502020204030204" pitchFamily="34" charset="0"/>
-              </a:rPr>
-              <a:t>đối</a:t>
-            </a:r>
-            <a:r>
-              <a:rPr lang="en-US" dirty="0">
-                <a:solidFill>
-                  <a:schemeClr val="bg1"/>
-                </a:solidFill>
-                <a:latin typeface="Calibri" panose="020F0502020204030204" pitchFamily="34" charset="0"/>
-                <a:cs typeface="Calibri" panose="020F0502020204030204" pitchFamily="34" charset="0"/>
-              </a:rPr>
-              <a:t> </a:t>
-            </a:r>
-            <a:r>
-              <a:rPr lang="en-US" dirty="0" err="1">
-                <a:solidFill>
-                  <a:schemeClr val="bg1"/>
-                </a:solidFill>
-                <a:latin typeface="Calibri" panose="020F0502020204030204" pitchFamily="34" charset="0"/>
-                <a:cs typeface="Calibri" panose="020F0502020204030204" pitchFamily="34" charset="0"/>
-              </a:rPr>
-              <a:t>tượng</a:t>
-            </a:r>
-            <a:r>
-              <a:rPr lang="en-US" dirty="0">
-                <a:solidFill>
-                  <a:schemeClr val="bg1"/>
-                </a:solidFill>
-                <a:latin typeface="Calibri" panose="020F0502020204030204" pitchFamily="34" charset="0"/>
-                <a:cs typeface="Calibri" panose="020F0502020204030204" pitchFamily="34" charset="0"/>
-              </a:rPr>
-              <a:t> </a:t>
-            </a:r>
-            <a:r>
-              <a:rPr lang="en-US" dirty="0" err="1">
-                <a:solidFill>
-                  <a:schemeClr val="bg1"/>
-                </a:solidFill>
-                <a:latin typeface="Calibri" panose="020F0502020204030204" pitchFamily="34" charset="0"/>
-                <a:cs typeface="Calibri" panose="020F0502020204030204" pitchFamily="34" charset="0"/>
-              </a:rPr>
-              <a:t>duy</a:t>
-            </a:r>
-            <a:r>
-              <a:rPr lang="en-US" dirty="0">
-                <a:solidFill>
-                  <a:schemeClr val="bg1"/>
-                </a:solidFill>
-                <a:latin typeface="Calibri" panose="020F0502020204030204" pitchFamily="34" charset="0"/>
-                <a:cs typeface="Calibri" panose="020F0502020204030204" pitchFamily="34" charset="0"/>
-              </a:rPr>
-              <a:t> </a:t>
-            </a:r>
-            <a:r>
-              <a:rPr lang="en-US" dirty="0" err="1">
-                <a:solidFill>
-                  <a:schemeClr val="bg1"/>
-                </a:solidFill>
-                <a:latin typeface="Calibri" panose="020F0502020204030204" pitchFamily="34" charset="0"/>
-                <a:cs typeface="Calibri" panose="020F0502020204030204" pitchFamily="34" charset="0"/>
-              </a:rPr>
-              <a:t>nhất</a:t>
-            </a:r>
-            <a:r>
-              <a:rPr lang="en-US" dirty="0">
-                <a:solidFill>
-                  <a:schemeClr val="bg1"/>
-                </a:solidFill>
-                <a:latin typeface="Calibri" panose="020F0502020204030204" pitchFamily="34" charset="0"/>
-                <a:cs typeface="Calibri" panose="020F0502020204030204" pitchFamily="34" charset="0"/>
-              </a:rPr>
-              <a:t> </a:t>
-            </a:r>
-            <a:r>
-              <a:rPr lang="en-US" dirty="0" err="1">
-                <a:solidFill>
-                  <a:schemeClr val="bg1"/>
-                </a:solidFill>
-                <a:latin typeface="Calibri" panose="020F0502020204030204" pitchFamily="34" charset="0"/>
-                <a:cs typeface="Calibri" panose="020F0502020204030204" pitchFamily="34" charset="0"/>
-              </a:rPr>
-              <a:t>đại</a:t>
-            </a:r>
-            <a:r>
-              <a:rPr lang="en-US" dirty="0">
-                <a:solidFill>
-                  <a:schemeClr val="bg1"/>
-                </a:solidFill>
-                <a:latin typeface="Calibri" panose="020F0502020204030204" pitchFamily="34" charset="0"/>
-                <a:cs typeface="Calibri" panose="020F0502020204030204" pitchFamily="34" charset="0"/>
-              </a:rPr>
-              <a:t> </a:t>
-            </a:r>
-            <a:r>
-              <a:rPr lang="en-US" dirty="0" err="1">
-                <a:solidFill>
-                  <a:schemeClr val="bg1"/>
-                </a:solidFill>
-                <a:latin typeface="Calibri" panose="020F0502020204030204" pitchFamily="34" charset="0"/>
-                <a:cs typeface="Calibri" panose="020F0502020204030204" pitchFamily="34" charset="0"/>
-              </a:rPr>
-              <a:t>diện</a:t>
-            </a:r>
-            <a:r>
-              <a:rPr lang="en-US" dirty="0">
-                <a:solidFill>
-                  <a:schemeClr val="bg1"/>
-                </a:solidFill>
-                <a:latin typeface="Calibri" panose="020F0502020204030204" pitchFamily="34" charset="0"/>
-                <a:cs typeface="Calibri" panose="020F0502020204030204" pitchFamily="34" charset="0"/>
-              </a:rPr>
-              <a:t> </a:t>
-            </a:r>
-            <a:r>
-              <a:rPr lang="en-US" dirty="0" err="1">
-                <a:solidFill>
-                  <a:schemeClr val="bg1"/>
-                </a:solidFill>
-                <a:latin typeface="Calibri" panose="020F0502020204030204" pitchFamily="34" charset="0"/>
-                <a:cs typeface="Calibri" panose="020F0502020204030204" pitchFamily="34" charset="0"/>
-              </a:rPr>
-              <a:t>cho</a:t>
-            </a:r>
-            <a:r>
-              <a:rPr lang="en-US" dirty="0">
-                <a:solidFill>
-                  <a:schemeClr val="bg1"/>
-                </a:solidFill>
-                <a:latin typeface="Calibri" panose="020F0502020204030204" pitchFamily="34" charset="0"/>
-                <a:cs typeface="Calibri" panose="020F0502020204030204" pitchFamily="34" charset="0"/>
-              </a:rPr>
-              <a:t> </a:t>
-            </a:r>
-            <a:r>
-              <a:rPr lang="en-US" dirty="0" err="1">
-                <a:solidFill>
-                  <a:schemeClr val="bg1"/>
-                </a:solidFill>
-                <a:latin typeface="Calibri" panose="020F0502020204030204" pitchFamily="34" charset="0"/>
-                <a:cs typeface="Calibri" panose="020F0502020204030204" pitchFamily="34" charset="0"/>
-              </a:rPr>
-              <a:t>toàn</a:t>
-            </a:r>
-            <a:r>
-              <a:rPr lang="en-US" dirty="0">
-                <a:solidFill>
-                  <a:schemeClr val="bg1"/>
-                </a:solidFill>
-                <a:latin typeface="Calibri" panose="020F0502020204030204" pitchFamily="34" charset="0"/>
-                <a:cs typeface="Calibri" panose="020F0502020204030204" pitchFamily="34" charset="0"/>
-              </a:rPr>
-              <a:t> </a:t>
-            </a:r>
-            <a:r>
-              <a:rPr lang="en-US" dirty="0" err="1">
-                <a:solidFill>
-                  <a:schemeClr val="bg1"/>
-                </a:solidFill>
-                <a:latin typeface="Calibri" panose="020F0502020204030204" pitchFamily="34" charset="0"/>
-                <a:cs typeface="Calibri" panose="020F0502020204030204" pitchFamily="34" charset="0"/>
-              </a:rPr>
-              <a:t>bộ</a:t>
-            </a:r>
-            <a:r>
-              <a:rPr lang="en-US" dirty="0">
-                <a:solidFill>
-                  <a:schemeClr val="bg1"/>
-                </a:solidFill>
-                <a:latin typeface="Calibri" panose="020F0502020204030204" pitchFamily="34" charset="0"/>
-                <a:cs typeface="Calibri" panose="020F0502020204030204" pitchFamily="34" charset="0"/>
-              </a:rPr>
-              <a:t> </a:t>
-            </a:r>
-            <a:r>
-              <a:rPr lang="en-US" dirty="0" err="1">
-                <a:solidFill>
-                  <a:schemeClr val="bg1"/>
-                </a:solidFill>
-                <a:latin typeface="Calibri" panose="020F0502020204030204" pitchFamily="34" charset="0"/>
-                <a:cs typeface="Calibri" panose="020F0502020204030204" pitchFamily="34" charset="0"/>
-              </a:rPr>
-              <a:t>hệ</a:t>
-            </a:r>
-            <a:r>
-              <a:rPr lang="en-US" dirty="0">
-                <a:solidFill>
-                  <a:schemeClr val="bg1"/>
-                </a:solidFill>
-                <a:latin typeface="Calibri" panose="020F0502020204030204" pitchFamily="34" charset="0"/>
-                <a:cs typeface="Calibri" panose="020F0502020204030204" pitchFamily="34" charset="0"/>
-              </a:rPr>
-              <a:t> </a:t>
-            </a:r>
-            <a:r>
-              <a:rPr lang="en-US" dirty="0" err="1">
-                <a:solidFill>
-                  <a:schemeClr val="bg1"/>
-                </a:solidFill>
-                <a:latin typeface="Calibri" panose="020F0502020204030204" pitchFamily="34" charset="0"/>
-                <a:cs typeface="Calibri" panose="020F0502020204030204" pitchFamily="34" charset="0"/>
-              </a:rPr>
-              <a:t>thống</a:t>
-            </a:r>
-            <a:r>
-              <a:rPr lang="en-US" dirty="0">
-                <a:solidFill>
-                  <a:schemeClr val="bg1"/>
-                </a:solidFill>
-                <a:latin typeface="Calibri" panose="020F0502020204030204" pitchFamily="34" charset="0"/>
-                <a:cs typeface="Calibri" panose="020F0502020204030204" pitchFamily="34" charset="0"/>
-              </a:rPr>
-              <a:t> con.</a:t>
+              <a:rPr lang="en-US" dirty="0">
+                <a:solidFill>
+                  <a:schemeClr val="bg1"/>
+                </a:solidFill>
+                <a:latin typeface="Calibri" panose="020F0502020204030204" pitchFamily="34" charset="0"/>
+                <a:cs typeface="Calibri" panose="020F0502020204030204" pitchFamily="34" charset="0"/>
+              </a:rPr>
+              <a:t>cho thấy cách tạo ra một đối tượng duy nhất đại diện cho toàn bộ hệ thống con.</a:t>
             </a:r>
           </a:p>
           <a:p>
@@ -6308,64 +4999,14 @@
               <a:t>- Flyweight </a:t>
             </a:r>
             <a:r>
-              <a:rPr lang="en-US" dirty="0" err="1">
-                <a:solidFill>
-                  <a:schemeClr val="bg1"/>
-                </a:solidFill>
-                <a:latin typeface="Calibri" panose="020F0502020204030204" pitchFamily="34" charset="0"/>
-                <a:cs typeface="Calibri" panose="020F0502020204030204" pitchFamily="34" charset="0"/>
-              </a:rPr>
-              <a:t>sẽ</a:t>
-            </a:r>
-            <a:r>
-              <a:rPr lang="en-US" dirty="0">
-                <a:solidFill>
-                  <a:schemeClr val="bg1"/>
-                </a:solidFill>
-                <a:latin typeface="Calibri" panose="020F0502020204030204" pitchFamily="34" charset="0"/>
-                <a:cs typeface="Calibri" panose="020F0502020204030204" pitchFamily="34" charset="0"/>
-              </a:rPr>
-              <a:t> </a:t>
-            </a:r>
-            <a:r>
-              <a:rPr lang="en-US" dirty="0" err="1">
-                <a:solidFill>
-                  <a:schemeClr val="bg1"/>
-                </a:solidFill>
-                <a:latin typeface="Calibri" panose="020F0502020204030204" pitchFamily="34" charset="0"/>
-                <a:cs typeface="Calibri" panose="020F0502020204030204" pitchFamily="34" charset="0"/>
-              </a:rPr>
-              <a:t>giống</a:t>
-            </a:r>
-            <a:r>
-              <a:rPr lang="en-US" dirty="0">
-                <a:solidFill>
-                  <a:schemeClr val="bg1"/>
-                </a:solidFill>
-                <a:latin typeface="Calibri" panose="020F0502020204030204" pitchFamily="34" charset="0"/>
-                <a:cs typeface="Calibri" panose="020F0502020204030204" pitchFamily="34" charset="0"/>
-              </a:rPr>
-              <a:t> </a:t>
-            </a:r>
-            <a:r>
-              <a:rPr lang="en-US" dirty="0" err="1">
-                <a:solidFill>
-                  <a:schemeClr val="bg1"/>
-                </a:solidFill>
-                <a:latin typeface="Calibri" panose="020F0502020204030204" pitchFamily="34" charset="0"/>
-                <a:cs typeface="Calibri" panose="020F0502020204030204" pitchFamily="34" charset="0"/>
-              </a:rPr>
-              <a:t>như</a:t>
-            </a:r>
-            <a:r>
-              <a:rPr lang="en-US" dirty="0">
-                <a:solidFill>
-                  <a:schemeClr val="bg1"/>
-                </a:solidFill>
-                <a:latin typeface="Calibri" panose="020F0502020204030204" pitchFamily="34" charset="0"/>
-                <a:cs typeface="Calibri" panose="020F0502020204030204" pitchFamily="34" charset="0"/>
-              </a:rPr>
-              <a:t> </a:t>
+              <a:rPr lang="en-US" dirty="0">
+                <a:solidFill>
+                  <a:schemeClr val="bg1"/>
+                </a:solidFill>
+                <a:latin typeface="Calibri" panose="020F0502020204030204" pitchFamily="34" charset="0"/>
+                <a:cs typeface="Calibri" panose="020F0502020204030204" pitchFamily="34" charset="0"/>
+              </a:rPr>
+              <a:t>sẽ giống như </a:t>
             </a:r>
             <a:r>
               <a:rPr lang="en-US" b="1" dirty="0">
@@ -6378,524 +5019,14 @@
               <a:t>Singleton </a:t>
             </a:r>
             <a:r>
-              <a:rPr lang="en-US" dirty="0" err="1">
-                <a:solidFill>
-                  <a:schemeClr val="bg1"/>
-                </a:solidFill>
-                <a:latin typeface="Calibri" panose="020F0502020204030204" pitchFamily="34" charset="0"/>
-                <a:cs typeface="Calibri" panose="020F0502020204030204" pitchFamily="34" charset="0"/>
-              </a:rPr>
-              <a:t>nếu</a:t>
-            </a:r>
-            <a:r>
-              <a:rPr lang="en-US" dirty="0">
-                <a:solidFill>
-                  <a:schemeClr val="bg1"/>
-                </a:solidFill>
-                <a:latin typeface="Calibri" panose="020F0502020204030204" pitchFamily="34" charset="0"/>
-                <a:cs typeface="Calibri" panose="020F0502020204030204" pitchFamily="34" charset="0"/>
-              </a:rPr>
-              <a:t> </a:t>
-            </a:r>
-            <a:r>
-              <a:rPr lang="en-US" dirty="0" err="1">
-                <a:solidFill>
-                  <a:schemeClr val="bg1"/>
-                </a:solidFill>
-                <a:latin typeface="Calibri" panose="020F0502020204030204" pitchFamily="34" charset="0"/>
-                <a:cs typeface="Calibri" panose="020F0502020204030204" pitchFamily="34" charset="0"/>
-              </a:rPr>
-              <a:t>bằng</a:t>
-            </a:r>
-            <a:r>
-              <a:rPr lang="en-US" dirty="0">
-                <a:solidFill>
-                  <a:schemeClr val="bg1"/>
-                </a:solidFill>
-                <a:latin typeface="Calibri" panose="020F0502020204030204" pitchFamily="34" charset="0"/>
-                <a:cs typeface="Calibri" panose="020F0502020204030204" pitchFamily="34" charset="0"/>
-              </a:rPr>
-              <a:t> </a:t>
-            </a:r>
-            <a:r>
-              <a:rPr lang="en-US" dirty="0" err="1">
-                <a:solidFill>
-                  <a:schemeClr val="bg1"/>
-                </a:solidFill>
-                <a:latin typeface="Calibri" panose="020F0502020204030204" pitchFamily="34" charset="0"/>
-                <a:cs typeface="Calibri" panose="020F0502020204030204" pitchFamily="34" charset="0"/>
-              </a:rPr>
-              <a:t>một</a:t>
-            </a:r>
-            <a:r>
-              <a:rPr lang="en-US" dirty="0">
-                <a:solidFill>
-                  <a:schemeClr val="bg1"/>
-                </a:solidFill>
-                <a:latin typeface="Calibri" panose="020F0502020204030204" pitchFamily="34" charset="0"/>
-                <a:cs typeface="Calibri" panose="020F0502020204030204" pitchFamily="34" charset="0"/>
-              </a:rPr>
-              <a:t> </a:t>
-            </a:r>
-            <a:r>
-              <a:rPr lang="en-US" dirty="0" err="1">
-                <a:solidFill>
-                  <a:schemeClr val="bg1"/>
-                </a:solidFill>
-                <a:latin typeface="Calibri" panose="020F0502020204030204" pitchFamily="34" charset="0"/>
-                <a:cs typeface="Calibri" panose="020F0502020204030204" pitchFamily="34" charset="0"/>
-              </a:rPr>
-              <a:t>cách</a:t>
-            </a:r>
-            <a:r>
-              <a:rPr lang="en-US" dirty="0">
-                <a:solidFill>
-                  <a:schemeClr val="bg1"/>
-                </a:solidFill>
-                <a:latin typeface="Calibri" panose="020F0502020204030204" pitchFamily="34" charset="0"/>
-                <a:cs typeface="Calibri" panose="020F0502020204030204" pitchFamily="34" charset="0"/>
-              </a:rPr>
-              <a:t> </a:t>
-            </a:r>
-            <a:r>
-              <a:rPr lang="en-US" dirty="0" err="1">
-                <a:solidFill>
-                  <a:schemeClr val="bg1"/>
-                </a:solidFill>
-                <a:latin typeface="Calibri" panose="020F0502020204030204" pitchFamily="34" charset="0"/>
-                <a:cs typeface="Calibri" panose="020F0502020204030204" pitchFamily="34" charset="0"/>
-              </a:rPr>
-              <a:t>nào</a:t>
-            </a:r>
-            <a:r>
-              <a:rPr lang="en-US" dirty="0">
-                <a:solidFill>
-                  <a:schemeClr val="bg1"/>
-                </a:solidFill>
-                <a:latin typeface="Calibri" panose="020F0502020204030204" pitchFamily="34" charset="0"/>
-                <a:cs typeface="Calibri" panose="020F0502020204030204" pitchFamily="34" charset="0"/>
-              </a:rPr>
-              <a:t> </a:t>
-            </a:r>
-            <a:r>
-              <a:rPr lang="en-US" dirty="0" err="1">
-                <a:solidFill>
-                  <a:schemeClr val="bg1"/>
-                </a:solidFill>
-                <a:latin typeface="Calibri" panose="020F0502020204030204" pitchFamily="34" charset="0"/>
-                <a:cs typeface="Calibri" panose="020F0502020204030204" pitchFamily="34" charset="0"/>
-              </a:rPr>
-              <a:t>đó</a:t>
-            </a:r>
-            <a:r>
-              <a:rPr lang="en-US" dirty="0">
-                <a:solidFill>
-                  <a:schemeClr val="bg1"/>
-                </a:solidFill>
-                <a:latin typeface="Calibri" panose="020F0502020204030204" pitchFamily="34" charset="0"/>
-                <a:cs typeface="Calibri" panose="020F0502020204030204" pitchFamily="34" charset="0"/>
-              </a:rPr>
-              <a:t> </a:t>
-            </a:r>
-            <a:r>
-              <a:rPr lang="en-US" dirty="0" err="1">
-                <a:solidFill>
-                  <a:schemeClr val="bg1"/>
-                </a:solidFill>
-                <a:latin typeface="Calibri" panose="020F0502020204030204" pitchFamily="34" charset="0"/>
-                <a:cs typeface="Calibri" panose="020F0502020204030204" pitchFamily="34" charset="0"/>
-              </a:rPr>
-              <a:t>có</a:t>
-            </a:r>
-            <a:r>
-              <a:rPr lang="en-US" dirty="0">
-                <a:solidFill>
-                  <a:schemeClr val="bg1"/>
-                </a:solidFill>
-                <a:latin typeface="Calibri" panose="020F0502020204030204" pitchFamily="34" charset="0"/>
-                <a:cs typeface="Calibri" panose="020F0502020204030204" pitchFamily="34" charset="0"/>
-              </a:rPr>
-              <a:t> </a:t>
-            </a:r>
-            <a:r>
-              <a:rPr lang="en-US" dirty="0" err="1">
-                <a:solidFill>
-                  <a:schemeClr val="bg1"/>
-                </a:solidFill>
-                <a:latin typeface="Calibri" panose="020F0502020204030204" pitchFamily="34" charset="0"/>
-                <a:cs typeface="Calibri" panose="020F0502020204030204" pitchFamily="34" charset="0"/>
-              </a:rPr>
-              <a:t>thể</a:t>
-            </a:r>
-            <a:r>
-              <a:rPr lang="en-US" dirty="0">
-                <a:solidFill>
-                  <a:schemeClr val="bg1"/>
-                </a:solidFill>
-                <a:latin typeface="Calibri" panose="020F0502020204030204" pitchFamily="34" charset="0"/>
-                <a:cs typeface="Calibri" panose="020F0502020204030204" pitchFamily="34" charset="0"/>
-              </a:rPr>
-              <a:t> </a:t>
-            </a:r>
-            <a:r>
-              <a:rPr lang="en-US" dirty="0" err="1">
-                <a:solidFill>
-                  <a:schemeClr val="bg1"/>
-                </a:solidFill>
-                <a:latin typeface="Calibri" panose="020F0502020204030204" pitchFamily="34" charset="0"/>
-                <a:cs typeface="Calibri" panose="020F0502020204030204" pitchFamily="34" charset="0"/>
-              </a:rPr>
-              <a:t>giảm</a:t>
-            </a:r>
-            <a:r>
-              <a:rPr lang="en-US" dirty="0">
-                <a:solidFill>
-                  <a:schemeClr val="bg1"/>
-                </a:solidFill>
-                <a:latin typeface="Calibri" panose="020F0502020204030204" pitchFamily="34" charset="0"/>
-                <a:cs typeface="Calibri" panose="020F0502020204030204" pitchFamily="34" charset="0"/>
-              </a:rPr>
-              <a:t> </a:t>
-            </a:r>
-            <a:r>
-              <a:rPr lang="en-US" dirty="0" err="1">
-                <a:solidFill>
-                  <a:schemeClr val="bg1"/>
-                </a:solidFill>
-                <a:latin typeface="Calibri" panose="020F0502020204030204" pitchFamily="34" charset="0"/>
-                <a:cs typeface="Calibri" panose="020F0502020204030204" pitchFamily="34" charset="0"/>
-              </a:rPr>
-              <a:t>được</a:t>
-            </a:r>
-            <a:r>
-              <a:rPr lang="en-US" dirty="0">
-                <a:solidFill>
-                  <a:schemeClr val="bg1"/>
-                </a:solidFill>
-                <a:latin typeface="Calibri" panose="020F0502020204030204" pitchFamily="34" charset="0"/>
-                <a:cs typeface="Calibri" panose="020F0502020204030204" pitchFamily="34" charset="0"/>
-              </a:rPr>
-              <a:t> </a:t>
-            </a:r>
-            <a:r>
-              <a:rPr lang="en-US" dirty="0" err="1">
-                <a:solidFill>
-                  <a:schemeClr val="bg1"/>
-                </a:solidFill>
-                <a:latin typeface="Calibri" panose="020F0502020204030204" pitchFamily="34" charset="0"/>
-                <a:cs typeface="Calibri" panose="020F0502020204030204" pitchFamily="34" charset="0"/>
-              </a:rPr>
-              <a:t>tất</a:t>
-            </a:r>
-            <a:r>
-              <a:rPr lang="en-US" dirty="0">
-                <a:solidFill>
-                  <a:schemeClr val="bg1"/>
-                </a:solidFill>
-                <a:latin typeface="Calibri" panose="020F0502020204030204" pitchFamily="34" charset="0"/>
-                <a:cs typeface="Calibri" panose="020F0502020204030204" pitchFamily="34" charset="0"/>
-              </a:rPr>
-              <a:t> </a:t>
-            </a:r>
-            <a:r>
-              <a:rPr lang="en-US" dirty="0" err="1">
-                <a:solidFill>
-                  <a:schemeClr val="bg1"/>
-                </a:solidFill>
-                <a:latin typeface="Calibri" panose="020F0502020204030204" pitchFamily="34" charset="0"/>
-                <a:cs typeface="Calibri" panose="020F0502020204030204" pitchFamily="34" charset="0"/>
-              </a:rPr>
-              <a:t>cả</a:t>
-            </a:r>
-            <a:r>
-              <a:rPr lang="en-US" dirty="0">
-                <a:solidFill>
-                  <a:schemeClr val="bg1"/>
-                </a:solidFill>
-                <a:latin typeface="Calibri" panose="020F0502020204030204" pitchFamily="34" charset="0"/>
-                <a:cs typeface="Calibri" panose="020F0502020204030204" pitchFamily="34" charset="0"/>
-              </a:rPr>
-              <a:t> </a:t>
-            </a:r>
-            <a:r>
-              <a:rPr lang="en-US" dirty="0" err="1">
-                <a:solidFill>
-                  <a:schemeClr val="bg1"/>
-                </a:solidFill>
-                <a:latin typeface="Calibri" panose="020F0502020204030204" pitchFamily="34" charset="0"/>
-                <a:cs typeface="Calibri" panose="020F0502020204030204" pitchFamily="34" charset="0"/>
-              </a:rPr>
-              <a:t>các</a:t>
-            </a:r>
-            <a:r>
-              <a:rPr lang="en-US" dirty="0">
-                <a:solidFill>
-                  <a:schemeClr val="bg1"/>
-                </a:solidFill>
-                <a:latin typeface="Calibri" panose="020F0502020204030204" pitchFamily="34" charset="0"/>
-                <a:cs typeface="Calibri" panose="020F0502020204030204" pitchFamily="34" charset="0"/>
-              </a:rPr>
-              <a:t> </a:t>
-            </a:r>
-            <a:r>
-              <a:rPr lang="en-US" dirty="0" err="1">
-                <a:solidFill>
-                  <a:schemeClr val="bg1"/>
-                </a:solidFill>
-                <a:latin typeface="Calibri" panose="020F0502020204030204" pitchFamily="34" charset="0"/>
-                <a:cs typeface="Calibri" panose="020F0502020204030204" pitchFamily="34" charset="0"/>
-              </a:rPr>
-              <a:t>trạng</a:t>
-            </a:r>
-            <a:r>
-              <a:rPr lang="en-US" dirty="0">
-                <a:solidFill>
-                  <a:schemeClr val="bg1"/>
-                </a:solidFill>
-                <a:latin typeface="Calibri" panose="020F0502020204030204" pitchFamily="34" charset="0"/>
-                <a:cs typeface="Calibri" panose="020F0502020204030204" pitchFamily="34" charset="0"/>
-              </a:rPr>
-              <a:t> </a:t>
-            </a:r>
-            <a:r>
-              <a:rPr lang="en-US" dirty="0" err="1">
-                <a:solidFill>
-                  <a:schemeClr val="bg1"/>
-                </a:solidFill>
-                <a:latin typeface="Calibri" panose="020F0502020204030204" pitchFamily="34" charset="0"/>
-                <a:cs typeface="Calibri" panose="020F0502020204030204" pitchFamily="34" charset="0"/>
-              </a:rPr>
-              <a:t>thái</a:t>
-            </a:r>
-            <a:r>
-              <a:rPr lang="en-US" dirty="0">
-                <a:solidFill>
-                  <a:schemeClr val="bg1"/>
-                </a:solidFill>
-                <a:latin typeface="Calibri" panose="020F0502020204030204" pitchFamily="34" charset="0"/>
-                <a:cs typeface="Calibri" panose="020F0502020204030204" pitchFamily="34" charset="0"/>
-              </a:rPr>
-              <a:t> chia </a:t>
-            </a:r>
-            <a:r>
-              <a:rPr lang="en-US" dirty="0" err="1">
-                <a:solidFill>
-                  <a:schemeClr val="bg1"/>
-                </a:solidFill>
-                <a:latin typeface="Calibri" panose="020F0502020204030204" pitchFamily="34" charset="0"/>
-                <a:cs typeface="Calibri" panose="020F0502020204030204" pitchFamily="34" charset="0"/>
-              </a:rPr>
-              <a:t>sẻ</a:t>
-            </a:r>
-            <a:r>
-              <a:rPr lang="en-US" dirty="0">
-                <a:solidFill>
-                  <a:schemeClr val="bg1"/>
-                </a:solidFill>
-                <a:latin typeface="Calibri" panose="020F0502020204030204" pitchFamily="34" charset="0"/>
-                <a:cs typeface="Calibri" panose="020F0502020204030204" pitchFamily="34" charset="0"/>
-              </a:rPr>
-              <a:t> </a:t>
-            </a:r>
-            <a:r>
-              <a:rPr lang="en-US" dirty="0" err="1">
-                <a:solidFill>
-                  <a:schemeClr val="bg1"/>
-                </a:solidFill>
-                <a:latin typeface="Calibri" panose="020F0502020204030204" pitchFamily="34" charset="0"/>
-                <a:cs typeface="Calibri" panose="020F0502020204030204" pitchFamily="34" charset="0"/>
-              </a:rPr>
-              <a:t>của</a:t>
-            </a:r>
-            <a:r>
-              <a:rPr lang="en-US" dirty="0">
-                <a:solidFill>
-                  <a:schemeClr val="bg1"/>
-                </a:solidFill>
-                <a:latin typeface="Calibri" panose="020F0502020204030204" pitchFamily="34" charset="0"/>
-                <a:cs typeface="Calibri" panose="020F0502020204030204" pitchFamily="34" charset="0"/>
-              </a:rPr>
-              <a:t> </a:t>
-            </a:r>
-            <a:r>
-              <a:rPr lang="en-US" dirty="0" err="1">
-                <a:solidFill>
-                  <a:schemeClr val="bg1"/>
-                </a:solidFill>
-                <a:latin typeface="Calibri" panose="020F0502020204030204" pitchFamily="34" charset="0"/>
-                <a:cs typeface="Calibri" panose="020F0502020204030204" pitchFamily="34" charset="0"/>
-              </a:rPr>
-              <a:t>các</a:t>
-            </a:r>
-            <a:r>
-              <a:rPr lang="en-US" dirty="0">
-                <a:solidFill>
-                  <a:schemeClr val="bg1"/>
-                </a:solidFill>
-                <a:latin typeface="Calibri" panose="020F0502020204030204" pitchFamily="34" charset="0"/>
-                <a:cs typeface="Calibri" panose="020F0502020204030204" pitchFamily="34" charset="0"/>
-              </a:rPr>
-              <a:t> </a:t>
-            </a:r>
-            <a:r>
-              <a:rPr lang="en-US" dirty="0" err="1">
-                <a:solidFill>
-                  <a:schemeClr val="bg1"/>
-                </a:solidFill>
-                <a:latin typeface="Calibri" panose="020F0502020204030204" pitchFamily="34" charset="0"/>
-                <a:cs typeface="Calibri" panose="020F0502020204030204" pitchFamily="34" charset="0"/>
-              </a:rPr>
-              <a:t>đối</a:t>
-            </a:r>
-            <a:r>
-              <a:rPr lang="en-US" dirty="0">
-                <a:solidFill>
-                  <a:schemeClr val="bg1"/>
-                </a:solidFill>
-                <a:latin typeface="Calibri" panose="020F0502020204030204" pitchFamily="34" charset="0"/>
-                <a:cs typeface="Calibri" panose="020F0502020204030204" pitchFamily="34" charset="0"/>
-              </a:rPr>
-              <a:t> </a:t>
-            </a:r>
-            <a:r>
-              <a:rPr lang="en-US" dirty="0" err="1">
-                <a:solidFill>
-                  <a:schemeClr val="bg1"/>
-                </a:solidFill>
-                <a:latin typeface="Calibri" panose="020F0502020204030204" pitchFamily="34" charset="0"/>
-                <a:cs typeface="Calibri" panose="020F0502020204030204" pitchFamily="34" charset="0"/>
-              </a:rPr>
-              <a:t>tượng</a:t>
-            </a:r>
-            <a:r>
-              <a:rPr lang="en-US" dirty="0">
-                <a:solidFill>
-                  <a:schemeClr val="bg1"/>
-                </a:solidFill>
-                <a:latin typeface="Calibri" panose="020F0502020204030204" pitchFamily="34" charset="0"/>
-                <a:cs typeface="Calibri" panose="020F0502020204030204" pitchFamily="34" charset="0"/>
-              </a:rPr>
-              <a:t> </a:t>
-            </a:r>
-            <a:r>
-              <a:rPr lang="en-US" dirty="0" err="1">
-                <a:solidFill>
-                  <a:schemeClr val="bg1"/>
-                </a:solidFill>
-                <a:latin typeface="Calibri" panose="020F0502020204030204" pitchFamily="34" charset="0"/>
-                <a:cs typeface="Calibri" panose="020F0502020204030204" pitchFamily="34" charset="0"/>
-              </a:rPr>
-              <a:t>xuống</a:t>
-            </a:r>
-            <a:r>
-              <a:rPr lang="en-US" dirty="0">
-                <a:solidFill>
-                  <a:schemeClr val="bg1"/>
-                </a:solidFill>
-                <a:latin typeface="Calibri" panose="020F0502020204030204" pitchFamily="34" charset="0"/>
-                <a:cs typeface="Calibri" panose="020F0502020204030204" pitchFamily="34" charset="0"/>
-              </a:rPr>
-              <a:t> </a:t>
-            </a:r>
-            <a:r>
-              <a:rPr lang="en-US" dirty="0" err="1">
-                <a:solidFill>
-                  <a:schemeClr val="bg1"/>
-                </a:solidFill>
-                <a:latin typeface="Calibri" panose="020F0502020204030204" pitchFamily="34" charset="0"/>
-                <a:cs typeface="Calibri" panose="020F0502020204030204" pitchFamily="34" charset="0"/>
-              </a:rPr>
-              <a:t>chỉ</a:t>
-            </a:r>
-            <a:r>
-              <a:rPr lang="en-US" dirty="0">
-                <a:solidFill>
-                  <a:schemeClr val="bg1"/>
-                </a:solidFill>
-                <a:latin typeface="Calibri" panose="020F0502020204030204" pitchFamily="34" charset="0"/>
-                <a:cs typeface="Calibri" panose="020F0502020204030204" pitchFamily="34" charset="0"/>
-              </a:rPr>
-              <a:t> </a:t>
-            </a:r>
-            <a:r>
-              <a:rPr lang="en-US" dirty="0" err="1">
-                <a:solidFill>
-                  <a:schemeClr val="bg1"/>
-                </a:solidFill>
-                <a:latin typeface="Calibri" panose="020F0502020204030204" pitchFamily="34" charset="0"/>
-                <a:cs typeface="Calibri" panose="020F0502020204030204" pitchFamily="34" charset="0"/>
-              </a:rPr>
-              <a:t>còn</a:t>
-            </a:r>
-            <a:r>
-              <a:rPr lang="en-US" dirty="0">
-                <a:solidFill>
-                  <a:schemeClr val="bg1"/>
-                </a:solidFill>
-                <a:latin typeface="Calibri" panose="020F0502020204030204" pitchFamily="34" charset="0"/>
-                <a:cs typeface="Calibri" panose="020F0502020204030204" pitchFamily="34" charset="0"/>
-              </a:rPr>
-              <a:t> </a:t>
-            </a:r>
-            <a:r>
-              <a:rPr lang="en-US" dirty="0" err="1">
-                <a:solidFill>
-                  <a:schemeClr val="bg1"/>
-                </a:solidFill>
-                <a:latin typeface="Calibri" panose="020F0502020204030204" pitchFamily="34" charset="0"/>
-                <a:cs typeface="Calibri" panose="020F0502020204030204" pitchFamily="34" charset="0"/>
-              </a:rPr>
-              <a:t>một</a:t>
-            </a:r>
-            <a:r>
-              <a:rPr lang="en-US" dirty="0">
-                <a:solidFill>
-                  <a:schemeClr val="bg1"/>
-                </a:solidFill>
-                <a:latin typeface="Calibri" panose="020F0502020204030204" pitchFamily="34" charset="0"/>
-                <a:cs typeface="Calibri" panose="020F0502020204030204" pitchFamily="34" charset="0"/>
-              </a:rPr>
-              <a:t> </a:t>
-            </a:r>
-            <a:r>
-              <a:rPr lang="en-US" dirty="0" err="1">
-                <a:solidFill>
-                  <a:schemeClr val="bg1"/>
-                </a:solidFill>
-                <a:latin typeface="Calibri" panose="020F0502020204030204" pitchFamily="34" charset="0"/>
-                <a:cs typeface="Calibri" panose="020F0502020204030204" pitchFamily="34" charset="0"/>
-              </a:rPr>
-              <a:t>đối</a:t>
-            </a:r>
-            <a:r>
-              <a:rPr lang="en-US" dirty="0">
-                <a:solidFill>
-                  <a:schemeClr val="bg1"/>
-                </a:solidFill>
-                <a:latin typeface="Calibri" panose="020F0502020204030204" pitchFamily="34" charset="0"/>
-                <a:cs typeface="Calibri" panose="020F0502020204030204" pitchFamily="34" charset="0"/>
-              </a:rPr>
-              <a:t> </a:t>
-            </a:r>
-            <a:r>
-              <a:rPr lang="en-US" dirty="0" err="1">
-                <a:solidFill>
-                  <a:schemeClr val="bg1"/>
-                </a:solidFill>
-                <a:latin typeface="Calibri" panose="020F0502020204030204" pitchFamily="34" charset="0"/>
-                <a:cs typeface="Calibri" panose="020F0502020204030204" pitchFamily="34" charset="0"/>
-              </a:rPr>
-              <a:t>tượng</a:t>
-            </a:r>
-            <a:r>
-              <a:rPr lang="en-US" dirty="0">
-                <a:solidFill>
-                  <a:schemeClr val="bg1"/>
-                </a:solidFill>
-                <a:latin typeface="Calibri" panose="020F0502020204030204" pitchFamily="34" charset="0"/>
-                <a:cs typeface="Calibri" panose="020F0502020204030204" pitchFamily="34" charset="0"/>
-              </a:rPr>
-              <a:t> </a:t>
+              <a:rPr lang="en-US" dirty="0">
+                <a:solidFill>
+                  <a:schemeClr val="bg1"/>
+                </a:solidFill>
+                <a:latin typeface="Calibri" panose="020F0502020204030204" pitchFamily="34" charset="0"/>
+                <a:cs typeface="Calibri" panose="020F0502020204030204" pitchFamily="34" charset="0"/>
+              </a:rPr>
+              <a:t>nếu bằng một cách nào đó có thể giảm được tất cả các trạng thái chia sẻ của các đối tượng xuống chỉ còn một đối tượng </a:t>
             </a:r>
             <a:r>
               <a:rPr lang="en-US" b="1" dirty="0">
@@ -6915,207 +5046,7 @@
                 <a:latin typeface="Calibri" panose="020F0502020204030204" pitchFamily="34" charset="0"/>
                 <a:cs typeface="Calibri" panose="020F0502020204030204" pitchFamily="34" charset="0"/>
               </a:rPr>
-              <a:t>. </a:t>
-            </a:r>
-            <a:r>
-              <a:rPr lang="en-US" dirty="0" err="1">
-                <a:solidFill>
-                  <a:schemeClr val="bg1"/>
-                </a:solidFill>
-                <a:latin typeface="Calibri" panose="020F0502020204030204" pitchFamily="34" charset="0"/>
-                <a:cs typeface="Calibri" panose="020F0502020204030204" pitchFamily="34" charset="0"/>
-              </a:rPr>
-              <a:t>Nhưng</a:t>
-            </a:r>
-            <a:r>
-              <a:rPr lang="en-US" dirty="0">
-                <a:solidFill>
-                  <a:schemeClr val="bg1"/>
-                </a:solidFill>
-                <a:latin typeface="Calibri" panose="020F0502020204030204" pitchFamily="34" charset="0"/>
-                <a:cs typeface="Calibri" panose="020F0502020204030204" pitchFamily="34" charset="0"/>
-              </a:rPr>
-              <a:t> </a:t>
-            </a:r>
-            <a:r>
-              <a:rPr lang="en-US" dirty="0" err="1">
-                <a:solidFill>
-                  <a:schemeClr val="bg1"/>
-                </a:solidFill>
-                <a:latin typeface="Calibri" panose="020F0502020204030204" pitchFamily="34" charset="0"/>
-                <a:cs typeface="Calibri" panose="020F0502020204030204" pitchFamily="34" charset="0"/>
-              </a:rPr>
-              <a:t>có</a:t>
-            </a:r>
-            <a:r>
-              <a:rPr lang="en-US" dirty="0">
-                <a:solidFill>
-                  <a:schemeClr val="bg1"/>
-                </a:solidFill>
-                <a:latin typeface="Calibri" panose="020F0502020204030204" pitchFamily="34" charset="0"/>
-                <a:cs typeface="Calibri" panose="020F0502020204030204" pitchFamily="34" charset="0"/>
-              </a:rPr>
-              <a:t> </a:t>
-            </a:r>
-            <a:r>
-              <a:rPr lang="en-US" dirty="0" err="1">
-                <a:solidFill>
-                  <a:schemeClr val="bg1"/>
-                </a:solidFill>
-                <a:latin typeface="Calibri" panose="020F0502020204030204" pitchFamily="34" charset="0"/>
-                <a:cs typeface="Calibri" panose="020F0502020204030204" pitchFamily="34" charset="0"/>
-              </a:rPr>
-              <a:t>hai</a:t>
-            </a:r>
-            <a:r>
-              <a:rPr lang="en-US" dirty="0">
-                <a:solidFill>
-                  <a:schemeClr val="bg1"/>
-                </a:solidFill>
-                <a:latin typeface="Calibri" panose="020F0502020204030204" pitchFamily="34" charset="0"/>
-                <a:cs typeface="Calibri" panose="020F0502020204030204" pitchFamily="34" charset="0"/>
-              </a:rPr>
-              <a:t> </a:t>
-            </a:r>
-            <a:r>
-              <a:rPr lang="en-US" dirty="0" err="1">
-                <a:solidFill>
-                  <a:schemeClr val="bg1"/>
-                </a:solidFill>
-                <a:latin typeface="Calibri" panose="020F0502020204030204" pitchFamily="34" charset="0"/>
-                <a:cs typeface="Calibri" panose="020F0502020204030204" pitchFamily="34" charset="0"/>
-              </a:rPr>
-              <a:t>điểm</a:t>
-            </a:r>
-            <a:r>
-              <a:rPr lang="en-US" dirty="0">
-                <a:solidFill>
-                  <a:schemeClr val="bg1"/>
-                </a:solidFill>
-                <a:latin typeface="Calibri" panose="020F0502020204030204" pitchFamily="34" charset="0"/>
-                <a:cs typeface="Calibri" panose="020F0502020204030204" pitchFamily="34" charset="0"/>
-              </a:rPr>
-              <a:t> </a:t>
-            </a:r>
-            <a:r>
-              <a:rPr lang="en-US" dirty="0" err="1">
-                <a:solidFill>
-                  <a:schemeClr val="bg1"/>
-                </a:solidFill>
-                <a:latin typeface="Calibri" panose="020F0502020204030204" pitchFamily="34" charset="0"/>
-                <a:cs typeface="Calibri" panose="020F0502020204030204" pitchFamily="34" charset="0"/>
-              </a:rPr>
-              <a:t>khác</a:t>
-            </a:r>
-            <a:r>
-              <a:rPr lang="en-US" dirty="0">
-                <a:solidFill>
-                  <a:schemeClr val="bg1"/>
-                </a:solidFill>
-                <a:latin typeface="Calibri" panose="020F0502020204030204" pitchFamily="34" charset="0"/>
-                <a:cs typeface="Calibri" panose="020F0502020204030204" pitchFamily="34" charset="0"/>
-              </a:rPr>
-              <a:t> </a:t>
-            </a:r>
-            <a:r>
-              <a:rPr lang="en-US" dirty="0" err="1">
-                <a:solidFill>
-                  <a:schemeClr val="bg1"/>
-                </a:solidFill>
-                <a:latin typeface="Calibri" panose="020F0502020204030204" pitchFamily="34" charset="0"/>
-                <a:cs typeface="Calibri" panose="020F0502020204030204" pitchFamily="34" charset="0"/>
-              </a:rPr>
-              <a:t>biệt</a:t>
-            </a:r>
-            <a:r>
-              <a:rPr lang="en-US" dirty="0">
-                <a:solidFill>
-                  <a:schemeClr val="bg1"/>
-                </a:solidFill>
-                <a:latin typeface="Calibri" panose="020F0502020204030204" pitchFamily="34" charset="0"/>
-                <a:cs typeface="Calibri" panose="020F0502020204030204" pitchFamily="34" charset="0"/>
-              </a:rPr>
-              <a:t> </a:t>
-            </a:r>
-            <a:r>
-              <a:rPr lang="en-US" dirty="0" err="1">
-                <a:solidFill>
-                  <a:schemeClr val="bg1"/>
-                </a:solidFill>
-                <a:latin typeface="Calibri" panose="020F0502020204030204" pitchFamily="34" charset="0"/>
-                <a:cs typeface="Calibri" panose="020F0502020204030204" pitchFamily="34" charset="0"/>
-              </a:rPr>
-              <a:t>giữa</a:t>
-            </a:r>
-            <a:r>
-              <a:rPr lang="en-US" dirty="0">
-                <a:solidFill>
-                  <a:schemeClr val="bg1"/>
-                </a:solidFill>
-                <a:latin typeface="Calibri" panose="020F0502020204030204" pitchFamily="34" charset="0"/>
-                <a:cs typeface="Calibri" panose="020F0502020204030204" pitchFamily="34" charset="0"/>
-              </a:rPr>
-              <a:t> </a:t>
-            </a:r>
-            <a:r>
-              <a:rPr lang="en-US" dirty="0" err="1">
-                <a:solidFill>
-                  <a:schemeClr val="bg1"/>
-                </a:solidFill>
-                <a:latin typeface="Calibri" panose="020F0502020204030204" pitchFamily="34" charset="0"/>
-                <a:cs typeface="Calibri" panose="020F0502020204030204" pitchFamily="34" charset="0"/>
-              </a:rPr>
-              <a:t>hai</a:t>
-            </a:r>
-            <a:r>
-              <a:rPr lang="en-US" dirty="0">
-                <a:solidFill>
-                  <a:schemeClr val="bg1"/>
-                </a:solidFill>
-                <a:latin typeface="Calibri" panose="020F0502020204030204" pitchFamily="34" charset="0"/>
-                <a:cs typeface="Calibri" panose="020F0502020204030204" pitchFamily="34" charset="0"/>
-              </a:rPr>
-              <a:t> </a:t>
-            </a:r>
-            <a:r>
-              <a:rPr lang="en-US" dirty="0" err="1">
-                <a:solidFill>
-                  <a:schemeClr val="bg1"/>
-                </a:solidFill>
-                <a:latin typeface="Calibri" panose="020F0502020204030204" pitchFamily="34" charset="0"/>
-                <a:cs typeface="Calibri" panose="020F0502020204030204" pitchFamily="34" charset="0"/>
-              </a:rPr>
-              <a:t>mẫu</a:t>
-            </a:r>
-            <a:r>
-              <a:rPr lang="en-US" dirty="0">
-                <a:solidFill>
-                  <a:schemeClr val="bg1"/>
-                </a:solidFill>
-                <a:latin typeface="Calibri" panose="020F0502020204030204" pitchFamily="34" charset="0"/>
-                <a:cs typeface="Calibri" panose="020F0502020204030204" pitchFamily="34" charset="0"/>
-              </a:rPr>
-              <a:t> </a:t>
-            </a:r>
-            <a:r>
-              <a:rPr lang="en-US" dirty="0" err="1">
-                <a:solidFill>
-                  <a:schemeClr val="bg1"/>
-                </a:solidFill>
-                <a:latin typeface="Calibri" panose="020F0502020204030204" pitchFamily="34" charset="0"/>
-                <a:cs typeface="Calibri" panose="020F0502020204030204" pitchFamily="34" charset="0"/>
-              </a:rPr>
-              <a:t>này</a:t>
-            </a:r>
-            <a:r>
-              <a:rPr lang="en-US" dirty="0">
-                <a:solidFill>
-                  <a:schemeClr val="bg1"/>
-                </a:solidFill>
-                <a:latin typeface="Calibri" panose="020F0502020204030204" pitchFamily="34" charset="0"/>
-                <a:cs typeface="Calibri" panose="020F0502020204030204" pitchFamily="34" charset="0"/>
-              </a:rPr>
-              <a:t>:</a:t>
+              <a:t>. Nhưng có hai điểm khác biệt giữa hai mẫu này:</a:t>
             </a:r>
           </a:p>
           <a:p>
@@ -7131,204 +5062,14 @@
               <a:t>+ Singleton </a:t>
             </a:r>
             <a:r>
-              <a:rPr lang="en-US" dirty="0" err="1">
-                <a:solidFill>
-                  <a:schemeClr val="bg1"/>
-                </a:solidFill>
-                <a:latin typeface="Calibri" panose="020F0502020204030204" pitchFamily="34" charset="0"/>
-                <a:cs typeface="Calibri" panose="020F0502020204030204" pitchFamily="34" charset="0"/>
-              </a:rPr>
-              <a:t>chỉ</a:t>
-            </a:r>
-            <a:r>
-              <a:rPr lang="en-US" dirty="0">
-                <a:solidFill>
-                  <a:schemeClr val="bg1"/>
-                </a:solidFill>
-                <a:latin typeface="Calibri" panose="020F0502020204030204" pitchFamily="34" charset="0"/>
-                <a:cs typeface="Calibri" panose="020F0502020204030204" pitchFamily="34" charset="0"/>
-              </a:rPr>
-              <a:t> </a:t>
-            </a:r>
-            <a:r>
-              <a:rPr lang="en-US" dirty="0" err="1">
-                <a:solidFill>
-                  <a:schemeClr val="bg1"/>
-                </a:solidFill>
-                <a:latin typeface="Calibri" panose="020F0502020204030204" pitchFamily="34" charset="0"/>
-                <a:cs typeface="Calibri" panose="020F0502020204030204" pitchFamily="34" charset="0"/>
-              </a:rPr>
-              <a:t>tồn</a:t>
-            </a:r>
-            <a:r>
-              <a:rPr lang="en-US" dirty="0">
-                <a:solidFill>
-                  <a:schemeClr val="bg1"/>
-                </a:solidFill>
-                <a:latin typeface="Calibri" panose="020F0502020204030204" pitchFamily="34" charset="0"/>
-                <a:cs typeface="Calibri" panose="020F0502020204030204" pitchFamily="34" charset="0"/>
-              </a:rPr>
-              <a:t> </a:t>
-            </a:r>
-            <a:r>
-              <a:rPr lang="en-US" dirty="0" err="1">
-                <a:solidFill>
-                  <a:schemeClr val="bg1"/>
-                </a:solidFill>
-                <a:latin typeface="Calibri" panose="020F0502020204030204" pitchFamily="34" charset="0"/>
-                <a:cs typeface="Calibri" panose="020F0502020204030204" pitchFamily="34" charset="0"/>
-              </a:rPr>
-              <a:t>tại</a:t>
-            </a:r>
-            <a:r>
-              <a:rPr lang="en-US" dirty="0">
-                <a:solidFill>
-                  <a:schemeClr val="bg1"/>
-                </a:solidFill>
-                <a:latin typeface="Calibri" panose="020F0502020204030204" pitchFamily="34" charset="0"/>
-                <a:cs typeface="Calibri" panose="020F0502020204030204" pitchFamily="34" charset="0"/>
-              </a:rPr>
-              <a:t> </a:t>
-            </a:r>
-            <a:r>
-              <a:rPr lang="en-US" dirty="0" err="1">
-                <a:solidFill>
-                  <a:schemeClr val="bg1"/>
-                </a:solidFill>
-                <a:latin typeface="Calibri" panose="020F0502020204030204" pitchFamily="34" charset="0"/>
-                <a:cs typeface="Calibri" panose="020F0502020204030204" pitchFamily="34" charset="0"/>
-              </a:rPr>
-              <a:t>một</a:t>
-            </a:r>
-            <a:r>
-              <a:rPr lang="en-US" dirty="0">
-                <a:solidFill>
-                  <a:schemeClr val="bg1"/>
-                </a:solidFill>
-                <a:latin typeface="Calibri" panose="020F0502020204030204" pitchFamily="34" charset="0"/>
-                <a:cs typeface="Calibri" panose="020F0502020204030204" pitchFamily="34" charset="0"/>
-              </a:rPr>
-              <a:t> </a:t>
-            </a:r>
-            <a:r>
-              <a:rPr lang="en-US" dirty="0" err="1">
-                <a:solidFill>
-                  <a:schemeClr val="bg1"/>
-                </a:solidFill>
-                <a:latin typeface="Calibri" panose="020F0502020204030204" pitchFamily="34" charset="0"/>
-                <a:cs typeface="Calibri" panose="020F0502020204030204" pitchFamily="34" charset="0"/>
-              </a:rPr>
-              <a:t>thể</a:t>
-            </a:r>
-            <a:r>
-              <a:rPr lang="en-US" dirty="0">
-                <a:solidFill>
-                  <a:schemeClr val="bg1"/>
-                </a:solidFill>
-                <a:latin typeface="Calibri" panose="020F0502020204030204" pitchFamily="34" charset="0"/>
-                <a:cs typeface="Calibri" panose="020F0502020204030204" pitchFamily="34" charset="0"/>
-              </a:rPr>
-              <a:t> </a:t>
-            </a:r>
-            <a:r>
-              <a:rPr lang="en-US" dirty="0" err="1">
-                <a:solidFill>
-                  <a:schemeClr val="bg1"/>
-                </a:solidFill>
-                <a:latin typeface="Calibri" panose="020F0502020204030204" pitchFamily="34" charset="0"/>
-                <a:cs typeface="Calibri" panose="020F0502020204030204" pitchFamily="34" charset="0"/>
-              </a:rPr>
-              <a:t>hiện</a:t>
-            </a:r>
-            <a:r>
-              <a:rPr lang="en-US" dirty="0">
-                <a:solidFill>
-                  <a:schemeClr val="bg1"/>
-                </a:solidFill>
-                <a:latin typeface="Calibri" panose="020F0502020204030204" pitchFamily="34" charset="0"/>
-                <a:cs typeface="Calibri" panose="020F0502020204030204" pitchFamily="34" charset="0"/>
-              </a:rPr>
-              <a:t> </a:t>
-            </a:r>
-            <a:r>
-              <a:rPr lang="en-US" dirty="0" err="1">
-                <a:solidFill>
-                  <a:schemeClr val="bg1"/>
-                </a:solidFill>
-                <a:latin typeface="Calibri" panose="020F0502020204030204" pitchFamily="34" charset="0"/>
-                <a:cs typeface="Calibri" panose="020F0502020204030204" pitchFamily="34" charset="0"/>
-              </a:rPr>
-              <a:t>duy</a:t>
-            </a:r>
-            <a:r>
-              <a:rPr lang="en-US" dirty="0">
-                <a:solidFill>
-                  <a:schemeClr val="bg1"/>
-                </a:solidFill>
-                <a:latin typeface="Calibri" panose="020F0502020204030204" pitchFamily="34" charset="0"/>
-                <a:cs typeface="Calibri" panose="020F0502020204030204" pitchFamily="34" charset="0"/>
-              </a:rPr>
-              <a:t> </a:t>
-            </a:r>
-            <a:r>
-              <a:rPr lang="en-US" dirty="0" err="1">
-                <a:solidFill>
-                  <a:schemeClr val="bg1"/>
-                </a:solidFill>
-                <a:latin typeface="Calibri" panose="020F0502020204030204" pitchFamily="34" charset="0"/>
-                <a:cs typeface="Calibri" panose="020F0502020204030204" pitchFamily="34" charset="0"/>
-              </a:rPr>
-              <a:t>nhất</a:t>
-            </a:r>
-            <a:r>
-              <a:rPr lang="en-US" dirty="0">
-                <a:solidFill>
-                  <a:schemeClr val="bg1"/>
-                </a:solidFill>
-                <a:latin typeface="Calibri" panose="020F0502020204030204" pitchFamily="34" charset="0"/>
-                <a:cs typeface="Calibri" panose="020F0502020204030204" pitchFamily="34" charset="0"/>
-              </a:rPr>
-              <a:t>, </a:t>
-            </a:r>
-            <a:r>
-              <a:rPr lang="en-US" dirty="0" err="1">
-                <a:solidFill>
-                  <a:schemeClr val="bg1"/>
-                </a:solidFill>
-                <a:latin typeface="Calibri" panose="020F0502020204030204" pitchFamily="34" charset="0"/>
-                <a:cs typeface="Calibri" panose="020F0502020204030204" pitchFamily="34" charset="0"/>
-              </a:rPr>
-              <a:t>trong</a:t>
-            </a:r>
-            <a:r>
-              <a:rPr lang="en-US" dirty="0">
-                <a:solidFill>
-                  <a:schemeClr val="bg1"/>
-                </a:solidFill>
-                <a:latin typeface="Calibri" panose="020F0502020204030204" pitchFamily="34" charset="0"/>
-                <a:cs typeface="Calibri" panose="020F0502020204030204" pitchFamily="34" charset="0"/>
-              </a:rPr>
-              <a:t> </a:t>
-            </a:r>
-            <a:r>
-              <a:rPr lang="en-US" dirty="0" err="1">
-                <a:solidFill>
-                  <a:schemeClr val="bg1"/>
-                </a:solidFill>
-                <a:latin typeface="Calibri" panose="020F0502020204030204" pitchFamily="34" charset="0"/>
-                <a:cs typeface="Calibri" panose="020F0502020204030204" pitchFamily="34" charset="0"/>
-              </a:rPr>
-              <a:t>khi</a:t>
-            </a:r>
-            <a:r>
-              <a:rPr lang="en-US" dirty="0">
-                <a:solidFill>
-                  <a:schemeClr val="bg1"/>
-                </a:solidFill>
-                <a:latin typeface="Calibri" panose="020F0502020204030204" pitchFamily="34" charset="0"/>
-                <a:cs typeface="Calibri" panose="020F0502020204030204" pitchFamily="34" charset="0"/>
-              </a:rPr>
-              <a:t> </a:t>
+              <a:rPr lang="en-US" dirty="0">
+                <a:solidFill>
+                  <a:schemeClr val="bg1"/>
+                </a:solidFill>
+                <a:latin typeface="Calibri" panose="020F0502020204030204" pitchFamily="34" charset="0"/>
+                <a:cs typeface="Calibri" panose="020F0502020204030204" pitchFamily="34" charset="0"/>
+              </a:rPr>
+              <a:t>chỉ tồn tại một thể hiện duy nhất, trong khi </a:t>
             </a:r>
             <a:r>
               <a:rPr lang="en-US" b="1" dirty="0">
@@ -7341,244 +5082,14 @@
               <a:t>Flyweight </a:t>
             </a:r>
             <a:r>
-              <a:rPr lang="en-US" dirty="0" err="1">
-                <a:solidFill>
-                  <a:schemeClr val="bg1"/>
-                </a:solidFill>
-                <a:latin typeface="Calibri" panose="020F0502020204030204" pitchFamily="34" charset="0"/>
-                <a:cs typeface="Calibri" panose="020F0502020204030204" pitchFamily="34" charset="0"/>
-              </a:rPr>
-              <a:t>có</a:t>
-            </a:r>
-            <a:r>
-              <a:rPr lang="en-US" dirty="0">
-                <a:solidFill>
-                  <a:schemeClr val="bg1"/>
-                </a:solidFill>
-                <a:latin typeface="Calibri" panose="020F0502020204030204" pitchFamily="34" charset="0"/>
-                <a:cs typeface="Calibri" panose="020F0502020204030204" pitchFamily="34" charset="0"/>
-              </a:rPr>
-              <a:t> </a:t>
-            </a:r>
-            <a:r>
-              <a:rPr lang="en-US" dirty="0" err="1">
-                <a:solidFill>
-                  <a:schemeClr val="bg1"/>
-                </a:solidFill>
-                <a:latin typeface="Calibri" panose="020F0502020204030204" pitchFamily="34" charset="0"/>
-                <a:cs typeface="Calibri" panose="020F0502020204030204" pitchFamily="34" charset="0"/>
-              </a:rPr>
-              <a:t>thể</a:t>
-            </a:r>
-            <a:r>
-              <a:rPr lang="en-US" dirty="0">
-                <a:solidFill>
-                  <a:schemeClr val="bg1"/>
-                </a:solidFill>
-                <a:latin typeface="Calibri" panose="020F0502020204030204" pitchFamily="34" charset="0"/>
-                <a:cs typeface="Calibri" panose="020F0502020204030204" pitchFamily="34" charset="0"/>
-              </a:rPr>
-              <a:t> </a:t>
-            </a:r>
-            <a:r>
-              <a:rPr lang="en-US" dirty="0" err="1">
-                <a:solidFill>
-                  <a:schemeClr val="bg1"/>
-                </a:solidFill>
-                <a:latin typeface="Calibri" panose="020F0502020204030204" pitchFamily="34" charset="0"/>
-                <a:cs typeface="Calibri" panose="020F0502020204030204" pitchFamily="34" charset="0"/>
-              </a:rPr>
-              <a:t>có</a:t>
-            </a:r>
-            <a:r>
-              <a:rPr lang="en-US" dirty="0">
-                <a:solidFill>
-                  <a:schemeClr val="bg1"/>
-                </a:solidFill>
-                <a:latin typeface="Calibri" panose="020F0502020204030204" pitchFamily="34" charset="0"/>
-                <a:cs typeface="Calibri" panose="020F0502020204030204" pitchFamily="34" charset="0"/>
-              </a:rPr>
-              <a:t> </a:t>
-            </a:r>
-            <a:r>
-              <a:rPr lang="en-US" dirty="0" err="1">
-                <a:solidFill>
-                  <a:schemeClr val="bg1"/>
-                </a:solidFill>
-                <a:latin typeface="Calibri" panose="020F0502020204030204" pitchFamily="34" charset="0"/>
-                <a:cs typeface="Calibri" panose="020F0502020204030204" pitchFamily="34" charset="0"/>
-              </a:rPr>
-              <a:t>nhiều</a:t>
-            </a:r>
-            <a:r>
-              <a:rPr lang="en-US" dirty="0">
-                <a:solidFill>
-                  <a:schemeClr val="bg1"/>
-                </a:solidFill>
-                <a:latin typeface="Calibri" panose="020F0502020204030204" pitchFamily="34" charset="0"/>
-                <a:cs typeface="Calibri" panose="020F0502020204030204" pitchFamily="34" charset="0"/>
-              </a:rPr>
-              <a:t> instance </a:t>
-            </a:r>
-            <a:r>
-              <a:rPr lang="en-US" dirty="0" err="1">
-                <a:solidFill>
-                  <a:schemeClr val="bg1"/>
-                </a:solidFill>
-                <a:latin typeface="Calibri" panose="020F0502020204030204" pitchFamily="34" charset="0"/>
-                <a:cs typeface="Calibri" panose="020F0502020204030204" pitchFamily="34" charset="0"/>
-              </a:rPr>
-              <a:t>với</a:t>
-            </a:r>
-            <a:r>
-              <a:rPr lang="en-US" dirty="0">
-                <a:solidFill>
-                  <a:schemeClr val="bg1"/>
-                </a:solidFill>
-                <a:latin typeface="Calibri" panose="020F0502020204030204" pitchFamily="34" charset="0"/>
-                <a:cs typeface="Calibri" panose="020F0502020204030204" pitchFamily="34" charset="0"/>
-              </a:rPr>
-              <a:t> </a:t>
-            </a:r>
-            <a:r>
-              <a:rPr lang="en-US" dirty="0" err="1">
-                <a:solidFill>
-                  <a:schemeClr val="bg1"/>
-                </a:solidFill>
-                <a:latin typeface="Calibri" panose="020F0502020204030204" pitchFamily="34" charset="0"/>
-                <a:cs typeface="Calibri" panose="020F0502020204030204" pitchFamily="34" charset="0"/>
-              </a:rPr>
-              <a:t>các</a:t>
-            </a:r>
-            <a:r>
-              <a:rPr lang="en-US" dirty="0">
-                <a:solidFill>
-                  <a:schemeClr val="bg1"/>
-                </a:solidFill>
-                <a:latin typeface="Calibri" panose="020F0502020204030204" pitchFamily="34" charset="0"/>
-                <a:cs typeface="Calibri" panose="020F0502020204030204" pitchFamily="34" charset="0"/>
-              </a:rPr>
-              <a:t> </a:t>
-            </a:r>
-            <a:r>
-              <a:rPr lang="en-US" dirty="0" err="1">
-                <a:solidFill>
-                  <a:schemeClr val="bg1"/>
-                </a:solidFill>
-                <a:latin typeface="Calibri" panose="020F0502020204030204" pitchFamily="34" charset="0"/>
-                <a:cs typeface="Calibri" panose="020F0502020204030204" pitchFamily="34" charset="0"/>
-              </a:rPr>
-              <a:t>trạng</a:t>
-            </a:r>
-            <a:r>
-              <a:rPr lang="en-US" dirty="0">
-                <a:solidFill>
-                  <a:schemeClr val="bg1"/>
-                </a:solidFill>
-                <a:latin typeface="Calibri" panose="020F0502020204030204" pitchFamily="34" charset="0"/>
-                <a:cs typeface="Calibri" panose="020F0502020204030204" pitchFamily="34" charset="0"/>
-              </a:rPr>
-              <a:t> </a:t>
-            </a:r>
-            <a:r>
-              <a:rPr lang="en-US" dirty="0" err="1">
-                <a:solidFill>
-                  <a:schemeClr val="bg1"/>
-                </a:solidFill>
-                <a:latin typeface="Calibri" panose="020F0502020204030204" pitchFamily="34" charset="0"/>
-                <a:cs typeface="Calibri" panose="020F0502020204030204" pitchFamily="34" charset="0"/>
-              </a:rPr>
-              <a:t>thái</a:t>
-            </a:r>
-            <a:r>
-              <a:rPr lang="en-US" dirty="0">
-                <a:solidFill>
-                  <a:schemeClr val="bg1"/>
-                </a:solidFill>
-                <a:latin typeface="Calibri" panose="020F0502020204030204" pitchFamily="34" charset="0"/>
-                <a:cs typeface="Calibri" panose="020F0502020204030204" pitchFamily="34" charset="0"/>
-              </a:rPr>
-              <a:t> </a:t>
-            </a:r>
-            <a:r>
-              <a:rPr lang="en-US" dirty="0" err="1">
-                <a:solidFill>
-                  <a:schemeClr val="bg1"/>
-                </a:solidFill>
-                <a:latin typeface="Calibri" panose="020F0502020204030204" pitchFamily="34" charset="0"/>
-                <a:cs typeface="Calibri" panose="020F0502020204030204" pitchFamily="34" charset="0"/>
-              </a:rPr>
-              <a:t>nội</a:t>
-            </a:r>
-            <a:r>
-              <a:rPr lang="en-US" dirty="0">
-                <a:solidFill>
-                  <a:schemeClr val="bg1"/>
-                </a:solidFill>
-                <a:latin typeface="Calibri" panose="020F0502020204030204" pitchFamily="34" charset="0"/>
-                <a:cs typeface="Calibri" panose="020F0502020204030204" pitchFamily="34" charset="0"/>
-              </a:rPr>
-              <a:t> </a:t>
-            </a:r>
-            <a:r>
-              <a:rPr lang="en-US" dirty="0" err="1">
-                <a:solidFill>
-                  <a:schemeClr val="bg1"/>
-                </a:solidFill>
-                <a:latin typeface="Calibri" panose="020F0502020204030204" pitchFamily="34" charset="0"/>
-                <a:cs typeface="Calibri" panose="020F0502020204030204" pitchFamily="34" charset="0"/>
-              </a:rPr>
-              <a:t>tại</a:t>
-            </a:r>
-            <a:r>
-              <a:rPr lang="en-US" dirty="0">
-                <a:solidFill>
-                  <a:schemeClr val="bg1"/>
-                </a:solidFill>
-                <a:latin typeface="Calibri" panose="020F0502020204030204" pitchFamily="34" charset="0"/>
-                <a:cs typeface="Calibri" panose="020F0502020204030204" pitchFamily="34" charset="0"/>
-              </a:rPr>
-              <a:t> </a:t>
-            </a:r>
-            <a:r>
-              <a:rPr lang="en-US" dirty="0" err="1">
-                <a:solidFill>
-                  <a:schemeClr val="bg1"/>
-                </a:solidFill>
-                <a:latin typeface="Calibri" panose="020F0502020204030204" pitchFamily="34" charset="0"/>
-                <a:cs typeface="Calibri" panose="020F0502020204030204" pitchFamily="34" charset="0"/>
-              </a:rPr>
-              <a:t>khác</a:t>
-            </a:r>
-            <a:r>
-              <a:rPr lang="en-US" dirty="0">
-                <a:solidFill>
-                  <a:schemeClr val="bg1"/>
-                </a:solidFill>
-                <a:latin typeface="Calibri" panose="020F0502020204030204" pitchFamily="34" charset="0"/>
-                <a:cs typeface="Calibri" panose="020F0502020204030204" pitchFamily="34" charset="0"/>
-              </a:rPr>
-              <a:t> </a:t>
-            </a:r>
-            <a:r>
-              <a:rPr lang="en-US" dirty="0" err="1">
-                <a:solidFill>
-                  <a:schemeClr val="bg1"/>
-                </a:solidFill>
-                <a:latin typeface="Calibri" panose="020F0502020204030204" pitchFamily="34" charset="0"/>
-                <a:cs typeface="Calibri" panose="020F0502020204030204" pitchFamily="34" charset="0"/>
-              </a:rPr>
-              <a:t>nhau</a:t>
-            </a:r>
-            <a:r>
-              <a:rPr lang="en-US" dirty="0">
-                <a:solidFill>
-                  <a:schemeClr val="bg1"/>
-                </a:solidFill>
-                <a:latin typeface="Calibri" panose="020F0502020204030204" pitchFamily="34" charset="0"/>
-                <a:cs typeface="Calibri" panose="020F0502020204030204" pitchFamily="34" charset="0"/>
-              </a:rPr>
-              <a:t>.</a:t>
+              <a:rPr lang="en-US" dirty="0">
+                <a:solidFill>
+                  <a:schemeClr val="bg1"/>
+                </a:solidFill>
+                <a:latin typeface="Calibri" panose="020F0502020204030204" pitchFamily="34" charset="0"/>
+                <a:cs typeface="Calibri" panose="020F0502020204030204" pitchFamily="34" charset="0"/>
+              </a:rPr>
+              <a:t>có thể có nhiều instance với các trạng thái nội tại khác nhau.</a:t>
             </a:r>
           </a:p>
           <a:p>
@@ -7594,104 +5105,14 @@
               <a:t>+ Singleton </a:t>
             </a:r>
             <a:r>
-              <a:rPr lang="en-US" dirty="0" err="1">
-                <a:solidFill>
-                  <a:schemeClr val="bg1"/>
-                </a:solidFill>
-                <a:latin typeface="Calibri" panose="020F0502020204030204" pitchFamily="34" charset="0"/>
-                <a:cs typeface="Calibri" panose="020F0502020204030204" pitchFamily="34" charset="0"/>
-              </a:rPr>
-              <a:t>có</a:t>
-            </a:r>
-            <a:r>
-              <a:rPr lang="en-US" dirty="0">
-                <a:solidFill>
-                  <a:schemeClr val="bg1"/>
-                </a:solidFill>
-                <a:latin typeface="Calibri" panose="020F0502020204030204" pitchFamily="34" charset="0"/>
-                <a:cs typeface="Calibri" panose="020F0502020204030204" pitchFamily="34" charset="0"/>
-              </a:rPr>
-              <a:t> </a:t>
-            </a:r>
-            <a:r>
-              <a:rPr lang="en-US" dirty="0" err="1">
-                <a:solidFill>
-                  <a:schemeClr val="bg1"/>
-                </a:solidFill>
-                <a:latin typeface="Calibri" panose="020F0502020204030204" pitchFamily="34" charset="0"/>
-                <a:cs typeface="Calibri" panose="020F0502020204030204" pitchFamily="34" charset="0"/>
-              </a:rPr>
-              <a:t>thể</a:t>
-            </a:r>
-            <a:r>
-              <a:rPr lang="en-US" dirty="0">
-                <a:solidFill>
-                  <a:schemeClr val="bg1"/>
-                </a:solidFill>
-                <a:latin typeface="Calibri" panose="020F0502020204030204" pitchFamily="34" charset="0"/>
-                <a:cs typeface="Calibri" panose="020F0502020204030204" pitchFamily="34" charset="0"/>
-              </a:rPr>
-              <a:t> </a:t>
-            </a:r>
-            <a:r>
-              <a:rPr lang="en-US" dirty="0" err="1">
-                <a:solidFill>
-                  <a:schemeClr val="bg1"/>
-                </a:solidFill>
-                <a:latin typeface="Calibri" panose="020F0502020204030204" pitchFamily="34" charset="0"/>
-                <a:cs typeface="Calibri" panose="020F0502020204030204" pitchFamily="34" charset="0"/>
-              </a:rPr>
-              <a:t>thay</a:t>
-            </a:r>
-            <a:r>
-              <a:rPr lang="en-US" dirty="0">
-                <a:solidFill>
-                  <a:schemeClr val="bg1"/>
-                </a:solidFill>
-                <a:latin typeface="Calibri" panose="020F0502020204030204" pitchFamily="34" charset="0"/>
-                <a:cs typeface="Calibri" panose="020F0502020204030204" pitchFamily="34" charset="0"/>
-              </a:rPr>
-              <a:t> </a:t>
-            </a:r>
-            <a:r>
-              <a:rPr lang="en-US" dirty="0" err="1">
-                <a:solidFill>
-                  <a:schemeClr val="bg1"/>
-                </a:solidFill>
-                <a:latin typeface="Calibri" panose="020F0502020204030204" pitchFamily="34" charset="0"/>
-                <a:cs typeface="Calibri" panose="020F0502020204030204" pitchFamily="34" charset="0"/>
-              </a:rPr>
-              <a:t>đổi</a:t>
-            </a:r>
-            <a:r>
-              <a:rPr lang="en-US" dirty="0">
-                <a:solidFill>
-                  <a:schemeClr val="bg1"/>
-                </a:solidFill>
-                <a:latin typeface="Calibri" panose="020F0502020204030204" pitchFamily="34" charset="0"/>
-                <a:cs typeface="Calibri" panose="020F0502020204030204" pitchFamily="34" charset="0"/>
-              </a:rPr>
-              <a:t> </a:t>
-            </a:r>
-            <a:r>
-              <a:rPr lang="en-US" dirty="0" err="1">
-                <a:solidFill>
-                  <a:schemeClr val="bg1"/>
-                </a:solidFill>
-                <a:latin typeface="Calibri" panose="020F0502020204030204" pitchFamily="34" charset="0"/>
-                <a:cs typeface="Calibri" panose="020F0502020204030204" pitchFamily="34" charset="0"/>
-              </a:rPr>
-              <a:t>được</a:t>
-            </a:r>
-            <a:r>
-              <a:rPr lang="en-US" dirty="0">
-                <a:solidFill>
-                  <a:schemeClr val="bg1"/>
-                </a:solidFill>
-                <a:latin typeface="Calibri" panose="020F0502020204030204" pitchFamily="34" charset="0"/>
-                <a:cs typeface="Calibri" panose="020F0502020204030204" pitchFamily="34" charset="0"/>
-              </a:rPr>
-              <a:t>, </a:t>
+              <a:rPr lang="en-US" dirty="0">
+                <a:solidFill>
+                  <a:schemeClr val="bg1"/>
+                </a:solidFill>
+                <a:latin typeface="Calibri" panose="020F0502020204030204" pitchFamily="34" charset="0"/>
+                <a:cs typeface="Calibri" panose="020F0502020204030204" pitchFamily="34" charset="0"/>
+              </a:rPr>
+              <a:t>có thể thay đổi được, </a:t>
             </a:r>
             <a:r>
               <a:rPr lang="en-US" b="1" dirty="0">
@@ -7704,64 +5125,14 @@
               <a:t>Flyweight </a:t>
             </a:r>
             <a:r>
-              <a:rPr lang="en-US" dirty="0" err="1">
-                <a:solidFill>
-                  <a:schemeClr val="bg1"/>
-                </a:solidFill>
-                <a:latin typeface="Calibri" panose="020F0502020204030204" pitchFamily="34" charset="0"/>
-                <a:cs typeface="Calibri" panose="020F0502020204030204" pitchFamily="34" charset="0"/>
-              </a:rPr>
-              <a:t>là</a:t>
-            </a:r>
-            <a:r>
-              <a:rPr lang="en-US" dirty="0">
-                <a:solidFill>
-                  <a:schemeClr val="bg1"/>
-                </a:solidFill>
-                <a:latin typeface="Calibri" panose="020F0502020204030204" pitchFamily="34" charset="0"/>
-                <a:cs typeface="Calibri" panose="020F0502020204030204" pitchFamily="34" charset="0"/>
-              </a:rPr>
-              <a:t> </a:t>
-            </a:r>
-            <a:r>
-              <a:rPr lang="en-US" dirty="0" err="1">
-                <a:solidFill>
-                  <a:schemeClr val="bg1"/>
-                </a:solidFill>
-                <a:latin typeface="Calibri" panose="020F0502020204030204" pitchFamily="34" charset="0"/>
-                <a:cs typeface="Calibri" panose="020F0502020204030204" pitchFamily="34" charset="0"/>
-              </a:rPr>
-              <a:t>bất</a:t>
-            </a:r>
-            <a:r>
-              <a:rPr lang="en-US" dirty="0">
-                <a:solidFill>
-                  <a:schemeClr val="bg1"/>
-                </a:solidFill>
-                <a:latin typeface="Calibri" panose="020F0502020204030204" pitchFamily="34" charset="0"/>
-                <a:cs typeface="Calibri" panose="020F0502020204030204" pitchFamily="34" charset="0"/>
-              </a:rPr>
-              <a:t> </a:t>
-            </a:r>
-            <a:r>
-              <a:rPr lang="en-US" dirty="0" err="1">
-                <a:solidFill>
-                  <a:schemeClr val="bg1"/>
-                </a:solidFill>
-                <a:latin typeface="Calibri" panose="020F0502020204030204" pitchFamily="34" charset="0"/>
-                <a:cs typeface="Calibri" panose="020F0502020204030204" pitchFamily="34" charset="0"/>
-              </a:rPr>
-              <a:t>biến</a:t>
-            </a:r>
-            <a:r>
-              <a:rPr lang="en-US" dirty="0">
-                <a:solidFill>
-                  <a:schemeClr val="bg1"/>
-                </a:solidFill>
-                <a:latin typeface="Calibri" panose="020F0502020204030204" pitchFamily="34" charset="0"/>
-                <a:cs typeface="Calibri" panose="020F0502020204030204" pitchFamily="34" charset="0"/>
-              </a:rPr>
-              <a:t>.</a:t>
+              <a:rPr lang="en-US" dirty="0">
+                <a:solidFill>
+                  <a:schemeClr val="bg1"/>
+                </a:solidFill>
+                <a:latin typeface="Calibri" panose="020F0502020204030204" pitchFamily="34" charset="0"/>
+                <a:cs typeface="Calibri" panose="020F0502020204030204" pitchFamily="34" charset="0"/>
+              </a:rPr>
+              <a:t>là bất biến.</a:t>
             </a:r>
           </a:p>
         </p:txBody>
@@ -7833,38 +5204,14 @@
           <a:lstStyle/>
           <a:p>
             <a:r>
-              <a:rPr lang="en-US" dirty="0" err="1">
-                <a:solidFill>
-                  <a:schemeClr val="bg1"/>
-                </a:solidFill>
-                <a:cs typeface="Calibri" panose="020F0502020204030204" pitchFamily="34" charset="0"/>
-              </a:rPr>
-              <a:t>Khái</a:t>
-            </a:r>
-            <a:r>
-              <a:rPr lang="en-US" dirty="0">
-                <a:solidFill>
-                  <a:schemeClr val="bg1"/>
-                </a:solidFill>
-                <a:cs typeface="Calibri" panose="020F0502020204030204" pitchFamily="34" charset="0"/>
-              </a:rPr>
-              <a:t> </a:t>
-            </a:r>
-            <a:r>
-              <a:rPr lang="en-US" dirty="0" err="1">
-                <a:solidFill>
-                  <a:schemeClr val="bg1"/>
-                </a:solidFill>
-                <a:cs typeface="Calibri" panose="020F0502020204030204" pitchFamily="34" charset="0"/>
-              </a:rPr>
-              <a:t>niệm</a:t>
-            </a:r>
-            <a:endParaRPr lang="en-US" dirty="0">
-              <a:solidFill>
-                <a:schemeClr val="bg1"/>
-              </a:solidFill>
-              <a:cs typeface="Calibri" panose="020F0502020204030204" pitchFamily="34" charset="0"/>
-            </a:endParaRPr>
+              <a:rPr lang="en-US" dirty="0">
+                <a:solidFill>
+                  <a:schemeClr val="bg1"/>
+                </a:solidFill>
+                <a:cs typeface="Calibri" panose="020F0502020204030204" pitchFamily="34" charset="0"/>
+              </a:rPr>
+              <a:t>Khái niệm</a:t>
+            </a:r>
           </a:p>
         </p:txBody>
       </p:sp>
@@ -7908,785 +5255,200 @@
               <a:t>Flyweight </a:t>
             </a:r>
             <a:r>
-              <a:rPr lang="en-US" dirty="0" err="1">
-                <a:solidFill>
-                  <a:schemeClr val="bg1"/>
-                </a:solidFill>
-                <a:latin typeface="Calibri" panose="020F0502020204030204" pitchFamily="34" charset="0"/>
-                <a:cs typeface="Calibri" panose="020F0502020204030204" pitchFamily="34" charset="0"/>
-              </a:rPr>
-              <a:t>là</a:t>
-            </a:r>
-            <a:r>
-              <a:rPr lang="en-US" dirty="0">
-                <a:solidFill>
-                  <a:schemeClr val="bg1"/>
-                </a:solidFill>
-                <a:latin typeface="Calibri" panose="020F0502020204030204" pitchFamily="34" charset="0"/>
-                <a:cs typeface="Calibri" panose="020F0502020204030204" pitchFamily="34" charset="0"/>
-              </a:rPr>
-              <a:t> </a:t>
-            </a:r>
-            <a:r>
-              <a:rPr lang="en-US" dirty="0" err="1">
-                <a:solidFill>
-                  <a:schemeClr val="bg1"/>
-                </a:solidFill>
-                <a:latin typeface="Calibri" panose="020F0502020204030204" pitchFamily="34" charset="0"/>
-                <a:cs typeface="Calibri" panose="020F0502020204030204" pitchFamily="34" charset="0"/>
-              </a:rPr>
-              <a:t>một</a:t>
-            </a:r>
-            <a:r>
-              <a:rPr lang="en-US" dirty="0">
-                <a:solidFill>
-                  <a:schemeClr val="bg1"/>
-                </a:solidFill>
-                <a:latin typeface="Calibri" panose="020F0502020204030204" pitchFamily="34" charset="0"/>
-                <a:cs typeface="Calibri" panose="020F0502020204030204" pitchFamily="34" charset="0"/>
-              </a:rPr>
-              <a:t> </a:t>
-            </a:r>
-            <a:r>
-              <a:rPr lang="en-US" dirty="0" err="1">
-                <a:solidFill>
-                  <a:schemeClr val="bg1"/>
-                </a:solidFill>
-                <a:latin typeface="Calibri" panose="020F0502020204030204" pitchFamily="34" charset="0"/>
-                <a:cs typeface="Calibri" panose="020F0502020204030204" pitchFamily="34" charset="0"/>
-              </a:rPr>
-              <a:t>trong</a:t>
-            </a:r>
-            <a:r>
-              <a:rPr lang="en-US" dirty="0">
-                <a:solidFill>
-                  <a:schemeClr val="bg1"/>
-                </a:solidFill>
-                <a:latin typeface="Calibri" panose="020F0502020204030204" pitchFamily="34" charset="0"/>
-                <a:cs typeface="Calibri" panose="020F0502020204030204" pitchFamily="34" charset="0"/>
-              </a:rPr>
-              <a:t> </a:t>
-            </a:r>
-            <a:r>
-              <a:rPr lang="en-US" dirty="0" err="1">
-                <a:solidFill>
-                  <a:schemeClr val="bg1"/>
-                </a:solidFill>
-                <a:latin typeface="Calibri" panose="020F0502020204030204" pitchFamily="34" charset="0"/>
-                <a:cs typeface="Calibri" panose="020F0502020204030204" pitchFamily="34" charset="0"/>
-              </a:rPr>
-              <a:t>những</a:t>
-            </a:r>
-            <a:r>
-              <a:rPr lang="en-US" dirty="0">
-                <a:solidFill>
-                  <a:schemeClr val="bg1"/>
-                </a:solidFill>
-                <a:latin typeface="Calibri" panose="020F0502020204030204" pitchFamily="34" charset="0"/>
-                <a:cs typeface="Calibri" panose="020F0502020204030204" pitchFamily="34" charset="0"/>
-              </a:rPr>
-              <a:t> pattern </a:t>
-            </a:r>
-            <a:r>
-              <a:rPr lang="en-US" dirty="0" err="1">
-                <a:solidFill>
-                  <a:schemeClr val="bg1"/>
-                </a:solidFill>
-                <a:latin typeface="Calibri" panose="020F0502020204030204" pitchFamily="34" charset="0"/>
-                <a:cs typeface="Calibri" panose="020F0502020204030204" pitchFamily="34" charset="0"/>
-              </a:rPr>
-              <a:t>thuộc</a:t>
-            </a:r>
-            <a:r>
-              <a:rPr lang="en-US" dirty="0">
-                <a:solidFill>
-                  <a:schemeClr val="bg1"/>
-                </a:solidFill>
-                <a:latin typeface="Calibri" panose="020F0502020204030204" pitchFamily="34" charset="0"/>
-                <a:cs typeface="Calibri" panose="020F0502020204030204" pitchFamily="34" charset="0"/>
-              </a:rPr>
-              <a:t> </a:t>
-            </a:r>
-            <a:r>
-              <a:rPr lang="en-US" dirty="0" err="1">
-                <a:solidFill>
-                  <a:schemeClr val="bg1"/>
-                </a:solidFill>
-                <a:latin typeface="Calibri" panose="020F0502020204030204" pitchFamily="34" charset="0"/>
-                <a:cs typeface="Calibri" panose="020F0502020204030204" pitchFamily="34" charset="0"/>
-              </a:rPr>
-              <a:t>nhóm</a:t>
-            </a:r>
-            <a:r>
-              <a:rPr lang="en-US" dirty="0">
-                <a:solidFill>
-                  <a:schemeClr val="bg1"/>
-                </a:solidFill>
-                <a:latin typeface="Calibri" panose="020F0502020204030204" pitchFamily="34" charset="0"/>
-                <a:cs typeface="Calibri" panose="020F0502020204030204" pitchFamily="34" charset="0"/>
-              </a:rPr>
-              <a:t> </a:t>
-            </a:r>
-            <a:r>
-              <a:rPr lang="en-US" dirty="0" err="1">
-                <a:solidFill>
-                  <a:schemeClr val="bg1"/>
-                </a:solidFill>
-                <a:latin typeface="Calibri" panose="020F0502020204030204" pitchFamily="34" charset="0"/>
-                <a:cs typeface="Calibri" panose="020F0502020204030204" pitchFamily="34" charset="0"/>
-              </a:rPr>
-              <a:t>cấu</a:t>
-            </a:r>
-            <a:r>
-              <a:rPr lang="en-US" dirty="0">
-                <a:solidFill>
-                  <a:schemeClr val="bg1"/>
-                </a:solidFill>
-                <a:latin typeface="Calibri" panose="020F0502020204030204" pitchFamily="34" charset="0"/>
-                <a:cs typeface="Calibri" panose="020F0502020204030204" pitchFamily="34" charset="0"/>
-              </a:rPr>
-              <a:t> </a:t>
-            </a:r>
-            <a:r>
-              <a:rPr lang="en-US" dirty="0" err="1">
-                <a:solidFill>
-                  <a:schemeClr val="bg1"/>
-                </a:solidFill>
-                <a:latin typeface="Calibri" panose="020F0502020204030204" pitchFamily="34" charset="0"/>
-                <a:cs typeface="Calibri" panose="020F0502020204030204" pitchFamily="34" charset="0"/>
-              </a:rPr>
-              <a:t>trúc</a:t>
-            </a:r>
-            <a:r>
-              <a:rPr lang="en-US" dirty="0">
-                <a:solidFill>
-                  <a:schemeClr val="bg1"/>
-                </a:solidFill>
-                <a:latin typeface="Calibri" panose="020F0502020204030204" pitchFamily="34" charset="0"/>
-                <a:cs typeface="Calibri" panose="020F0502020204030204" pitchFamily="34" charset="0"/>
-              </a:rPr>
-              <a:t> (structural pattern). </a:t>
-            </a:r>
-            <a:r>
-              <a:rPr lang="en-US" dirty="0" err="1">
-                <a:solidFill>
-                  <a:schemeClr val="bg1"/>
-                </a:solidFill>
-                <a:latin typeface="Calibri" panose="020F0502020204030204" pitchFamily="34" charset="0"/>
-                <a:cs typeface="Calibri" panose="020F0502020204030204" pitchFamily="34" charset="0"/>
-              </a:rPr>
-              <a:t>Nó</a:t>
-            </a:r>
-            <a:r>
-              <a:rPr lang="en-US" dirty="0">
-                <a:solidFill>
-                  <a:schemeClr val="bg1"/>
-                </a:solidFill>
-                <a:latin typeface="Calibri" panose="020F0502020204030204" pitchFamily="34" charset="0"/>
-                <a:cs typeface="Calibri" panose="020F0502020204030204" pitchFamily="34" charset="0"/>
-              </a:rPr>
-              <a:t> </a:t>
-            </a:r>
-            <a:r>
-              <a:rPr lang="en-US" dirty="0" err="1">
-                <a:solidFill>
-                  <a:schemeClr val="bg1"/>
-                </a:solidFill>
-                <a:latin typeface="Calibri" panose="020F0502020204030204" pitchFamily="34" charset="0"/>
-                <a:cs typeface="Calibri" panose="020F0502020204030204" pitchFamily="34" charset="0"/>
-              </a:rPr>
-              <a:t>cho</a:t>
-            </a:r>
-            <a:r>
-              <a:rPr lang="en-US" dirty="0">
-                <a:solidFill>
-                  <a:schemeClr val="bg1"/>
-                </a:solidFill>
-                <a:latin typeface="Calibri" panose="020F0502020204030204" pitchFamily="34" charset="0"/>
-                <a:cs typeface="Calibri" panose="020F0502020204030204" pitchFamily="34" charset="0"/>
-              </a:rPr>
-              <a:t> </a:t>
-            </a:r>
-            <a:r>
-              <a:rPr lang="en-US" dirty="0" err="1">
-                <a:solidFill>
-                  <a:schemeClr val="bg1"/>
-                </a:solidFill>
-                <a:latin typeface="Calibri" panose="020F0502020204030204" pitchFamily="34" charset="0"/>
-                <a:cs typeface="Calibri" panose="020F0502020204030204" pitchFamily="34" charset="0"/>
-              </a:rPr>
-              <a:t>phép</a:t>
-            </a:r>
-            <a:r>
-              <a:rPr lang="en-US" dirty="0">
-                <a:solidFill>
-                  <a:schemeClr val="bg1"/>
-                </a:solidFill>
-                <a:latin typeface="Calibri" panose="020F0502020204030204" pitchFamily="34" charset="0"/>
-                <a:cs typeface="Calibri" panose="020F0502020204030204" pitchFamily="34" charset="0"/>
-              </a:rPr>
-              <a:t> </a:t>
-            </a:r>
-            <a:r>
-              <a:rPr lang="en-US" dirty="0" err="1">
-                <a:solidFill>
-                  <a:schemeClr val="bg1"/>
-                </a:solidFill>
-                <a:latin typeface="Calibri" panose="020F0502020204030204" pitchFamily="34" charset="0"/>
-                <a:cs typeface="Calibri" panose="020F0502020204030204" pitchFamily="34" charset="0"/>
-              </a:rPr>
-              <a:t>tái</a:t>
-            </a:r>
-            <a:r>
-              <a:rPr lang="en-US" dirty="0">
-                <a:solidFill>
-                  <a:schemeClr val="bg1"/>
-                </a:solidFill>
-                <a:latin typeface="Calibri" panose="020F0502020204030204" pitchFamily="34" charset="0"/>
-                <a:cs typeface="Calibri" panose="020F0502020204030204" pitchFamily="34" charset="0"/>
-              </a:rPr>
-              <a:t> </a:t>
-            </a:r>
-            <a:r>
-              <a:rPr lang="en-US" dirty="0" err="1">
-                <a:solidFill>
-                  <a:schemeClr val="bg1"/>
-                </a:solidFill>
-                <a:latin typeface="Calibri" panose="020F0502020204030204" pitchFamily="34" charset="0"/>
-                <a:cs typeface="Calibri" panose="020F0502020204030204" pitchFamily="34" charset="0"/>
-              </a:rPr>
-              <a:t>sử</a:t>
-            </a:r>
-            <a:r>
-              <a:rPr lang="en-US" dirty="0">
-                <a:solidFill>
-                  <a:schemeClr val="bg1"/>
-                </a:solidFill>
-                <a:latin typeface="Calibri" panose="020F0502020204030204" pitchFamily="34" charset="0"/>
-                <a:cs typeface="Calibri" panose="020F0502020204030204" pitchFamily="34" charset="0"/>
-              </a:rPr>
-              <a:t> </a:t>
-            </a:r>
-            <a:r>
-              <a:rPr lang="en-US" dirty="0" err="1">
-                <a:solidFill>
-                  <a:schemeClr val="bg1"/>
-                </a:solidFill>
-                <a:latin typeface="Calibri" panose="020F0502020204030204" pitchFamily="34" charset="0"/>
-                <a:cs typeface="Calibri" panose="020F0502020204030204" pitchFamily="34" charset="0"/>
-              </a:rPr>
-              <a:t>dụng</a:t>
-            </a:r>
-            <a:r>
-              <a:rPr lang="en-US" dirty="0">
-                <a:solidFill>
-                  <a:schemeClr val="bg1"/>
-                </a:solidFill>
-                <a:latin typeface="Calibri" panose="020F0502020204030204" pitchFamily="34" charset="0"/>
-                <a:cs typeface="Calibri" panose="020F0502020204030204" pitchFamily="34" charset="0"/>
-              </a:rPr>
-              <a:t> </a:t>
-            </a:r>
-            <a:r>
-              <a:rPr lang="en-US" dirty="0" err="1">
-                <a:solidFill>
-                  <a:schemeClr val="bg1"/>
-                </a:solidFill>
-                <a:latin typeface="Calibri" panose="020F0502020204030204" pitchFamily="34" charset="0"/>
-                <a:cs typeface="Calibri" panose="020F0502020204030204" pitchFamily="34" charset="0"/>
-              </a:rPr>
-              <a:t>đối</a:t>
-            </a:r>
-            <a:r>
-              <a:rPr lang="en-US" dirty="0">
-                <a:solidFill>
-                  <a:schemeClr val="bg1"/>
-                </a:solidFill>
-                <a:latin typeface="Calibri" panose="020F0502020204030204" pitchFamily="34" charset="0"/>
-                <a:cs typeface="Calibri" panose="020F0502020204030204" pitchFamily="34" charset="0"/>
-              </a:rPr>
-              <a:t> </a:t>
-            </a:r>
-            <a:r>
-              <a:rPr lang="en-US" dirty="0" err="1">
-                <a:solidFill>
-                  <a:schemeClr val="bg1"/>
-                </a:solidFill>
-                <a:latin typeface="Calibri" panose="020F0502020204030204" pitchFamily="34" charset="0"/>
-                <a:cs typeface="Calibri" panose="020F0502020204030204" pitchFamily="34" charset="0"/>
-              </a:rPr>
-              <a:t>tượng</a:t>
-            </a:r>
-            <a:r>
-              <a:rPr lang="en-US" dirty="0">
-                <a:solidFill>
-                  <a:schemeClr val="bg1"/>
-                </a:solidFill>
-                <a:latin typeface="Calibri" panose="020F0502020204030204" pitchFamily="34" charset="0"/>
-                <a:cs typeface="Calibri" panose="020F0502020204030204" pitchFamily="34" charset="0"/>
-              </a:rPr>
-              <a:t> </a:t>
-            </a:r>
-            <a:r>
-              <a:rPr lang="en-US" dirty="0" err="1">
-                <a:solidFill>
-                  <a:schemeClr val="bg1"/>
-                </a:solidFill>
-                <a:latin typeface="Calibri" panose="020F0502020204030204" pitchFamily="34" charset="0"/>
-                <a:cs typeface="Calibri" panose="020F0502020204030204" pitchFamily="34" charset="0"/>
-              </a:rPr>
-              <a:t>tương</a:t>
-            </a:r>
-            <a:r>
-              <a:rPr lang="en-US" dirty="0">
-                <a:solidFill>
-                  <a:schemeClr val="bg1"/>
-                </a:solidFill>
-                <a:latin typeface="Calibri" panose="020F0502020204030204" pitchFamily="34" charset="0"/>
-                <a:cs typeface="Calibri" panose="020F0502020204030204" pitchFamily="34" charset="0"/>
-              </a:rPr>
-              <a:t> </a:t>
-            </a:r>
-            <a:r>
-              <a:rPr lang="en-US" dirty="0" err="1">
-                <a:solidFill>
-                  <a:schemeClr val="bg1"/>
-                </a:solidFill>
-                <a:latin typeface="Calibri" panose="020F0502020204030204" pitchFamily="34" charset="0"/>
-                <a:cs typeface="Calibri" panose="020F0502020204030204" pitchFamily="34" charset="0"/>
-              </a:rPr>
-              <a:t>tự</a:t>
-            </a:r>
-            <a:r>
-              <a:rPr lang="en-US" dirty="0">
-                <a:solidFill>
-                  <a:schemeClr val="bg1"/>
-                </a:solidFill>
-                <a:latin typeface="Calibri" panose="020F0502020204030204" pitchFamily="34" charset="0"/>
-                <a:cs typeface="Calibri" panose="020F0502020204030204" pitchFamily="34" charset="0"/>
-              </a:rPr>
-              <a:t> </a:t>
-            </a:r>
-            <a:r>
-              <a:rPr lang="en-US" dirty="0" err="1">
-                <a:solidFill>
-                  <a:schemeClr val="bg1"/>
-                </a:solidFill>
-                <a:latin typeface="Calibri" panose="020F0502020204030204" pitchFamily="34" charset="0"/>
-                <a:cs typeface="Calibri" panose="020F0502020204030204" pitchFamily="34" charset="0"/>
-              </a:rPr>
-              <a:t>đã</a:t>
-            </a:r>
-            <a:r>
-              <a:rPr lang="en-US" dirty="0">
-                <a:solidFill>
-                  <a:schemeClr val="bg1"/>
-                </a:solidFill>
-                <a:latin typeface="Calibri" panose="020F0502020204030204" pitchFamily="34" charset="0"/>
-                <a:cs typeface="Calibri" panose="020F0502020204030204" pitchFamily="34" charset="0"/>
-              </a:rPr>
-              <a:t> </a:t>
-            </a:r>
-            <a:r>
-              <a:rPr lang="en-US" dirty="0" err="1">
-                <a:solidFill>
-                  <a:schemeClr val="bg1"/>
-                </a:solidFill>
-                <a:latin typeface="Calibri" panose="020F0502020204030204" pitchFamily="34" charset="0"/>
-                <a:cs typeface="Calibri" panose="020F0502020204030204" pitchFamily="34" charset="0"/>
-              </a:rPr>
-              <a:t>tồn</a:t>
-            </a:r>
-            <a:r>
-              <a:rPr lang="en-US" dirty="0">
-                <a:solidFill>
-                  <a:schemeClr val="bg1"/>
-                </a:solidFill>
-                <a:latin typeface="Calibri" panose="020F0502020204030204" pitchFamily="34" charset="0"/>
-                <a:cs typeface="Calibri" panose="020F0502020204030204" pitchFamily="34" charset="0"/>
-              </a:rPr>
-              <a:t> </a:t>
-            </a:r>
-            <a:r>
-              <a:rPr lang="en-US" dirty="0" err="1">
-                <a:solidFill>
-                  <a:schemeClr val="bg1"/>
-                </a:solidFill>
-                <a:latin typeface="Calibri" panose="020F0502020204030204" pitchFamily="34" charset="0"/>
-                <a:cs typeface="Calibri" panose="020F0502020204030204" pitchFamily="34" charset="0"/>
-              </a:rPr>
-              <a:t>tại</a:t>
-            </a:r>
-            <a:r>
-              <a:rPr lang="en-US" dirty="0">
-                <a:solidFill>
-                  <a:schemeClr val="bg1"/>
-                </a:solidFill>
-                <a:latin typeface="Calibri" panose="020F0502020204030204" pitchFamily="34" charset="0"/>
-                <a:cs typeface="Calibri" panose="020F0502020204030204" pitchFamily="34" charset="0"/>
-              </a:rPr>
-              <a:t> </a:t>
-            </a:r>
-            <a:r>
-              <a:rPr lang="en-US" dirty="0" err="1">
-                <a:solidFill>
-                  <a:schemeClr val="bg1"/>
-                </a:solidFill>
-                <a:latin typeface="Calibri" panose="020F0502020204030204" pitchFamily="34" charset="0"/>
-                <a:cs typeface="Calibri" panose="020F0502020204030204" pitchFamily="34" charset="0"/>
-              </a:rPr>
-              <a:t>bằng</a:t>
-            </a:r>
-            <a:r>
-              <a:rPr lang="en-US" dirty="0">
-                <a:solidFill>
-                  <a:schemeClr val="bg1"/>
-                </a:solidFill>
-                <a:latin typeface="Calibri" panose="020F0502020204030204" pitchFamily="34" charset="0"/>
-                <a:cs typeface="Calibri" panose="020F0502020204030204" pitchFamily="34" charset="0"/>
-              </a:rPr>
-              <a:t> </a:t>
-            </a:r>
-            <a:r>
-              <a:rPr lang="en-US" dirty="0" err="1">
-                <a:solidFill>
-                  <a:schemeClr val="bg1"/>
-                </a:solidFill>
-                <a:latin typeface="Calibri" panose="020F0502020204030204" pitchFamily="34" charset="0"/>
-                <a:cs typeface="Calibri" panose="020F0502020204030204" pitchFamily="34" charset="0"/>
-              </a:rPr>
-              <a:t>cách</a:t>
-            </a:r>
-            <a:r>
-              <a:rPr lang="en-US" dirty="0">
-                <a:solidFill>
-                  <a:schemeClr val="bg1"/>
-                </a:solidFill>
-                <a:latin typeface="Calibri" panose="020F0502020204030204" pitchFamily="34" charset="0"/>
-                <a:cs typeface="Calibri" panose="020F0502020204030204" pitchFamily="34" charset="0"/>
-              </a:rPr>
-              <a:t> </a:t>
-            </a:r>
-            <a:r>
-              <a:rPr lang="en-US" dirty="0" err="1">
-                <a:solidFill>
-                  <a:schemeClr val="bg1"/>
-                </a:solidFill>
-                <a:latin typeface="Calibri" panose="020F0502020204030204" pitchFamily="34" charset="0"/>
-                <a:cs typeface="Calibri" panose="020F0502020204030204" pitchFamily="34" charset="0"/>
-              </a:rPr>
-              <a:t>lưu</a:t>
-            </a:r>
-            <a:r>
-              <a:rPr lang="en-US" dirty="0">
-                <a:solidFill>
-                  <a:schemeClr val="bg1"/>
-                </a:solidFill>
-                <a:latin typeface="Calibri" panose="020F0502020204030204" pitchFamily="34" charset="0"/>
-                <a:cs typeface="Calibri" panose="020F0502020204030204" pitchFamily="34" charset="0"/>
-              </a:rPr>
-              <a:t> </a:t>
-            </a:r>
-            <a:r>
-              <a:rPr lang="en-US" dirty="0" err="1">
-                <a:solidFill>
-                  <a:schemeClr val="bg1"/>
-                </a:solidFill>
-                <a:latin typeface="Calibri" panose="020F0502020204030204" pitchFamily="34" charset="0"/>
-                <a:cs typeface="Calibri" panose="020F0502020204030204" pitchFamily="34" charset="0"/>
-              </a:rPr>
-              <a:t>trữ</a:t>
-            </a:r>
-            <a:r>
-              <a:rPr lang="en-US" dirty="0">
-                <a:solidFill>
-                  <a:schemeClr val="bg1"/>
-                </a:solidFill>
-                <a:latin typeface="Calibri" panose="020F0502020204030204" pitchFamily="34" charset="0"/>
-                <a:cs typeface="Calibri" panose="020F0502020204030204" pitchFamily="34" charset="0"/>
-              </a:rPr>
-              <a:t> </a:t>
-            </a:r>
-            <a:r>
-              <a:rPr lang="en-US" dirty="0" err="1">
-                <a:solidFill>
-                  <a:schemeClr val="bg1"/>
-                </a:solidFill>
-                <a:latin typeface="Calibri" panose="020F0502020204030204" pitchFamily="34" charset="0"/>
-                <a:cs typeface="Calibri" panose="020F0502020204030204" pitchFamily="34" charset="0"/>
-              </a:rPr>
-              <a:t>chúng</a:t>
-            </a:r>
-            <a:r>
-              <a:rPr lang="en-US" dirty="0">
-                <a:solidFill>
-                  <a:schemeClr val="bg1"/>
-                </a:solidFill>
-                <a:latin typeface="Calibri" panose="020F0502020204030204" pitchFamily="34" charset="0"/>
-                <a:cs typeface="Calibri" panose="020F0502020204030204" pitchFamily="34" charset="0"/>
-              </a:rPr>
-              <a:t> </a:t>
-            </a:r>
-            <a:r>
-              <a:rPr lang="en-US" dirty="0" err="1">
-                <a:solidFill>
-                  <a:schemeClr val="bg1"/>
-                </a:solidFill>
-                <a:latin typeface="Calibri" panose="020F0502020204030204" pitchFamily="34" charset="0"/>
-                <a:cs typeface="Calibri" panose="020F0502020204030204" pitchFamily="34" charset="0"/>
-              </a:rPr>
-              <a:t>hoặc</a:t>
-            </a:r>
-            <a:r>
-              <a:rPr lang="en-US" dirty="0">
-                <a:solidFill>
-                  <a:schemeClr val="bg1"/>
-                </a:solidFill>
-                <a:latin typeface="Calibri" panose="020F0502020204030204" pitchFamily="34" charset="0"/>
-                <a:cs typeface="Calibri" panose="020F0502020204030204" pitchFamily="34" charset="0"/>
-              </a:rPr>
-              <a:t> </a:t>
-            </a:r>
-            <a:r>
-              <a:rPr lang="en-US" dirty="0" err="1">
-                <a:solidFill>
-                  <a:schemeClr val="bg1"/>
-                </a:solidFill>
-                <a:latin typeface="Calibri" panose="020F0502020204030204" pitchFamily="34" charset="0"/>
-                <a:cs typeface="Calibri" panose="020F0502020204030204" pitchFamily="34" charset="0"/>
-              </a:rPr>
-              <a:t>tạo</a:t>
-            </a:r>
-            <a:r>
-              <a:rPr lang="en-US" dirty="0">
-                <a:solidFill>
-                  <a:schemeClr val="bg1"/>
-                </a:solidFill>
-                <a:latin typeface="Calibri" panose="020F0502020204030204" pitchFamily="34" charset="0"/>
-                <a:cs typeface="Calibri" panose="020F0502020204030204" pitchFamily="34" charset="0"/>
-              </a:rPr>
-              <a:t> </a:t>
-            </a:r>
-            <a:r>
-              <a:rPr lang="en-US" dirty="0" err="1">
-                <a:solidFill>
-                  <a:schemeClr val="bg1"/>
-                </a:solidFill>
-                <a:latin typeface="Calibri" panose="020F0502020204030204" pitchFamily="34" charset="0"/>
-                <a:cs typeface="Calibri" panose="020F0502020204030204" pitchFamily="34" charset="0"/>
-              </a:rPr>
-              <a:t>đối</a:t>
-            </a:r>
-            <a:r>
-              <a:rPr lang="en-US" dirty="0">
-                <a:solidFill>
-                  <a:schemeClr val="bg1"/>
-                </a:solidFill>
-                <a:latin typeface="Calibri" panose="020F0502020204030204" pitchFamily="34" charset="0"/>
-                <a:cs typeface="Calibri" panose="020F0502020204030204" pitchFamily="34" charset="0"/>
-              </a:rPr>
-              <a:t> </a:t>
-            </a:r>
-            <a:r>
-              <a:rPr lang="en-US" dirty="0" err="1">
-                <a:solidFill>
-                  <a:schemeClr val="bg1"/>
-                </a:solidFill>
-                <a:latin typeface="Calibri" panose="020F0502020204030204" pitchFamily="34" charset="0"/>
-                <a:cs typeface="Calibri" panose="020F0502020204030204" pitchFamily="34" charset="0"/>
-              </a:rPr>
-              <a:t>tượng</a:t>
-            </a:r>
-            <a:r>
-              <a:rPr lang="en-US" dirty="0">
-                <a:solidFill>
-                  <a:schemeClr val="bg1"/>
-                </a:solidFill>
-                <a:latin typeface="Calibri" panose="020F0502020204030204" pitchFamily="34" charset="0"/>
-                <a:cs typeface="Calibri" panose="020F0502020204030204" pitchFamily="34" charset="0"/>
-              </a:rPr>
-              <a:t> </a:t>
-            </a:r>
-            <a:r>
-              <a:rPr lang="en-US" dirty="0" err="1">
-                <a:solidFill>
-                  <a:schemeClr val="bg1"/>
-                </a:solidFill>
-                <a:latin typeface="Calibri" panose="020F0502020204030204" pitchFamily="34" charset="0"/>
-                <a:cs typeface="Calibri" panose="020F0502020204030204" pitchFamily="34" charset="0"/>
-              </a:rPr>
-              <a:t>mới</a:t>
-            </a:r>
-            <a:r>
-              <a:rPr lang="en-US" dirty="0">
-                <a:solidFill>
-                  <a:schemeClr val="bg1"/>
-                </a:solidFill>
-                <a:latin typeface="Calibri" panose="020F0502020204030204" pitchFamily="34" charset="0"/>
-                <a:cs typeface="Calibri" panose="020F0502020204030204" pitchFamily="34" charset="0"/>
-              </a:rPr>
-              <a:t> </a:t>
-            </a:r>
-            <a:r>
-              <a:rPr lang="en-US" dirty="0" err="1">
-                <a:solidFill>
-                  <a:schemeClr val="bg1"/>
-                </a:solidFill>
-                <a:latin typeface="Calibri" panose="020F0502020204030204" pitchFamily="34" charset="0"/>
-                <a:cs typeface="Calibri" panose="020F0502020204030204" pitchFamily="34" charset="0"/>
-              </a:rPr>
-              <a:t>khi</a:t>
-            </a:r>
-            <a:r>
-              <a:rPr lang="en-US" dirty="0">
-                <a:solidFill>
-                  <a:schemeClr val="bg1"/>
-                </a:solidFill>
-                <a:latin typeface="Calibri" panose="020F0502020204030204" pitchFamily="34" charset="0"/>
-                <a:cs typeface="Calibri" panose="020F0502020204030204" pitchFamily="34" charset="0"/>
-              </a:rPr>
-              <a:t> </a:t>
-            </a:r>
-            <a:r>
-              <a:rPr lang="en-US" dirty="0" err="1">
-                <a:solidFill>
-                  <a:schemeClr val="bg1"/>
-                </a:solidFill>
-                <a:latin typeface="Calibri" panose="020F0502020204030204" pitchFamily="34" charset="0"/>
-                <a:cs typeface="Calibri" panose="020F0502020204030204" pitchFamily="34" charset="0"/>
-              </a:rPr>
-              <a:t>không</a:t>
-            </a:r>
-            <a:r>
-              <a:rPr lang="en-US" dirty="0">
-                <a:solidFill>
-                  <a:schemeClr val="bg1"/>
-                </a:solidFill>
-                <a:latin typeface="Calibri" panose="020F0502020204030204" pitchFamily="34" charset="0"/>
-                <a:cs typeface="Calibri" panose="020F0502020204030204" pitchFamily="34" charset="0"/>
-              </a:rPr>
-              <a:t> </a:t>
-            </a:r>
-            <a:r>
-              <a:rPr lang="en-US" dirty="0" err="1">
-                <a:solidFill>
-                  <a:schemeClr val="bg1"/>
-                </a:solidFill>
-                <a:latin typeface="Calibri" panose="020F0502020204030204" pitchFamily="34" charset="0"/>
-                <a:cs typeface="Calibri" panose="020F0502020204030204" pitchFamily="34" charset="0"/>
-              </a:rPr>
-              <a:t>tìm</a:t>
-            </a:r>
-            <a:r>
-              <a:rPr lang="en-US" dirty="0">
-                <a:solidFill>
-                  <a:schemeClr val="bg1"/>
-                </a:solidFill>
-                <a:latin typeface="Calibri" panose="020F0502020204030204" pitchFamily="34" charset="0"/>
-                <a:cs typeface="Calibri" panose="020F0502020204030204" pitchFamily="34" charset="0"/>
-              </a:rPr>
-              <a:t> </a:t>
-            </a:r>
-            <a:r>
-              <a:rPr lang="en-US" dirty="0" err="1">
-                <a:solidFill>
-                  <a:schemeClr val="bg1"/>
-                </a:solidFill>
-                <a:latin typeface="Calibri" panose="020F0502020204030204" pitchFamily="34" charset="0"/>
-                <a:cs typeface="Calibri" panose="020F0502020204030204" pitchFamily="34" charset="0"/>
-              </a:rPr>
-              <a:t>thấy</a:t>
-            </a:r>
-            <a:r>
-              <a:rPr lang="en-US" dirty="0">
-                <a:solidFill>
-                  <a:schemeClr val="bg1"/>
-                </a:solidFill>
-                <a:latin typeface="Calibri" panose="020F0502020204030204" pitchFamily="34" charset="0"/>
-                <a:cs typeface="Calibri" panose="020F0502020204030204" pitchFamily="34" charset="0"/>
-              </a:rPr>
-              <a:t> </a:t>
-            </a:r>
-            <a:r>
-              <a:rPr lang="en-US" dirty="0" err="1">
-                <a:solidFill>
-                  <a:schemeClr val="bg1"/>
-                </a:solidFill>
-                <a:latin typeface="Calibri" panose="020F0502020204030204" pitchFamily="34" charset="0"/>
-                <a:cs typeface="Calibri" panose="020F0502020204030204" pitchFamily="34" charset="0"/>
-              </a:rPr>
-              <a:t>đối</a:t>
-            </a:r>
-            <a:r>
-              <a:rPr lang="en-US" dirty="0">
-                <a:solidFill>
-                  <a:schemeClr val="bg1"/>
-                </a:solidFill>
-                <a:latin typeface="Calibri" panose="020F0502020204030204" pitchFamily="34" charset="0"/>
-                <a:cs typeface="Calibri" panose="020F0502020204030204" pitchFamily="34" charset="0"/>
-              </a:rPr>
-              <a:t> </a:t>
-            </a:r>
-            <a:r>
-              <a:rPr lang="en-US" dirty="0" err="1">
-                <a:solidFill>
-                  <a:schemeClr val="bg1"/>
-                </a:solidFill>
-                <a:latin typeface="Calibri" panose="020F0502020204030204" pitchFamily="34" charset="0"/>
-                <a:cs typeface="Calibri" panose="020F0502020204030204" pitchFamily="34" charset="0"/>
-              </a:rPr>
-              <a:t>tượng</a:t>
-            </a:r>
-            <a:r>
-              <a:rPr lang="en-US" dirty="0">
-                <a:solidFill>
-                  <a:schemeClr val="bg1"/>
-                </a:solidFill>
-                <a:latin typeface="Calibri" panose="020F0502020204030204" pitchFamily="34" charset="0"/>
-                <a:cs typeface="Calibri" panose="020F0502020204030204" pitchFamily="34" charset="0"/>
-              </a:rPr>
-              <a:t> </a:t>
-            </a:r>
-            <a:r>
-              <a:rPr lang="en-US" dirty="0" err="1">
-                <a:solidFill>
-                  <a:schemeClr val="bg1"/>
-                </a:solidFill>
-                <a:latin typeface="Calibri" panose="020F0502020204030204" pitchFamily="34" charset="0"/>
-                <a:cs typeface="Calibri" panose="020F0502020204030204" pitchFamily="34" charset="0"/>
-              </a:rPr>
-              <a:t>phù</a:t>
-            </a:r>
-            <a:r>
-              <a:rPr lang="en-US" dirty="0">
-                <a:solidFill>
-                  <a:schemeClr val="bg1"/>
-                </a:solidFill>
-                <a:latin typeface="Calibri" panose="020F0502020204030204" pitchFamily="34" charset="0"/>
-                <a:cs typeface="Calibri" panose="020F0502020204030204" pitchFamily="34" charset="0"/>
-              </a:rPr>
-              <a:t> </a:t>
-            </a:r>
-            <a:r>
-              <a:rPr lang="en-US" dirty="0" err="1">
-                <a:solidFill>
-                  <a:schemeClr val="bg1"/>
-                </a:solidFill>
-                <a:latin typeface="Calibri" panose="020F0502020204030204" pitchFamily="34" charset="0"/>
-                <a:cs typeface="Calibri" panose="020F0502020204030204" pitchFamily="34" charset="0"/>
-              </a:rPr>
-              <a:t>hợp</a:t>
-            </a:r>
-            <a:r>
-              <a:rPr lang="en-US" dirty="0">
-                <a:solidFill>
-                  <a:schemeClr val="bg1"/>
-                </a:solidFill>
-                <a:latin typeface="Calibri" panose="020F0502020204030204" pitchFamily="34" charset="0"/>
-                <a:cs typeface="Calibri" panose="020F0502020204030204" pitchFamily="34" charset="0"/>
-              </a:rPr>
-              <a:t>.</a:t>
-            </a:r>
+              <a:rPr lang="en-US" dirty="0">
+                <a:solidFill>
+                  <a:schemeClr val="bg1"/>
+                </a:solidFill>
+                <a:latin typeface="Calibri" panose="020F0502020204030204" pitchFamily="34" charset="0"/>
+                <a:cs typeface="Calibri" panose="020F0502020204030204" pitchFamily="34" charset="0"/>
+              </a:rPr>
+              <a:t>là một trong những pattern thuộc nhóm cấu trúc (structural pattern). Nó cho phép tái sử dụng đối tượng tương tự đã tồn tại bằng cách lưu trữ chúng hoặc tạo đối tượng mới khi không tìm thấy đối tượng phù hợp.</a:t>
+            </a:r>
+          </a:p>
+        </p:txBody>
+      </p:sp>
+      <p:sp>
+        <p:nvSpPr>
+          <p:cNvPr id="4" name="Rectangle 3"/>
+          <p:cNvSpPr/>
+          <p:nvPr/>
+        </p:nvSpPr>
+        <p:spPr>
+          <a:xfrm>
+            <a:off x="1306045" y="4543850"/>
+            <a:ext cx="10161372" cy="1200329"/>
+          </a:xfrm>
+          <a:prstGeom prst="rect">
+            <a:avLst/>
+          </a:prstGeom>
+        </p:spPr>
+        <p:txBody>
+          <a:bodyPr wrap="square">
+            <a:spAutoFit/>
+          </a:bodyPr>
+          <a:lstStyle/>
+          <a:p>
+            <a:r>
+              <a:rPr lang="en-US" b="1" dirty="0" smtClean="0">
+                <a:solidFill>
+                  <a:schemeClr val="bg1"/>
+                </a:solidFill>
+                <a:latin typeface="Calibri" panose="020F0502020204030204" pitchFamily="34" charset="0"/>
+                <a:cs typeface="Calibri" panose="020F0502020204030204" pitchFamily="34" charset="0"/>
+              </a:rPr>
+              <a:t>“Flyweight </a:t>
+            </a:r>
+            <a:r>
+              <a:rPr lang="en-US" dirty="0">
+                <a:solidFill>
+                  <a:schemeClr val="bg1"/>
+                </a:solidFill>
+                <a:latin typeface="Calibri" panose="020F0502020204030204" pitchFamily="34" charset="0"/>
+                <a:cs typeface="Calibri" panose="020F0502020204030204" pitchFamily="34" charset="0"/>
+              </a:rPr>
+              <a:t>is a structural design pattern that lets you </a:t>
+            </a:r>
+            <a:r>
+              <a:rPr lang="en-US" dirty="0" smtClean="0">
+                <a:solidFill>
+                  <a:schemeClr val="bg1"/>
+                </a:solidFill>
+                <a:latin typeface="Calibri" panose="020F0502020204030204" pitchFamily="34" charset="0"/>
+                <a:cs typeface="Calibri" panose="020F0502020204030204" pitchFamily="34" charset="0"/>
+              </a:rPr>
+              <a:t>fit </a:t>
+            </a:r>
+            <a:r>
+              <a:rPr lang="en-US" dirty="0">
+                <a:solidFill>
+                  <a:schemeClr val="bg1"/>
+                </a:solidFill>
+                <a:latin typeface="Calibri" panose="020F0502020204030204" pitchFamily="34" charset="0"/>
+                <a:cs typeface="Calibri" panose="020F0502020204030204" pitchFamily="34" charset="0"/>
+              </a:rPr>
+              <a:t>more objects into the available amount of RAM by sharing common parts of state between multiple objects instead of keeping all of the data in each object</a:t>
+            </a:r>
+            <a:r>
+              <a:rPr lang="en-US" dirty="0" smtClean="0">
+                <a:solidFill>
+                  <a:schemeClr val="bg1"/>
+                </a:solidFill>
+                <a:latin typeface="Calibri" panose="020F0502020204030204" pitchFamily="34" charset="0"/>
+                <a:cs typeface="Calibri" panose="020F0502020204030204" pitchFamily="34" charset="0"/>
+              </a:rPr>
+              <a:t>.”</a:t>
+            </a:r>
+          </a:p>
+          <a:p>
+            <a:r>
+              <a:rPr lang="en-US" dirty="0">
+                <a:solidFill>
+                  <a:schemeClr val="bg1"/>
+                </a:solidFill>
+                <a:latin typeface="Calibri" panose="020F0502020204030204" pitchFamily="34" charset="0"/>
+                <a:cs typeface="Calibri" panose="020F0502020204030204" pitchFamily="34" charset="0"/>
+              </a:rPr>
+              <a:t>	</a:t>
+            </a:r>
+            <a:r>
+              <a:rPr lang="en-US" dirty="0" smtClean="0">
+                <a:solidFill>
+                  <a:schemeClr val="bg1"/>
+                </a:solidFill>
+                <a:latin typeface="Calibri" panose="020F0502020204030204" pitchFamily="34" charset="0"/>
+                <a:cs typeface="Calibri" panose="020F0502020204030204" pitchFamily="34" charset="0"/>
+              </a:rPr>
+              <a:t>							Drive in to Design pattern </a:t>
+            </a:r>
+            <a:r>
+              <a:rPr lang="en-US" dirty="0">
+                <a:solidFill>
+                  <a:schemeClr val="bg1"/>
+                </a:solidFill>
+                <a:latin typeface="Calibri" panose="020F0502020204030204" pitchFamily="34" charset="0"/>
+                <a:cs typeface="Calibri" panose="020F0502020204030204" pitchFamily="34" charset="0"/>
+              </a:rPr>
+              <a:t/>
+            </a:r>
+            <a:br>
+              <a:rPr lang="en-US" dirty="0">
+                <a:solidFill>
+                  <a:schemeClr val="bg1"/>
+                </a:solidFill>
+                <a:latin typeface="Calibri" panose="020F0502020204030204" pitchFamily="34" charset="0"/>
+                <a:cs typeface="Calibri" panose="020F0502020204030204" pitchFamily="34" charset="0"/>
+              </a:rPr>
+            </a:br>
+            <a:endParaRPr lang="vi-VN" dirty="0">
+              <a:solidFill>
+                <a:schemeClr val="bg1"/>
+              </a:solidFill>
+              <a:latin typeface="Calibri" panose="020F0502020204030204" pitchFamily="34" charset="0"/>
+              <a:cs typeface="Calibri" panose="020F0502020204030204" pitchFamily="34" charset="0"/>
+            </a:endParaRPr>
+          </a:p>
+        </p:txBody>
+      </p:sp>
+      <p:sp>
+        <p:nvSpPr>
+          <p:cNvPr id="5" name="Rectangle 4"/>
+          <p:cNvSpPr/>
+          <p:nvPr/>
+        </p:nvSpPr>
+        <p:spPr>
+          <a:xfrm>
+            <a:off x="4215554" y="5687576"/>
+            <a:ext cx="7881711" cy="923330"/>
+          </a:xfrm>
+          <a:prstGeom prst="rect">
+            <a:avLst/>
+          </a:prstGeom>
+        </p:spPr>
+        <p:txBody>
+          <a:bodyPr wrap="square">
+            <a:spAutoFit/>
+          </a:bodyPr>
+          <a:lstStyle/>
+          <a:p>
+            <a:r>
+              <a:rPr lang="en-US" dirty="0" smtClean="0">
+                <a:solidFill>
+                  <a:srgbClr val="000000"/>
+                </a:solidFill>
+                <a:latin typeface="Calibri" panose="020F0502020204030204" pitchFamily="34" charset="0"/>
+                <a:cs typeface="Calibri" panose="020F0502020204030204" pitchFamily="34" charset="0"/>
+              </a:rPr>
+              <a:t>“Use sharing to support large numbers of fine-grained objects efficiently”</a:t>
+            </a:r>
+          </a:p>
+          <a:p>
+            <a:r>
+              <a:rPr lang="en-US" dirty="0" smtClean="0">
+                <a:solidFill>
+                  <a:srgbClr val="000000"/>
+                </a:solidFill>
+                <a:latin typeface="Calibri" panose="020F0502020204030204" pitchFamily="34" charset="0"/>
+                <a:cs typeface="Calibri" panose="020F0502020204030204" pitchFamily="34" charset="0"/>
+              </a:rPr>
+              <a:t>							GOF</a:t>
+            </a:r>
+            <a:r>
+              <a:rPr lang="en-US" dirty="0" smtClean="0">
+                <a:latin typeface="Calibri" panose="020F0502020204030204" pitchFamily="34" charset="0"/>
+                <a:cs typeface="Calibri" panose="020F0502020204030204" pitchFamily="34" charset="0"/>
+              </a:rPr>
+              <a:t> </a:t>
+            </a:r>
+            <a:br>
+              <a:rPr lang="en-US" dirty="0" smtClean="0">
+                <a:latin typeface="Calibri" panose="020F0502020204030204" pitchFamily="34" charset="0"/>
+                <a:cs typeface="Calibri" panose="020F0502020204030204" pitchFamily="34" charset="0"/>
+              </a:rPr>
+            </a:br>
+            <a:endParaRPr lang="vi-VN" dirty="0">
+              <a:latin typeface="Calibri" panose="020F0502020204030204" pitchFamily="34" charset="0"/>
+              <a:cs typeface="Calibri" panose="020F0502020204030204" pitchFamily="34" charset="0"/>
+            </a:endParaRPr>
           </a:p>
         </p:txBody>
       </p:sp>
@@ -8754,7 +5516,7 @@
         </p:spPr>
         <p:txBody>
           <a:bodyPr>
-            <a:normAutofit fontScale="90000"/>
+            <a:normAutofit/>
           </a:bodyPr>
           <a:lstStyle/>
           <a:p>
@@ -8765,61 +5527,7 @@
                 </a:solidFill>
                 <a:cs typeface="Calibri" panose="020F0502020204030204" pitchFamily="34" charset="0"/>
               </a:rPr>
-              <a:t>Hai </a:t>
-            </a:r>
-            <a:r>
-              <a:rPr lang="en-US" dirty="0" err="1">
-                <a:solidFill>
-                  <a:schemeClr val="bg1"/>
-                </a:solidFill>
-                <a:cs typeface="Calibri" panose="020F0502020204030204" pitchFamily="34" charset="0"/>
-              </a:rPr>
-              <a:t>trạng</a:t>
-            </a:r>
-            <a:r>
-              <a:rPr lang="en-US" dirty="0">
-                <a:solidFill>
-                  <a:schemeClr val="bg1"/>
-                </a:solidFill>
-                <a:cs typeface="Calibri" panose="020F0502020204030204" pitchFamily="34" charset="0"/>
-              </a:rPr>
-              <a:t> </a:t>
-            </a:r>
-            <a:r>
-              <a:rPr lang="en-US" dirty="0" err="1">
-                <a:solidFill>
-                  <a:schemeClr val="bg1"/>
-                </a:solidFill>
-                <a:cs typeface="Calibri" panose="020F0502020204030204" pitchFamily="34" charset="0"/>
-              </a:rPr>
-              <a:t>thái</a:t>
-            </a:r>
-            <a:r>
-              <a:rPr lang="en-US" dirty="0">
-                <a:solidFill>
-                  <a:schemeClr val="bg1"/>
-                </a:solidFill>
-                <a:cs typeface="Calibri" panose="020F0502020204030204" pitchFamily="34" charset="0"/>
-              </a:rPr>
-              <a:t> </a:t>
-            </a:r>
-            <a:r>
-              <a:rPr lang="en-US" dirty="0" err="1">
-                <a:solidFill>
-                  <a:schemeClr val="bg1"/>
-                </a:solidFill>
-                <a:cs typeface="Calibri" panose="020F0502020204030204" pitchFamily="34" charset="0"/>
-              </a:rPr>
-              <a:t>của</a:t>
-            </a:r>
-            <a:r>
-              <a:rPr lang="en-US" dirty="0">
-                <a:solidFill>
-                  <a:schemeClr val="bg1"/>
-                </a:solidFill>
-                <a:cs typeface="Calibri" panose="020F0502020204030204" pitchFamily="34" charset="0"/>
-              </a:rPr>
-              <a:t> Flyweight Object</a:t>
+              <a:t>Hai trạng thái của Flyweight Object</a:t>
             </a:r>
           </a:p>
         </p:txBody>
@@ -8956,7 +5664,7 @@
                 <a16:creationId xmlns:a16="http://schemas.microsoft.com/office/drawing/2014/main" id="{A20E4EF1-6AA9-4634-A88F-49303780651A}"/>
               </a:ext>
               <a:ext uri="{C183D7F6-B498-43B3-948B-1728B52AA6E4}">
-                <adec:decorative xmlns:adec="http://schemas.microsoft.com/office/drawing/2017/decorative" val="1"/>
+                <adec:decorative xmlns:adec="http://schemas.microsoft.com/office/drawing/2017/decorative" xmlns="" val="1"/>
               </a:ext>
             </a:extLst>
           </p:cNvPr>
@@ -9007,7 +5715,7 @@
           <a:lstStyle/>
           <a:p>
             <a:pPr algn="ctr"/>
-            <a:endParaRPr lang="en-US"/>
+            <a:endParaRPr lang="en-US" dirty="0"/>
           </a:p>
         </p:txBody>
       </p:sp>
@@ -9019,7 +5727,7 @@
                 <a16:creationId xmlns:a16="http://schemas.microsoft.com/office/drawing/2014/main" id="{DD0558E7-61D4-43D8-ADB8-96DE97118653}"/>
               </a:ext>
               <a:ext uri="{C183D7F6-B498-43B3-948B-1728B52AA6E4}">
-                <adec:decorative xmlns:adec="http://schemas.microsoft.com/office/drawing/2017/decorative" val="1"/>
+                <adec:decorative xmlns:adec="http://schemas.microsoft.com/office/drawing/2017/decorative" xmlns="" val="1"/>
               </a:ext>
             </a:extLst>
           </p:cNvPr>
@@ -9076,7 +5784,7 @@
           <a:lstStyle/>
           <a:p>
             <a:pPr algn="ctr"/>
-            <a:endParaRPr lang="en-US"/>
+            <a:endParaRPr lang="en-US" dirty="0"/>
           </a:p>
         </p:txBody>
       </p:sp>
@@ -9109,18 +5817,9 @@
           <a:lstStyle/>
           <a:p>
             <a:r>
-              <a:rPr lang="en-US" sz="6600" dirty="0" err="1"/>
-              <a:t>Cấu</a:t>
-            </a:r>
-            <a:r>
               <a:rPr lang="en-US" sz="6600" dirty="0"/>
-              <a:t> </a:t>
-            </a:r>
-            <a:r>
-              <a:rPr lang="en-US" sz="6600" dirty="0" err="1"/>
-              <a:t>trúc</a:t>
-            </a:r>
-            <a:endParaRPr lang="en-US" sz="6600" dirty="0"/>
+              <a:t>Cấu trúc</a:t>
+            </a:r>
           </a:p>
         </p:txBody>
       </p:sp>
@@ -9132,7 +5831,7 @@
                 <a16:creationId xmlns:a16="http://schemas.microsoft.com/office/drawing/2014/main" id="{C8F3AECA-1E28-4DB0-901D-747B827596E9}"/>
               </a:ext>
               <a:ext uri="{C183D7F6-B498-43B3-948B-1728B52AA6E4}">
-                <adec:decorative xmlns:adec="http://schemas.microsoft.com/office/drawing/2017/decorative" val="1"/>
+                <adec:decorative xmlns:adec="http://schemas.microsoft.com/office/drawing/2017/decorative" xmlns="" val="1"/>
               </a:ext>
             </a:extLst>
           </p:cNvPr>
@@ -9163,7 +5862,7 @@
                   <a16:creationId xmlns:a16="http://schemas.microsoft.com/office/drawing/2014/main" id="{F137E6B0-A1AA-47FF-AAB8-9E5D6B701C04}"/>
                 </a:ext>
                 <a:ext uri="{C183D7F6-B498-43B3-948B-1728B52AA6E4}">
-                  <adec:decorative xmlns:adec="http://schemas.microsoft.com/office/drawing/2017/decorative" val="1"/>
+                  <adec:decorative xmlns:adec="http://schemas.microsoft.com/office/drawing/2017/decorative" xmlns="" val="1"/>
                 </a:ext>
               </a:extLst>
             </p:cNvPr>
@@ -9370,7 +6069,7 @@
             </a:bodyPr>
             <a:lstStyle/>
             <a:p>
-              <a:endParaRPr lang="en-US">
+              <a:endParaRPr lang="en-US" dirty="0">
                 <a:solidFill>
                   <a:schemeClr val="accent3"/>
                 </a:solidFill>
@@ -9386,7 +6085,7 @@
                   <a16:creationId xmlns:a16="http://schemas.microsoft.com/office/drawing/2014/main" id="{F72FB821-5AF0-4EA1-B84B-D5E12D8333A7}"/>
                 </a:ext>
                 <a:ext uri="{C183D7F6-B498-43B3-948B-1728B52AA6E4}">
-                  <adec:decorative xmlns:adec="http://schemas.microsoft.com/office/drawing/2017/decorative" val="1"/>
+                  <adec:decorative xmlns:adec="http://schemas.microsoft.com/office/drawing/2017/decorative" xmlns="" val="1"/>
                 </a:ext>
               </a:extLst>
             </p:cNvPr>
@@ -9493,7 +6192,7 @@
             </a:bodyPr>
             <a:lstStyle/>
             <a:p>
-              <a:endParaRPr lang="en-US">
+              <a:endParaRPr lang="en-US" dirty="0">
                 <a:solidFill>
                   <a:schemeClr val="accent3"/>
                 </a:solidFill>
@@ -9509,7 +6208,7 @@
                   <a16:creationId xmlns:a16="http://schemas.microsoft.com/office/drawing/2014/main" id="{DFE0F740-8A45-42B9-BEF6-A75329504FDC}"/>
                 </a:ext>
                 <a:ext uri="{C183D7F6-B498-43B3-948B-1728B52AA6E4}">
-                  <adec:decorative xmlns:adec="http://schemas.microsoft.com/office/drawing/2017/decorative" val="1"/>
+                  <adec:decorative xmlns:adec="http://schemas.microsoft.com/office/drawing/2017/decorative" xmlns="" val="1"/>
                 </a:ext>
               </a:extLst>
             </p:cNvPr>
@@ -9704,7 +6403,7 @@
             </a:bodyPr>
             <a:lstStyle/>
             <a:p>
-              <a:endParaRPr lang="en-US">
+              <a:endParaRPr lang="en-US" dirty="0">
                 <a:solidFill>
                   <a:schemeClr val="accent3"/>
                 </a:solidFill>
@@ -9721,7 +6420,7 @@
                 <a16:creationId xmlns:a16="http://schemas.microsoft.com/office/drawing/2014/main" id="{3214C51D-3B74-4CCB-82B8-A184460FCAA2}"/>
               </a:ext>
               <a:ext uri="{C183D7F6-B498-43B3-948B-1728B52AA6E4}">
-                <adec:decorative xmlns:adec="http://schemas.microsoft.com/office/drawing/2017/decorative" val="1"/>
+                <adec:decorative xmlns:adec="http://schemas.microsoft.com/office/drawing/2017/decorative" xmlns="" val="1"/>
               </a:ext>
             </a:extLst>
           </p:cNvPr>
@@ -9752,7 +6451,7 @@
                   <a16:creationId xmlns:a16="http://schemas.microsoft.com/office/drawing/2014/main" id="{66CD91DA-BDB8-476E-8111-2918188D6DE1}"/>
                 </a:ext>
                 <a:ext uri="{C183D7F6-B498-43B3-948B-1728B52AA6E4}">
-                  <adec:decorative xmlns:adec="http://schemas.microsoft.com/office/drawing/2017/decorative" val="1"/>
+                  <adec:decorative xmlns:adec="http://schemas.microsoft.com/office/drawing/2017/decorative" xmlns="" val="1"/>
                 </a:ext>
               </a:extLst>
             </p:cNvPr>
@@ -9969,7 +6668,7 @@
             </a:bodyPr>
             <a:lstStyle/>
             <a:p>
-              <a:endParaRPr lang="en-US">
+              <a:endParaRPr lang="en-US" dirty="0">
                 <a:solidFill>
                   <a:schemeClr val="accent3"/>
                 </a:solidFill>
@@ -9985,7 +6684,7 @@
                   <a16:creationId xmlns:a16="http://schemas.microsoft.com/office/drawing/2014/main" id="{576CF7BA-63E8-47BF-AB8E-E9134BE8EF2C}"/>
                 </a:ext>
                 <a:ext uri="{C183D7F6-B498-43B3-948B-1728B52AA6E4}">
-                  <adec:decorative xmlns:adec="http://schemas.microsoft.com/office/drawing/2017/decorative" val="1"/>
+                  <adec:decorative xmlns:adec="http://schemas.microsoft.com/office/drawing/2017/decorative" xmlns="" val="1"/>
                 </a:ext>
               </a:extLst>
             </p:cNvPr>
@@ -10162,7 +6861,7 @@
             </a:bodyPr>
             <a:lstStyle/>
             <a:p>
-              <a:endParaRPr lang="en-US">
+              <a:endParaRPr lang="en-US" dirty="0">
                 <a:solidFill>
                   <a:schemeClr val="accent3"/>
                 </a:solidFill>
@@ -10178,7 +6877,7 @@
                   <a16:creationId xmlns:a16="http://schemas.microsoft.com/office/drawing/2014/main" id="{C0C95E2B-D068-4E18-85DE-266A42E6C69E}"/>
                 </a:ext>
                 <a:ext uri="{C183D7F6-B498-43B3-948B-1728B52AA6E4}">
-                  <adec:decorative xmlns:adec="http://schemas.microsoft.com/office/drawing/2017/decorative" val="1"/>
+                  <adec:decorative xmlns:adec="http://schemas.microsoft.com/office/drawing/2017/decorative" xmlns="" val="1"/>
                 </a:ext>
               </a:extLst>
             </p:cNvPr>
@@ -10385,7 +7084,7 @@
             </a:bodyPr>
             <a:lstStyle/>
             <a:p>
-              <a:endParaRPr lang="en-US">
+              <a:endParaRPr lang="en-US" dirty="0">
                 <a:solidFill>
                   <a:schemeClr val="accent3"/>
                 </a:solidFill>
@@ -10458,7 +7157,7 @@
                 <a16:creationId xmlns:a16="http://schemas.microsoft.com/office/drawing/2014/main" id="{61DBDC3E-EFBF-429B-957B-6C76FFB44963}"/>
               </a:ext>
               <a:ext uri="{C183D7F6-B498-43B3-948B-1728B52AA6E4}">
-                <adec:decorative xmlns:adec="http://schemas.microsoft.com/office/drawing/2017/decorative" val="1"/>
+                <adec:decorative xmlns:adec="http://schemas.microsoft.com/office/drawing/2017/decorative" xmlns="" val="1"/>
               </a:ext>
             </a:extLst>
           </p:cNvPr>
@@ -10615,7 +7314,7 @@
           </a:bodyPr>
           <a:lstStyle/>
           <a:p>
-            <a:endParaRPr lang="en-US"/>
+            <a:endParaRPr lang="en-US" dirty="0"/>
           </a:p>
         </p:txBody>
       </p:sp>
@@ -10684,36 +7383,12 @@
           <a:lstStyle/>
           <a:p>
             <a:r>
-              <a:rPr lang="en-US" dirty="0" err="1">
-                <a:solidFill>
-                  <a:schemeClr val="bg1"/>
-                </a:solidFill>
-              </a:rPr>
-              <a:t>Trong</a:t>
-            </a:r>
-            <a:r>
-              <a:rPr lang="en-US" dirty="0">
-                <a:solidFill>
-                  <a:schemeClr val="bg1"/>
-                </a:solidFill>
-              </a:rPr>
-              <a:t> </a:t>
-            </a:r>
-            <a:r>
-              <a:rPr lang="en-US" dirty="0" err="1">
-                <a:solidFill>
-                  <a:schemeClr val="bg1"/>
-                </a:solidFill>
-              </a:rPr>
-              <a:t>đó</a:t>
-            </a:r>
-            <a:r>
-              <a:rPr lang="en-US" dirty="0">
-                <a:solidFill>
-                  <a:schemeClr val="bg1"/>
-                </a:solidFill>
-              </a:rPr>
-              <a:t>:</a:t>
+              <a:rPr lang="en-US" dirty="0">
+                <a:solidFill>
+                  <a:schemeClr val="bg1"/>
+                </a:solidFill>
+              </a:rPr>
+              <a:t>Trong đó:</a:t>
             </a:r>
           </a:p>
         </p:txBody>
@@ -10758,224 +7433,14 @@
               <a:t>Flyweight: </a:t>
             </a:r>
             <a:r>
-              <a:rPr lang="en-US" dirty="0" err="1">
-                <a:solidFill>
-                  <a:schemeClr val="bg1"/>
-                </a:solidFill>
-                <a:latin typeface="Calibri" panose="020F0502020204030204" pitchFamily="34" charset="0"/>
-                <a:cs typeface="Calibri" panose="020F0502020204030204" pitchFamily="34" charset="0"/>
-              </a:rPr>
-              <a:t>là</a:t>
-            </a:r>
-            <a:r>
-              <a:rPr lang="en-US" dirty="0">
-                <a:solidFill>
-                  <a:schemeClr val="bg1"/>
-                </a:solidFill>
-                <a:latin typeface="Calibri" panose="020F0502020204030204" pitchFamily="34" charset="0"/>
-                <a:cs typeface="Calibri" panose="020F0502020204030204" pitchFamily="34" charset="0"/>
-              </a:rPr>
-              <a:t> </a:t>
-            </a:r>
-            <a:r>
-              <a:rPr lang="en-US" dirty="0" err="1">
-                <a:solidFill>
-                  <a:schemeClr val="bg1"/>
-                </a:solidFill>
-                <a:latin typeface="Calibri" panose="020F0502020204030204" pitchFamily="34" charset="0"/>
-                <a:cs typeface="Calibri" panose="020F0502020204030204" pitchFamily="34" charset="0"/>
-              </a:rPr>
-              <a:t>một</a:t>
-            </a:r>
-            <a:r>
-              <a:rPr lang="en-US" dirty="0">
-                <a:solidFill>
-                  <a:schemeClr val="bg1"/>
-                </a:solidFill>
-                <a:latin typeface="Calibri" panose="020F0502020204030204" pitchFamily="34" charset="0"/>
-                <a:cs typeface="Calibri" panose="020F0502020204030204" pitchFamily="34" charset="0"/>
-              </a:rPr>
-              <a:t> interface/ abstract class, </a:t>
-            </a:r>
-            <a:r>
-              <a:rPr lang="en-US" dirty="0" err="1">
-                <a:solidFill>
-                  <a:schemeClr val="bg1"/>
-                </a:solidFill>
-                <a:latin typeface="Calibri" panose="020F0502020204030204" pitchFamily="34" charset="0"/>
-                <a:cs typeface="Calibri" panose="020F0502020204030204" pitchFamily="34" charset="0"/>
-              </a:rPr>
-              <a:t>định</a:t>
-            </a:r>
-            <a:r>
-              <a:rPr lang="en-US" dirty="0">
-                <a:solidFill>
-                  <a:schemeClr val="bg1"/>
-                </a:solidFill>
-                <a:latin typeface="Calibri" panose="020F0502020204030204" pitchFamily="34" charset="0"/>
-                <a:cs typeface="Calibri" panose="020F0502020204030204" pitchFamily="34" charset="0"/>
-              </a:rPr>
-              <a:t> </a:t>
-            </a:r>
-            <a:r>
-              <a:rPr lang="en-US" dirty="0" err="1">
-                <a:solidFill>
-                  <a:schemeClr val="bg1"/>
-                </a:solidFill>
-                <a:latin typeface="Calibri" panose="020F0502020204030204" pitchFamily="34" charset="0"/>
-                <a:cs typeface="Calibri" panose="020F0502020204030204" pitchFamily="34" charset="0"/>
-              </a:rPr>
-              <a:t>nghĩa</a:t>
-            </a:r>
-            <a:r>
-              <a:rPr lang="en-US" dirty="0">
-                <a:solidFill>
-                  <a:schemeClr val="bg1"/>
-                </a:solidFill>
-                <a:latin typeface="Calibri" panose="020F0502020204030204" pitchFamily="34" charset="0"/>
-                <a:cs typeface="Calibri" panose="020F0502020204030204" pitchFamily="34" charset="0"/>
-              </a:rPr>
-              <a:t> </a:t>
-            </a:r>
-            <a:r>
-              <a:rPr lang="en-US" dirty="0" err="1">
-                <a:solidFill>
-                  <a:schemeClr val="bg1"/>
-                </a:solidFill>
-                <a:latin typeface="Calibri" panose="020F0502020204030204" pitchFamily="34" charset="0"/>
-                <a:cs typeface="Calibri" panose="020F0502020204030204" pitchFamily="34" charset="0"/>
-              </a:rPr>
-              <a:t>các</a:t>
-            </a:r>
-            <a:r>
-              <a:rPr lang="en-US" dirty="0">
-                <a:solidFill>
-                  <a:schemeClr val="bg1"/>
-                </a:solidFill>
-                <a:latin typeface="Calibri" panose="020F0502020204030204" pitchFamily="34" charset="0"/>
-                <a:cs typeface="Calibri" panose="020F0502020204030204" pitchFamily="34" charset="0"/>
-              </a:rPr>
-              <a:t> </a:t>
-            </a:r>
-            <a:r>
-              <a:rPr lang="en-US" dirty="0" err="1">
-                <a:solidFill>
-                  <a:schemeClr val="bg1"/>
-                </a:solidFill>
-                <a:latin typeface="Calibri" panose="020F0502020204030204" pitchFamily="34" charset="0"/>
-                <a:cs typeface="Calibri" panose="020F0502020204030204" pitchFamily="34" charset="0"/>
-              </a:rPr>
-              <a:t>thành</a:t>
-            </a:r>
-            <a:r>
-              <a:rPr lang="en-US" dirty="0">
-                <a:solidFill>
-                  <a:schemeClr val="bg1"/>
-                </a:solidFill>
-                <a:latin typeface="Calibri" panose="020F0502020204030204" pitchFamily="34" charset="0"/>
-                <a:cs typeface="Calibri" panose="020F0502020204030204" pitchFamily="34" charset="0"/>
-              </a:rPr>
-              <a:t> </a:t>
-            </a:r>
-            <a:r>
-              <a:rPr lang="en-US" dirty="0" err="1">
-                <a:solidFill>
-                  <a:schemeClr val="bg1"/>
-                </a:solidFill>
-                <a:latin typeface="Calibri" panose="020F0502020204030204" pitchFamily="34" charset="0"/>
-                <a:cs typeface="Calibri" panose="020F0502020204030204" pitchFamily="34" charset="0"/>
-              </a:rPr>
-              <a:t>phần</a:t>
-            </a:r>
-            <a:r>
-              <a:rPr lang="en-US" dirty="0">
-                <a:solidFill>
-                  <a:schemeClr val="bg1"/>
-                </a:solidFill>
-                <a:latin typeface="Calibri" panose="020F0502020204030204" pitchFamily="34" charset="0"/>
-                <a:cs typeface="Calibri" panose="020F0502020204030204" pitchFamily="34" charset="0"/>
-              </a:rPr>
-              <a:t> </a:t>
-            </a:r>
-            <a:r>
-              <a:rPr lang="en-US" dirty="0" err="1">
-                <a:solidFill>
-                  <a:schemeClr val="bg1"/>
-                </a:solidFill>
-                <a:latin typeface="Calibri" panose="020F0502020204030204" pitchFamily="34" charset="0"/>
-                <a:cs typeface="Calibri" panose="020F0502020204030204" pitchFamily="34" charset="0"/>
-              </a:rPr>
-              <a:t>của</a:t>
-            </a:r>
-            <a:r>
-              <a:rPr lang="en-US" dirty="0">
-                <a:solidFill>
-                  <a:schemeClr val="bg1"/>
-                </a:solidFill>
-                <a:latin typeface="Calibri" panose="020F0502020204030204" pitchFamily="34" charset="0"/>
-                <a:cs typeface="Calibri" panose="020F0502020204030204" pitchFamily="34" charset="0"/>
-              </a:rPr>
-              <a:t> </a:t>
-            </a:r>
-            <a:r>
-              <a:rPr lang="en-US" dirty="0" err="1">
-                <a:solidFill>
-                  <a:schemeClr val="bg1"/>
-                </a:solidFill>
-                <a:latin typeface="Calibri" panose="020F0502020204030204" pitchFamily="34" charset="0"/>
-                <a:cs typeface="Calibri" panose="020F0502020204030204" pitchFamily="34" charset="0"/>
-              </a:rPr>
-              <a:t>một</a:t>
-            </a:r>
-            <a:r>
-              <a:rPr lang="en-US" dirty="0">
-                <a:solidFill>
-                  <a:schemeClr val="bg1"/>
-                </a:solidFill>
-                <a:latin typeface="Calibri" panose="020F0502020204030204" pitchFamily="34" charset="0"/>
-                <a:cs typeface="Calibri" panose="020F0502020204030204" pitchFamily="34" charset="0"/>
-              </a:rPr>
-              <a:t> </a:t>
-            </a:r>
-            <a:r>
-              <a:rPr lang="en-US" dirty="0" err="1">
-                <a:solidFill>
-                  <a:schemeClr val="bg1"/>
-                </a:solidFill>
-                <a:latin typeface="Calibri" panose="020F0502020204030204" pitchFamily="34" charset="0"/>
-                <a:cs typeface="Calibri" panose="020F0502020204030204" pitchFamily="34" charset="0"/>
-              </a:rPr>
-              <a:t>đối</a:t>
-            </a:r>
-            <a:r>
-              <a:rPr lang="en-US" dirty="0">
-                <a:solidFill>
-                  <a:schemeClr val="bg1"/>
-                </a:solidFill>
-                <a:latin typeface="Calibri" panose="020F0502020204030204" pitchFamily="34" charset="0"/>
-                <a:cs typeface="Calibri" panose="020F0502020204030204" pitchFamily="34" charset="0"/>
-              </a:rPr>
-              <a:t> </a:t>
-            </a:r>
-            <a:r>
-              <a:rPr lang="en-US" dirty="0" err="1">
-                <a:solidFill>
-                  <a:schemeClr val="bg1"/>
-                </a:solidFill>
-                <a:latin typeface="Calibri" panose="020F0502020204030204" pitchFamily="34" charset="0"/>
-                <a:cs typeface="Calibri" panose="020F0502020204030204" pitchFamily="34" charset="0"/>
-              </a:rPr>
-              <a:t>tượng</a:t>
-            </a:r>
-            <a:r>
-              <a:rPr lang="en-US" dirty="0">
-                <a:solidFill>
-                  <a:schemeClr val="bg1"/>
-                </a:solidFill>
-                <a:latin typeface="Calibri" panose="020F0502020204030204" pitchFamily="34" charset="0"/>
-                <a:cs typeface="Calibri" panose="020F0502020204030204" pitchFamily="34" charset="0"/>
-              </a:rPr>
-              <a:t>.</a:t>
+              <a:rPr lang="en-US" dirty="0">
+                <a:solidFill>
+                  <a:schemeClr val="bg1"/>
+                </a:solidFill>
+                <a:latin typeface="Calibri" panose="020F0502020204030204" pitchFamily="34" charset="0"/>
+                <a:cs typeface="Calibri" panose="020F0502020204030204" pitchFamily="34" charset="0"/>
+              </a:rPr>
+              <a:t>là một interface/ abstract class, định nghĩa các thành phần của một đối tượng.</a:t>
             </a:r>
           </a:p>
           <a:p>
@@ -16184,7 +12649,7 @@
                 <a16:creationId xmlns:a16="http://schemas.microsoft.com/office/drawing/2014/main" id="{742DFF2D-EA41-4CBE-9659-C2917E4882E5}"/>
               </a:ext>
               <a:ext uri="{C183D7F6-B498-43B3-948B-1728B52AA6E4}">
-                <adec:decorative xmlns:adec="http://schemas.microsoft.com/office/drawing/2017/decorative" val="1"/>
+                <adec:decorative xmlns:adec="http://schemas.microsoft.com/office/drawing/2017/decorative" xmlns="" val="1"/>
               </a:ext>
             </a:extLst>
           </p:cNvPr>
@@ -16611,4 +13076,265 @@
     </a:ext>
   </a:extLst>
 </a:theme>
+</file>
+
+<file path=ppt/theme/theme2.xml><?xml version="1.0" encoding="utf-8"?>
+<a:theme xmlns:a="http://schemas.openxmlformats.org/drawingml/2006/main" name="Office Theme">
+  <a:themeElements>
+    <a:clrScheme name="Office">
+      <a:dk1>
+        <a:sysClr val="windowText" lastClr="000000"/>
+      </a:dk1>
+      <a:lt1>
+        <a:sysClr val="window" lastClr="FFFFFF"/>
+      </a:lt1>
+      <a:dk2>
+        <a:srgbClr val="44546A"/>
+      </a:dk2>
+      <a:lt2>
+        <a:srgbClr val="E7E6E6"/>
+      </a:lt2>
+      <a:accent1>
+        <a:srgbClr val="5B9BD5"/>
+      </a:accent1>
+      <a:accent2>
+        <a:srgbClr val="ED7D31"/>
+      </a:accent2>
+      <a:accent3>
+        <a:srgbClr val="A5A5A5"/>
+      </a:accent3>
+      <a:accent4>
+        <a:srgbClr val="FFC000"/>
+      </a:accent4>
+      <a:accent5>
+        <a:srgbClr val="4472C4"/>
+      </a:accent5>
+      <a:accent6>
+        <a:srgbClr val="70AD47"/>
+      </a:accent6>
+      <a:hlink>
+        <a:srgbClr val="0563C1"/>
+      </a:hlink>
+      <a:folHlink>
+        <a:srgbClr val="954F72"/>
+      </a:folHlink>
+    </a:clrScheme>
+    <a:fontScheme name="Office">
+      <a:majorFont>
+        <a:latin typeface="Calibri Light" panose="020F0302020204030204"/>
+        <a:ea typeface=""/>
+        <a:cs typeface=""/>
+        <a:font script="Jpan" typeface="游ゴシック Light"/>
+        <a:font script="Hang" typeface="맑은 고딕"/>
+        <a:font script="Hans" typeface="等线 Light"/>
+        <a:font script="Hant" typeface="新細明體"/>
+        <a:font script="Arab" typeface="Times New Roman"/>
+        <a:font script="Hebr" typeface="Times New Roman"/>
+        <a:font script="Thai" typeface="Angsana New"/>
+        <a:font script="Ethi" typeface="Nyala"/>
+        <a:font script="Beng" typeface="Vrinda"/>
+        <a:font script="Gujr" typeface="Shruti"/>
+        <a:font script="Khmr" typeface="MoolBoran"/>
+        <a:font script="Knda" typeface="Tunga"/>
+        <a:font script="Guru" typeface="Raavi"/>
+        <a:font script="Cans" typeface="Euphemia"/>
+        <a:font script="Cher" typeface="Plantagenet Cherokee"/>
+        <a:font script="Yiii" typeface="Microsoft Yi Baiti"/>
+        <a:font script="Tibt" typeface="Microsoft Himalaya"/>
+        <a:font script="Thaa" typeface="MV Boli"/>
+        <a:font script="Deva" typeface="Mangal"/>
+        <a:font script="Telu" typeface="Gautami"/>
+        <a:font script="Taml" typeface="Latha"/>
+        <a:font script="Syrc" typeface="Estrangelo Edessa"/>
+        <a:font script="Orya" typeface="Kalinga"/>
+        <a:font script="Mlym" typeface="Kartika"/>
+        <a:font script="Laoo" typeface="DokChampa"/>
+        <a:font script="Sinh" typeface="Iskoola Pota"/>
+        <a:font script="Mong" typeface="Mongolian Baiti"/>
+        <a:font script="Viet" typeface="Times New Roman"/>
+        <a:font script="Uigh" typeface="Microsoft Uighur"/>
+        <a:font script="Geor" typeface="Sylfaen"/>
+      </a:majorFont>
+      <a:minorFont>
+        <a:latin typeface="Calibri" panose="020F0502020204030204"/>
+        <a:ea typeface=""/>
+        <a:cs typeface=""/>
+        <a:font script="Jpan" typeface="游ゴシック"/>
+        <a:font script="Hang" typeface="맑은 고딕"/>
+        <a:font script="Hans" typeface="等线"/>
+        <a:font script="Hant" typeface="新細明體"/>
+        <a:font script="Arab" typeface="Arial"/>
+        <a:font script="Hebr" typeface="Arial"/>
+        <a:font script="Thai" typeface="Cordia New"/>
+        <a:font script="Ethi" typeface="Nyala"/>
+        <a:font script="Beng" typeface="Vrinda"/>
+        <a:font script="Gujr" typeface="Shruti"/>
+        <a:font script="Khmr" typeface="DaunPenh"/>
+        <a:font script="Knda" typeface="Tunga"/>
+        <a:font script="Guru" typeface="Raavi"/>
+        <a:font script="Cans" typeface="Euphemia"/>
+        <a:font script="Cher" typeface="Plantagenet Cherokee"/>
+        <a:font script="Yiii" typeface="Microsoft Yi Baiti"/>
+        <a:font script="Tibt" typeface="Microsoft Himalaya"/>
+        <a:font script="Thaa" typeface="MV Boli"/>
+        <a:font script="Deva" typeface="Mangal"/>
+        <a:font script="Telu" typeface="Gautami"/>
+        <a:font script="Taml" typeface="Latha"/>
+        <a:font script="Syrc" typeface="Estrangelo Edessa"/>
+        <a:font script="Orya" typeface="Kalinga"/>
+        <a:font script="Mlym" typeface="Kartika"/>
+        <a:font script="Laoo" typeface="DokChampa"/>
+        <a:font script="Sinh" typeface="Iskoola Pota"/>
+        <a:font script="Mong" typeface="Mongolian Baiti"/>
+        <a:font script="Viet" typeface="Arial"/>
+        <a:font script="Uigh" typeface="Microsoft Uighur"/>
+        <a:font script="Geor" typeface="Sylfaen"/>
+      </a:minorFont>
+    </a:fontScheme>
+    <a:fmtScheme name="Office">
+      <a:fillStyleLst>
+        <a:solidFill>
+          <a:schemeClr val="phClr"/>
+        </a:solidFill>
+        <a:gradFill rotWithShape="1">
+          <a:gsLst>
+            <a:gs pos="0">
+              <a:schemeClr val="phClr">
+                <a:lumMod val="110000"/>
+                <a:satMod val="105000"/>
+                <a:tint val="67000"/>
+              </a:schemeClr>
+            </a:gs>
+            <a:gs pos="50000">
+              <a:schemeClr val="phClr">
+                <a:lumMod val="105000"/>
+                <a:satMod val="103000"/>
+                <a:tint val="73000"/>
+              </a:schemeClr>
+            </a:gs>
+            <a:gs pos="100000">
+              <a:schemeClr val="phClr">
+                <a:lumMod val="105000"/>
+                <a:satMod val="109000"/>
+                <a:tint val="81000"/>
+              </a:schemeClr>
+            </a:gs>
+          </a:gsLst>
+          <a:lin ang="5400000" scaled="0"/>
+        </a:gradFill>
+        <a:gradFill rotWithShape="1">
+          <a:gsLst>
+            <a:gs pos="0">
+              <a:schemeClr val="phClr">
+                <a:satMod val="103000"/>
+                <a:lumMod val="102000"/>
+                <a:tint val="94000"/>
+              </a:schemeClr>
+            </a:gs>
+            <a:gs pos="50000">
+              <a:schemeClr val="phClr">
+                <a:satMod val="110000"/>
+                <a:lumMod val="100000"/>
+                <a:shade val="100000"/>
+              </a:schemeClr>
+            </a:gs>
+            <a:gs pos="100000">
+              <a:schemeClr val="phClr">
+                <a:lumMod val="99000"/>
+                <a:satMod val="120000"/>
+                <a:shade val="78000"/>
+              </a:schemeClr>
+            </a:gs>
+          </a:gsLst>
+          <a:lin ang="5400000" scaled="0"/>
+        </a:gradFill>
+      </a:fillStyleLst>
+      <a:lnStyleLst>
+        <a:ln w="6350" cap="flat" cmpd="sng" algn="ctr">
+          <a:solidFill>
+            <a:schemeClr val="phClr"/>
+          </a:solidFill>
+          <a:prstDash val="solid"/>
+          <a:miter lim="800000"/>
+        </a:ln>
+        <a:ln w="12700" cap="flat" cmpd="sng" algn="ctr">
+          <a:solidFill>
+            <a:schemeClr val="phClr"/>
+          </a:solidFill>
+          <a:prstDash val="solid"/>
+          <a:miter lim="800000"/>
+        </a:ln>
+        <a:ln w="19050" cap="flat" cmpd="sng" algn="ctr">
+          <a:solidFill>
+            <a:schemeClr val="phClr"/>
+          </a:solidFill>
+          <a:prstDash val="solid"/>
+          <a:miter lim="800000"/>
+        </a:ln>
+      </a:lnStyleLst>
+      <a:effectStyleLst>
+        <a:effectStyle>
+          <a:effectLst/>
+        </a:effectStyle>
+        <a:effectStyle>
+          <a:effectLst/>
+        </a:effectStyle>
+        <a:effectStyle>
+          <a:effectLst>
+            <a:outerShdw blurRad="57150" dist="19050" dir="5400000" algn="ctr" rotWithShape="0">
+              <a:srgbClr val="000000">
+                <a:alpha val="63000"/>
+              </a:srgbClr>
+            </a:outerShdw>
+          </a:effectLst>
+        </a:effectStyle>
+      </a:effectStyleLst>
+      <a:bgFillStyleLst>
+        <a:solidFill>
+          <a:schemeClr val="phClr"/>
+        </a:solidFill>
+        <a:solidFill>
+          <a:schemeClr val="phClr">
+            <a:tint val="95000"/>
+            <a:satMod val="170000"/>
+          </a:schemeClr>
+        </a:solidFill>
+        <a:gradFill rotWithShape="1">
+          <a:gsLst>
+            <a:gs pos="0">
+              <a:schemeClr val="phClr">
+                <a:tint val="93000"/>
+                <a:satMod val="150000"/>
+                <a:shade val="98000"/>
+                <a:lumMod val="102000"/>
+              </a:schemeClr>
+            </a:gs>
+            <a:gs pos="50000">
+              <a:schemeClr val="phClr">
+                <a:tint val="98000"/>
+                <a:satMod val="130000"/>
+                <a:shade val="90000"/>
+                <a:lumMod val="103000"/>
+              </a:schemeClr>
+            </a:gs>
+            <a:gs pos="100000">
+              <a:schemeClr val="phClr">
+                <a:shade val="63000"/>
+                <a:satMod val="120000"/>
+              </a:schemeClr>
+            </a:gs>
+          </a:gsLst>
+          <a:lin ang="5400000" scaled="0"/>
+        </a:gradFill>
+      </a:bgFillStyleLst>
+    </a:fmtScheme>
+  </a:themeElements>
+  <a:objectDefaults/>
+  <a:extraClrSchemeLst/>
+  <a:extLst>
+    <a:ext uri="{05A4C25C-085E-4340-85A3-A5531E510DB2}">
+      <thm15:themeFamily xmlns:thm15="http://schemas.microsoft.com/office/thememl/2012/main" name="Office Theme" id="{62F939B6-93AF-4DB8-9C6B-D6C7DFDC589F}" vid="{4A3C46E8-61CC-4603-A589-7422A47A8E4A}"/>
+    </a:ext>
+  </a:extLst>
+</a:theme>
 </file>